--- a/2025-Q3/Unity1/2025-07-06-Unity.pptx
+++ b/2025-Q3/Unity1/2025-07-06-Unity.pptx
@@ -12,10 +12,10 @@
     <p:sldId id="560" r:id="rId3"/>
     <p:sldId id="559" r:id="rId4"/>
     <p:sldId id="564" r:id="rId5"/>
-    <p:sldId id="547" r:id="rId6"/>
-    <p:sldId id="561" r:id="rId7"/>
-    <p:sldId id="562" r:id="rId8"/>
-    <p:sldId id="563" r:id="rId9"/>
+    <p:sldId id="562" r:id="rId6"/>
+    <p:sldId id="547" r:id="rId7"/>
+    <p:sldId id="561" r:id="rId8"/>
+    <p:sldId id="565" r:id="rId9"/>
   </p:sldIdLst>
   <p:sldSz cx="9144000" cy="6858000" type="screen4x3"/>
   <p:notesSz cx="7099300" cy="9385300"/>
@@ -283,7 +283,7 @@
               <a:pPr>
                 <a:defRPr/>
               </a:pPr>
-              <a:t>7/1/2025</a:t>
+              <a:t>7/3/2025</a:t>
             </a:fld>
             <a:endParaRPr lang="en-US"/>
           </a:p>
@@ -675,76 +675,8 @@
           <a:bodyPr/>
           <a:lstStyle/>
           <a:p>
-            <a:r>
-              <a:rPr lang="en-US" sz="1400" dirty="0"/>
-              <a:t>Ideas:</a:t>
-            </a:r>
-          </a:p>
-          <a:p>
-            <a:endParaRPr lang="en-US" sz="1400" dirty="0"/>
-          </a:p>
-          <a:p>
-            <a:pPr marL="342900" indent="-342900">
-              <a:buAutoNum type="arabicPeriod"/>
-            </a:pPr>
-            <a:r>
-              <a:rPr lang="en-US" sz="1400" dirty="0"/>
-              <a:t>Discernment</a:t>
-            </a:r>
-          </a:p>
-          <a:p>
-            <a:pPr marL="800100" lvl="1" indent="-342900">
-              <a:buAutoNum type="arabicPeriod"/>
-            </a:pPr>
-            <a:r>
-              <a:rPr lang="en-US" sz="1400" dirty="0"/>
-              <a:t>Consider the “Cohorts” present at the Pilate inquiry.  </a:t>
-            </a:r>
-          </a:p>
-          <a:p>
-            <a:pPr marL="1257300" lvl="2" indent="-342900">
-              <a:buAutoNum type="arabicPeriod"/>
-            </a:pPr>
-            <a:r>
-              <a:rPr lang="en-US" sz="1400" dirty="0"/>
-              <a:t>Pharisees – lacked discernment (Matt XX : able to predict weather, but not able to see the signs of the time).  A time when both the Pharisees and </a:t>
-            </a:r>
-            <a:r>
-              <a:rPr lang="en-US" sz="1400" dirty="0" err="1"/>
-              <a:t>Saduccees</a:t>
-            </a:r>
-            <a:r>
-              <a:rPr lang="en-US" sz="1400" dirty="0"/>
-              <a:t> were unified.</a:t>
-            </a:r>
-          </a:p>
-          <a:p>
-            <a:pPr marL="1257300" lvl="2" indent="-342900">
-              <a:buAutoNum type="arabicPeriod"/>
-            </a:pPr>
-            <a:r>
-              <a:rPr lang="en-US" sz="1400" dirty="0"/>
-              <a:t>Romans – “Might is Right” – reading the wrong signs – ignoring significance of situational context – “the end justifies the means”</a:t>
-            </a:r>
-          </a:p>
-          <a:p>
-            <a:pPr marL="1257300" lvl="2" indent="-342900">
-              <a:buAutoNum type="arabicPeriod"/>
-            </a:pPr>
-            <a:r>
-              <a:rPr lang="en-US" sz="1400" dirty="0"/>
-              <a:t>Jesus – a cohort of 1.  Speaking to whom?  </a:t>
-            </a:r>
-          </a:p>
-          <a:p>
-            <a:pPr marL="800100" lvl="1" indent="-342900">
-              <a:buAutoNum type="arabicPeriod"/>
-            </a:pPr>
-            <a:endParaRPr lang="en-US" sz="1400" dirty="0"/>
-          </a:p>
-          <a:p>
-            <a:pPr marL="800100" lvl="1" indent="-342900">
-              <a:buAutoNum type="arabicPeriod"/>
+            <a:pPr marL="457200" lvl="1" indent="0">
+              <a:buNone/>
             </a:pPr>
             <a:endParaRPr lang="en-US" sz="1400" dirty="0"/>
           </a:p>
@@ -840,13 +772,68 @@
         <p:spPr/>
         <p:txBody>
           <a:bodyPr>
-            <a:normAutofit fontScale="77500" lnSpcReduction="20000"/>
+            <a:normAutofit fontScale="55000" lnSpcReduction="20000"/>
           </a:bodyPr>
           <a:lstStyle/>
           <a:p>
+            <a:pPr marL="0" lvl="0" indent="0">
+              <a:buNone/>
+            </a:pPr>
+            <a:r>
+              <a:rPr lang="en-US" sz="1400" dirty="0"/>
+              <a:t>Consider the “Cohorts” present at the Pilate inquiry.  </a:t>
+            </a:r>
+          </a:p>
+          <a:p>
+            <a:pPr marL="342900" lvl="0" indent="-342900">
+              <a:buAutoNum type="arabicPeriod"/>
+            </a:pPr>
+            <a:r>
+              <a:rPr lang="en-US" sz="1400" dirty="0"/>
+              <a:t>Pharisees – lacked discernment (Matt 16 : able to predict weather, but not able to see the signs of the time).  A time when both the Pharisees and Sadducees were unified.</a:t>
+            </a:r>
+          </a:p>
+          <a:p>
+            <a:pPr marL="342900" lvl="0" indent="-342900">
+              <a:buAutoNum type="arabicPeriod"/>
+            </a:pPr>
+            <a:r>
+              <a:rPr lang="en-US" sz="1400" dirty="0"/>
+              <a:t>Romans – “Might is Right” – reading the wrong signs – ignoring significance of situational context – “the end justifies the means”</a:t>
+            </a:r>
+          </a:p>
+          <a:p>
+            <a:pPr marL="342900" lvl="0" indent="-342900">
+              <a:buAutoNum type="arabicPeriod"/>
+            </a:pPr>
+            <a:r>
+              <a:rPr lang="en-US" sz="1400" dirty="0"/>
+              <a:t>Jesus – A cohort of 1 (Trinity?).  Speaking to whom?  </a:t>
+            </a:r>
+            <a:endParaRPr lang="en-US" sz="1200" b="0" i="0" u="none" strike="noStrike" kern="1200" baseline="0" dirty="0">
+              <a:solidFill>
+                <a:schemeClr val="tx1"/>
+              </a:solidFill>
+              <a:latin typeface="+mn-lt"/>
+              <a:ea typeface="ＭＳ Ｐゴシック" pitchFamily="-106" charset="-128"/>
+              <a:cs typeface="ＭＳ Ｐゴシック" pitchFamily="-106" charset="-128"/>
+            </a:endParaRPr>
+          </a:p>
+          <a:p>
             <a:pPr rtl="0"/>
-            <a:r>
-              <a:rPr lang="en-US" sz="1200" b="0" i="0" u="none" strike="noStrike" kern="1200" baseline="0" dirty="0">
+            <a:endParaRPr lang="en-US" sz="1200" b="0" i="0" u="none" strike="noStrike" kern="1200" baseline="0" dirty="0">
+              <a:solidFill>
+                <a:schemeClr val="tx1"/>
+              </a:solidFill>
+              <a:latin typeface="+mn-lt"/>
+              <a:ea typeface="ＭＳ Ｐゴシック" pitchFamily="-106" charset="-128"/>
+              <a:cs typeface="ＭＳ Ｐゴシック" pitchFamily="-106" charset="-128"/>
+            </a:endParaRPr>
+          </a:p>
+          <a:p>
+            <a:pPr rtl="0"/>
+            <a:r>
+              <a:rPr lang="en-US" sz="1200" b="1" i="0" u="none" strike="noStrike" kern="1200" baseline="0" dirty="0">
                 <a:solidFill>
                   <a:schemeClr val="tx1"/>
                 </a:solidFill>
@@ -935,7 +922,29 @@
                 <a:ea typeface="ＭＳ Ｐゴシック" pitchFamily="-106" charset="-128"/>
                 <a:cs typeface="ＭＳ Ｐゴシック" pitchFamily="-106" charset="-128"/>
               </a:rPr>
-              <a:t>For this reason I was born, and for this reason I came into the world – to testify to the truth. </a:t>
+              <a:t>For this reason I was born, and for this reason I came into the world – </a:t>
+            </a:r>
+            <a:r>
+              <a:rPr lang="en-US" sz="1200" b="1" i="0" u="sng" strike="noStrike" kern="1200" baseline="0" dirty="0">
+                <a:solidFill>
+                  <a:schemeClr val="tx1"/>
+                </a:solidFill>
+                <a:latin typeface="+mn-lt"/>
+                <a:ea typeface="ＭＳ Ｐゴシック" pitchFamily="-106" charset="-128"/>
+                <a:cs typeface="ＭＳ Ｐゴシック" pitchFamily="-106" charset="-128"/>
+              </a:rPr>
+              <a:t>to testify to the truth</a:t>
+            </a:r>
+            <a:r>
+              <a:rPr lang="en-US" sz="1200" b="1" i="0" u="none" strike="noStrike" kern="1200" baseline="0" dirty="0">
+                <a:solidFill>
+                  <a:schemeClr val="tx1"/>
+                </a:solidFill>
+                <a:latin typeface="+mn-lt"/>
+                <a:ea typeface="ＭＳ Ｐゴシック" pitchFamily="-106" charset="-128"/>
+                <a:cs typeface="ＭＳ Ｐゴシック" pitchFamily="-106" charset="-128"/>
+              </a:rPr>
+              <a:t>. </a:t>
             </a:r>
             <a:r>
               <a:rPr lang="en-US" sz="1200" b="1" i="0" u="sng" strike="noStrike" kern="1200" baseline="0" dirty="0">
@@ -1034,17 +1043,6 @@
           </a:p>
           <a:p>
             <a:pPr rtl="0"/>
-            <a:endParaRPr lang="en-US" sz="1200" b="1" i="0" u="none" strike="noStrike" kern="1200" baseline="0" dirty="0">
-              <a:solidFill>
-                <a:schemeClr val="tx1"/>
-              </a:solidFill>
-              <a:latin typeface="+mn-lt"/>
-              <a:ea typeface="ＭＳ Ｐゴシック" pitchFamily="-106" charset="-128"/>
-              <a:cs typeface="ＭＳ Ｐゴシック" pitchFamily="-106" charset="-128"/>
-            </a:endParaRPr>
-          </a:p>
-          <a:p>
-            <a:pPr rtl="0"/>
             <a:r>
               <a:rPr lang="en-US" sz="1200" b="0" i="0" u="none" strike="noStrike" kern="1200" baseline="0" dirty="0">
                 <a:solidFill>
@@ -1107,46 +1105,21 @@
           <a:p>
             <a:r>
               <a:rPr lang="en-US" dirty="0"/>
-              <a:t>I Cor. 2:XX</a:t>
+              <a:t>I Cor. 2:13-16</a:t>
             </a:r>
           </a:p>
           <a:p>
             <a:r>
               <a:rPr lang="en-US" dirty="0"/>
-              <a:t>“…but we have the mind of Christ”</a:t>
-            </a:r>
-          </a:p>
-          <a:p>
-            <a:endParaRPr lang="en-US" dirty="0"/>
-          </a:p>
-          <a:p>
+              <a:t>“…</a:t>
+            </a:r>
+            <a:r>
+              <a:rPr lang="en-US" b="1" dirty="0"/>
+              <a:t>but we have the mind of Christ</a:t>
+            </a:r>
             <a:r>
               <a:rPr lang="en-US" dirty="0"/>
-              <a:t>Elements of a World-View</a:t>
-            </a:r>
-          </a:p>
-          <a:p>
-            <a:r>
-              <a:rPr lang="en-US" sz="1200" dirty="0"/>
-              <a:t>Origins (Where do we come from?)</a:t>
-            </a:r>
-          </a:p>
-          <a:p>
-            <a:r>
-              <a:rPr lang="en-US" sz="1200" dirty="0"/>
-              <a:t>Meaning (Why are we here?)</a:t>
-            </a:r>
-          </a:p>
-          <a:p>
-            <a:r>
-              <a:rPr lang="en-US" sz="1200" dirty="0"/>
-              <a:t>Morality (How should we live?)</a:t>
-            </a:r>
-          </a:p>
-          <a:p>
-            <a:r>
-              <a:rPr lang="en-US" sz="1200" dirty="0"/>
-              <a:t>Destiny (Where are we going?)</a:t>
+              <a:t>”</a:t>
             </a:r>
           </a:p>
           <a:p>
@@ -1256,13 +1229,10 @@
         <p:spPr/>
         <p:txBody>
           <a:bodyPr>
-            <a:normAutofit fontScale="47500" lnSpcReduction="20000"/>
+            <a:normAutofit fontScale="25000" lnSpcReduction="20000"/>
           </a:bodyPr>
           <a:lstStyle/>
           <a:p>
-            <a:endParaRPr lang="en-US" b="1" dirty="0"/>
-          </a:p>
-          <a:p>
             <a:r>
               <a:rPr lang="en-US" dirty="0"/>
               <a:t>Knowledge is only valuable if it becomes the driving force in the choices we make.   The right choices requires knowledge.  A pattern of right choices suggests Wisdom.</a:t>
@@ -1283,7 +1253,7 @@
           <a:p>
             <a:r>
               <a:rPr lang="en-US" dirty="0"/>
-              <a:t>Eclectic Theology – a quilted collection of patterns that makes no sense.  No discernment, no discrimination.  No rhyme nor reason.  Indiscriminate.  Contemporary evangelical scene.  No discriminating judgements about any theological ideas.   How dare you question any viewpoint?   </a:t>
+              <a:t>Eclectic Theology – a quilted collection of patterns that makes no sense.  No discernment, no discrimination.  No rhyme nor reason.  Indiscriminate.  Contemporary Christian scene exhibits no discriminating judgements about any theological ideas.   How dare you question any viewpoint?   </a:t>
             </a:r>
           </a:p>
           <a:p>
@@ -1292,61 +1262,7 @@
           <a:p>
             <a:r>
               <a:rPr lang="en-US" dirty="0"/>
-              <a:t>Biblical Christianity is fighting for its life.  </a:t>
-            </a:r>
-          </a:p>
-          <a:p>
-            <a:endParaRPr lang="en-US" dirty="0"/>
-          </a:p>
-          <a:p>
-            <a:r>
-              <a:rPr lang="en-US" dirty="0"/>
-              <a:t>This growing lack of Spiritual Discrimination out-strips any other problem we now see in the Church.</a:t>
-            </a:r>
-          </a:p>
-          <a:p>
-            <a:endParaRPr lang="en-US" dirty="0"/>
-          </a:p>
-          <a:p>
-            <a:r>
-              <a:rPr lang="en-US" dirty="0"/>
-              <a:t>Biblical Christianity would go out of existence if not for the saving power of God.</a:t>
-            </a:r>
-          </a:p>
-          <a:p>
-            <a:endParaRPr lang="en-US" dirty="0"/>
-          </a:p>
-          <a:p>
-            <a:r>
-              <a:rPr lang="en-US" dirty="0"/>
-              <a:t>What problem out-strips any </a:t>
-            </a:r>
-          </a:p>
-          <a:p>
-            <a:endParaRPr lang="en-US" dirty="0"/>
-          </a:p>
-          <a:p>
-            <a:r>
-              <a:rPr lang="en-US" dirty="0"/>
-              <a:t>The death-nail to our church today…  bad decisions, faulty reasoning, superficial understanding, lack of knowledge, </a:t>
-            </a:r>
-          </a:p>
-          <a:p>
-            <a:endParaRPr lang="en-US" dirty="0"/>
-          </a:p>
-          <a:p>
-            <a:r>
-              <a:rPr lang="en-US" dirty="0"/>
-              <a:t>Contributes anguish to the church…  abandoning theology and truth.</a:t>
-            </a:r>
-          </a:p>
-          <a:p>
-            <a:endParaRPr lang="en-US" dirty="0"/>
-          </a:p>
-          <a:p>
-            <a:r>
-              <a:rPr lang="en-US" dirty="0"/>
-              <a:t>This costs the church more than all persecutions combined.  Persecution actually strengthens the church’s grip on the truth.</a:t>
+              <a:t>Biblical Christianity is fighting for its life.  This growing lack of Spiritual Discrimination out-strips any other problem we now see in the Church.</a:t>
             </a:r>
           </a:p>
           <a:p>
@@ -1373,7 +1289,7 @@
           <a:p>
             <a:r>
               <a:rPr lang="en-US" dirty="0"/>
-              <a:t>There is a world of chaos and confusion.  The system of which we live is pitted against the Truth of God.</a:t>
+              <a:t>There is a world of chaos and confusion.  The system in which we live is pitted against the Truth of God.</a:t>
             </a:r>
           </a:p>
           <a:p>
@@ -1400,15 +1316,16 @@
           <a:p>
             <a:r>
               <a:rPr lang="en-US" dirty="0"/>
-              <a:t>Matthew 16:1-4   Able to discern the weather, but not the prophetic signs.   </a:t>
-            </a:r>
-            <a:r>
-              <a:rPr lang="en-US" dirty="0" err="1"/>
-              <a:t>Saducees</a:t>
-            </a:r>
+              <a:t>Scriptural Interpretation with Precision is warranted.  Amateur versus Professional.  Knowing Sound Doctrine.  Lack of Doctrinal Clarity and Conviction.</a:t>
+            </a:r>
+          </a:p>
+          <a:p>
+            <a:endParaRPr lang="en-US" dirty="0"/>
+          </a:p>
+          <a:p>
             <a:r>
               <a:rPr lang="en-US" dirty="0"/>
-              <a:t> &amp; Pharisees in unity (against Jesus).  Could not discern the “signs of the times”.  Religious elite…  no Spiritual Discernment.   Don’t even know that the Kingdom of Heaven is in front of you.</a:t>
+              <a:t>Don’t spend time thinking about what “they” think versus what “He” thinks.“  “…but we have the mind of Christ” (1 Cor. 2).</a:t>
             </a:r>
           </a:p>
           <a:p>
@@ -1417,133 +1334,13 @@
           <a:p>
             <a:r>
               <a:rPr lang="en-US" dirty="0"/>
-              <a:t>2 Cor. 11:1-4   “[False Doctrine]…you will put up with it!”   Illustrates a Lack of Discernment</a:t>
-            </a:r>
-          </a:p>
-          <a:p>
-            <a:endParaRPr lang="en-US" dirty="0"/>
-          </a:p>
-          <a:p>
-            <a:endParaRPr lang="en-US" dirty="0"/>
+              <a:t>It’s essential to be able to say “that’s right” and “that’s wrong”.  There is often an unwillingness to disagree.   </a:t>
+            </a:r>
           </a:p>
           <a:p>
             <a:r>
               <a:rPr lang="en-US" dirty="0"/>
-              <a:t>2 Thes. 5:16-22    Do not despise “</a:t>
-            </a:r>
-            <a:r>
-              <a:rPr lang="en-US" dirty="0" err="1"/>
-              <a:t>profeteos</a:t>
-            </a:r>
-            <a:r>
-              <a:rPr lang="en-US" dirty="0"/>
-              <a:t>” – Preaching, Revelation, ;  Test everything (i.e. like the </a:t>
-            </a:r>
-            <a:r>
-              <a:rPr lang="en-US" dirty="0" err="1"/>
-              <a:t>Barean’s</a:t>
-            </a:r>
-            <a:r>
-              <a:rPr lang="en-US" dirty="0"/>
-              <a:t>) ;  Be on the front-line of discernment!   Determine what is True.  Cling to the Good.  Whatever is evil, abstain – push it away.   Precision is everything.  Discernment is everything.  </a:t>
-            </a:r>
-          </a:p>
-          <a:p>
-            <a:endParaRPr lang="en-US" dirty="0"/>
-          </a:p>
-          <a:p>
-            <a:r>
-              <a:rPr lang="en-US" dirty="0"/>
-              <a:t>Scriptural Interpretation with Precision is warranted.  Amateur versus Professional.  Knowing Sound Doctrine (Timothy?).  Lack of Doctrinal Clarity and Conviction.</a:t>
-            </a:r>
-          </a:p>
-          <a:p>
-            <a:endParaRPr lang="en-US" dirty="0"/>
-          </a:p>
-          <a:p>
-            <a:r>
-              <a:rPr lang="en-US" dirty="0"/>
-              <a:t>Don’t spend time thinking about what “they” think versus what “He” thinks (i.e. Rick Atchley, Rick Warren examples) versus Paul’s admonition (1 Cor 2) “…but we have the mind of Christ”.</a:t>
-            </a:r>
-          </a:p>
-          <a:p>
-            <a:endParaRPr lang="en-US" dirty="0"/>
-          </a:p>
-          <a:p>
-            <a:r>
-              <a:rPr lang="en-US" dirty="0"/>
-              <a:t>The “They” Cohort…!</a:t>
-            </a:r>
-          </a:p>
-          <a:p>
-            <a:endParaRPr lang="en-US" dirty="0"/>
-          </a:p>
-          <a:p>
-            <a:r>
-              <a:rPr lang="en-US" dirty="0"/>
-              <a:t>When Sound Doctrine is offensive…!   </a:t>
-            </a:r>
-          </a:p>
-          <a:p>
-            <a:endParaRPr lang="en-US" dirty="0"/>
-          </a:p>
-          <a:p>
-            <a:r>
-              <a:rPr lang="en-US" dirty="0"/>
-              <a:t>Failure to be antithetical…   An unwillingness to disagree…   There has to be constant and healthy debate about Truth in the Church.  Be Opinionated…  Declare “that’s wrong” and “that’s right”.  Subjective…   </a:t>
-            </a:r>
-          </a:p>
-          <a:p>
-            <a:endParaRPr lang="en-US" dirty="0"/>
-          </a:p>
-          <a:p>
-            <a:r>
-              <a:rPr lang="en-US" dirty="0"/>
-              <a:t>It’s essential to be able to say “that’s right” and “that’s wrong”.  Thetical versus anti-thetical.  Be definitive.  Truth and error from a Biblical perspective.  </a:t>
-            </a:r>
-          </a:p>
-          <a:p>
-            <a:endParaRPr lang="en-US" dirty="0"/>
-          </a:p>
-          <a:p>
-            <a:r>
-              <a:rPr lang="en-US" dirty="0"/>
-              <a:t>Dogma of image and influence.   2 Timothy 2:15</a:t>
-            </a:r>
-          </a:p>
-          <a:p>
-            <a:endParaRPr lang="en-US" dirty="0"/>
-          </a:p>
-          <a:p>
-            <a:r>
-              <a:rPr lang="en-US" dirty="0"/>
-              <a:t>You have to have your mind renewed.</a:t>
-            </a:r>
-          </a:p>
-          <a:p>
-            <a:endParaRPr lang="en-US" dirty="0"/>
-          </a:p>
-          <a:p>
-            <a:r>
-              <a:rPr lang="en-US" dirty="0"/>
-              <a:t>1 Tim 6   : Guard the Truth – Discernment is the skill for </a:t>
-            </a:r>
-            <a:r>
-              <a:rPr lang="en-US" dirty="0" err="1"/>
-              <a:t>distinquishing</a:t>
-            </a:r>
-            <a:r>
-              <a:rPr lang="en-US" dirty="0"/>
-              <a:t> truth from falsehood and from half-truth</a:t>
-            </a:r>
-          </a:p>
-          <a:p>
-            <a:endParaRPr lang="en-US" dirty="0"/>
-          </a:p>
-          <a:p>
-            <a:r>
-              <a:rPr lang="en-US" dirty="0"/>
-              <a:t>1 John 2:20</a:t>
+              <a:t>There has to be constant and healthy debate about Truth in the Church.  Be Opinionated…  Declare “that’s wrong” and “that’s right”.  Don’t be subjective…</a:t>
             </a:r>
           </a:p>
           <a:p>
@@ -1561,11 +1358,20 @@
                 <a:ea typeface="ＭＳ Ｐゴシック" pitchFamily="-106" charset="-128"/>
                 <a:cs typeface="ＭＳ Ｐゴシック" pitchFamily="-106" charset="-128"/>
               </a:rPr>
-              <a:t>But if you look at Scripture – and just to give you a kind of sweep over Scripture – you would be amazed if you sort of rehearsed this a little bit, and I hope you do that, how black and white and absolute the Scripture is. Jay Adams wrote a paragraph that, I think, puts it in to perspective” “From the garden of Eden with its two trees – one allowed, one forbidden – to the eternal destiny of the human being in heaven or in hell, the Bible sets forth two and only two ways: God’s way and all others. Accordingly, people are either saved or lost. They belong to God’s people or the world. There is Gerizim, the mount of blessing, and Ebal, the mount of cursing. There is the narrow way and the wide way. One leads to eternal life, the other to eternal destruction.</a:t>
-            </a:r>
-          </a:p>
-          <a:p>
-            <a:pPr fontAlgn="auto"/>
+              <a:t>Jay Adams wrote… “From the garden of Eden with its two trees – one allowed, one forbidden – to the eternal destiny of the human being in heaven or in hell, the Bible sets forth two and only two ways: </a:t>
+            </a:r>
+            <a:r>
+              <a:rPr lang="en-US" sz="1200" b="0" u="sng" kern="1200" dirty="0">
+                <a:solidFill>
+                  <a:schemeClr val="tx1"/>
+                </a:solidFill>
+                <a:effectLst/>
+                <a:latin typeface="+mn-lt"/>
+                <a:ea typeface="ＭＳ Ｐゴシック" pitchFamily="-106" charset="-128"/>
+                <a:cs typeface="ＭＳ Ｐゴシック" pitchFamily="-106" charset="-128"/>
+              </a:rPr>
+              <a:t>God’s way and all others</a:t>
+            </a:r>
             <a:r>
               <a:rPr lang="en-US" sz="1200" b="0" kern="1200" dirty="0">
                 <a:solidFill>
@@ -1576,8 +1382,20 @@
                 <a:ea typeface="ＭＳ Ｐゴシック" pitchFamily="-106" charset="-128"/>
                 <a:cs typeface="ＭＳ Ｐゴシック" pitchFamily="-106" charset="-128"/>
               </a:rPr>
-              <a:t>“There are those who are against and those who are with us. There are those within the kingdom and those outside the kingdom. There is life and death, truth and falsehood, good and bad, light and darkness, the kingdom of God and the kingdom of Satan, love and hatred, spiritual wisdom and the wisdom of the world. And Christ is said to be the way, the truth, and the life; and no one may come to the Father but by Him. He is the only name under the sky by which one may be saved.” End of paragraph.</a:t>
-            </a:r>
+              <a:t>. Accordingly, people are either saved or lost. They belong to God’s people or the world. There is Gerizim, the mount of blessing, and Ebal, the mount of cursing. There is the narrow way and the wide way. One leads to eternal life, the other to eternal destruction.</a:t>
+            </a:r>
+          </a:p>
+          <a:p>
+            <a:pPr fontAlgn="auto"/>
+            <a:endParaRPr lang="en-US" sz="1200" b="0" kern="1200" dirty="0">
+              <a:solidFill>
+                <a:schemeClr val="tx1"/>
+              </a:solidFill>
+              <a:effectLst/>
+              <a:latin typeface="+mn-lt"/>
+              <a:ea typeface="ＭＳ Ｐゴシック" pitchFamily="-106" charset="-128"/>
+              <a:cs typeface="ＭＳ Ｐゴシック" pitchFamily="-106" charset="-128"/>
+            </a:endParaRPr>
           </a:p>
           <a:p>
             <a:pPr fontAlgn="auto"/>
@@ -1591,35 +1409,25 @@
                 <a:ea typeface="ＭＳ Ｐゴシック" pitchFamily="-106" charset="-128"/>
                 <a:cs typeface="ＭＳ Ｐゴシック" pitchFamily="-106" charset="-128"/>
               </a:rPr>
-              <a:t>And that is exactly the way the Bible presents itself. It presents truth and error, God’s way and everybody else’s way. There’s a right way, there’s a wrong way. There’s a right interpretation of a passage, and every other interpretation is the wrong one. There’s a right theology, and anything that disagrees with it is a wrong theology. There is a right way to understand God, Christ, the Holy Spirit, and salvation, and a wrong way. This is on every page of the Bible, from the beginning to the end of Scripture. This antithetical kind of thinking is everywhere, everywhere.</a:t>
-            </a:r>
-          </a:p>
-          <a:p>
-            <a:endParaRPr lang="en-US" dirty="0"/>
-          </a:p>
-          <a:p>
-            <a:endParaRPr lang="en-US" dirty="0"/>
-          </a:p>
-          <a:p>
-            <a:pPr marL="0" marR="0" lvl="0" indent="0" algn="l" defTabSz="914400" rtl="0" eaLnBrk="0" fontAlgn="base" latinLnBrk="0" hangingPunct="0">
-              <a:lnSpc>
-                <a:spcPct val="100000"/>
-              </a:lnSpc>
-              <a:spcBef>
-                <a:spcPct val="30000"/>
-              </a:spcBef>
-              <a:spcAft>
-                <a:spcPct val="0"/>
-              </a:spcAft>
-              <a:buClrTx/>
-              <a:buSzTx/>
-              <a:buFontTx/>
-              <a:buNone/>
-              <a:tabLst/>
-              <a:defRPr/>
-            </a:pPr>
-            <a:r>
-              <a:rPr lang="en-US" sz="1200" b="0" i="0" kern="1200" dirty="0">
+              <a:t>“There are those who are against and those who are with us. There are those within the kingdom and those outside the kingdom. There is life and death, truth and falsehood, good and bad, light and darkness, the kingdom of God and the kingdom of Satan, love and hatred, spiritual wisdom and the wisdom of the world. And Christ is said to be the way, the truth, and the life; and no one may come to the Father but by Him. He is the only name under the sky by which one may be saved.” </a:t>
+            </a:r>
+          </a:p>
+          <a:p>
+            <a:pPr fontAlgn="auto"/>
+            <a:endParaRPr lang="en-US" sz="1200" b="0" kern="1200" dirty="0">
+              <a:solidFill>
+                <a:schemeClr val="tx1"/>
+              </a:solidFill>
+              <a:effectLst/>
+              <a:latin typeface="+mn-lt"/>
+              <a:ea typeface="ＭＳ Ｐゴシック" pitchFamily="-106" charset="-128"/>
+              <a:cs typeface="ＭＳ Ｐゴシック" pitchFamily="-106" charset="-128"/>
+            </a:endParaRPr>
+          </a:p>
+          <a:p>
+            <a:pPr fontAlgn="auto"/>
+            <a:r>
+              <a:rPr lang="en-US" sz="1200" b="0" kern="1200" dirty="0">
                 <a:solidFill>
                   <a:schemeClr val="tx1"/>
                 </a:solidFill>
@@ -1628,7 +1436,7 @@
                 <a:ea typeface="ＭＳ Ｐゴシック" pitchFamily="-106" charset="-128"/>
                 <a:cs typeface="ＭＳ Ｐゴシック" pitchFamily="-106" charset="-128"/>
               </a:rPr>
-              <a:t>Today, one of the greatest threats to evangelical preaching comes from the invasion of the church by Adler-Maslow, etc., self-image, self-worth dogmas.  Passage after passage in the Bible has been distorted in order to conform to these teachings, with the result that you end up preaching man and his supposed worth rather than Christ.  Sometimes that “worth” has been seen as intrinsic, sometimes it has been considered to be the result of salvation. ―Jay E. Adams</a:t>
+              <a:t>And that is exactly the way the Bible presents itself. It presents truth and error, God’s way and everybody else’s way. There’s a right way, there’s a wrong way. There’s a right interpretation of a passage, and every other interpretation is the wrong one. There’s a right theology, and anything that disagrees with it is a wrong theology. There is a right way to understand God, Christ, the Holy Spirit, and salvation, and a wrong way. This is on every page of the Bible, from the beginning to the end of Scripture. This antithetical kind of thinking is everywhere.</a:t>
             </a:r>
           </a:p>
           <a:p>
@@ -1691,6 +1499,243 @@
 </file>
 
 <file path=ppt/notesSlides/notesSlide4.xml><?xml version="1.0" encoding="utf-8"?>
+<p:notes xmlns:a="http://schemas.openxmlformats.org/drawingml/2006/main" xmlns:r="http://schemas.openxmlformats.org/officeDocument/2006/relationships" xmlns:p="http://schemas.openxmlformats.org/presentationml/2006/main">
+  <p:cSld>
+    <p:spTree>
+      <p:nvGrpSpPr>
+        <p:cNvPr id="1" name="">
+          <a:extLst>
+            <a:ext uri="{FF2B5EF4-FFF2-40B4-BE49-F238E27FC236}">
+              <a16:creationId xmlns:a16="http://schemas.microsoft.com/office/drawing/2014/main" id="{1B53B88A-E5D5-C891-A5B7-A2E59CBBB62D}"/>
+            </a:ext>
+          </a:extLst>
+        </p:cNvPr>
+        <p:cNvGrpSpPr/>
+        <p:nvPr/>
+      </p:nvGrpSpPr>
+      <p:grpSpPr>
+        <a:xfrm>
+          <a:off x="0" y="0"/>
+          <a:ext cx="0" cy="0"/>
+          <a:chOff x="0" y="0"/>
+          <a:chExt cx="0" cy="0"/>
+        </a:xfrm>
+      </p:grpSpPr>
+      <p:sp>
+        <p:nvSpPr>
+          <p:cNvPr id="2" name="Slide Image Placeholder 1">
+            <a:extLst>
+              <a:ext uri="{FF2B5EF4-FFF2-40B4-BE49-F238E27FC236}">
+                <a16:creationId xmlns:a16="http://schemas.microsoft.com/office/drawing/2014/main" id="{0F39A2BE-BCFA-DC37-9DFE-0A52B62544D6}"/>
+              </a:ext>
+            </a:extLst>
+          </p:cNvPr>
+          <p:cNvSpPr>
+            <a:spLocks noGrp="1" noRot="1" noChangeAspect="1"/>
+          </p:cNvSpPr>
+          <p:nvPr>
+            <p:ph type="sldImg"/>
+          </p:nvPr>
+        </p:nvSpPr>
+        <p:spPr/>
+      </p:sp>
+      <p:sp>
+        <p:nvSpPr>
+          <p:cNvPr id="3" name="Notes Placeholder 2">
+            <a:extLst>
+              <a:ext uri="{FF2B5EF4-FFF2-40B4-BE49-F238E27FC236}">
+                <a16:creationId xmlns:a16="http://schemas.microsoft.com/office/drawing/2014/main" id="{F5A91AAB-14DF-F678-E5FD-083E6BA72377}"/>
+              </a:ext>
+            </a:extLst>
+          </p:cNvPr>
+          <p:cNvSpPr>
+            <a:spLocks noGrp="1"/>
+          </p:cNvSpPr>
+          <p:nvPr>
+            <p:ph type="body" idx="1"/>
+          </p:nvPr>
+        </p:nvSpPr>
+        <p:spPr/>
+        <p:txBody>
+          <a:bodyPr>
+            <a:normAutofit/>
+          </a:bodyPr>
+          <a:lstStyle/>
+          <a:p>
+            <a:endParaRPr lang="en-US" b="1" dirty="0"/>
+          </a:p>
+          <a:p>
+            <a:r>
+              <a:rPr lang="en-US" dirty="0"/>
+              <a:t>Discerning truth is essential for unity in the church. Without spiritual discernment, believers may fall into error, deception, or harmful division. Scripture calls God’s people not only to know the truth, but to test, examine, and uphold it.</a:t>
+            </a:r>
+          </a:p>
+          <a:p>
+            <a:endParaRPr lang="en-US" dirty="0"/>
+          </a:p>
+          <a:p>
+            <a:r>
+              <a:rPr lang="en-US" dirty="0"/>
+              <a:t>Discernment defends unity by:</a:t>
+            </a:r>
+          </a:p>
+          <a:p>
+            <a:r>
+              <a:rPr lang="en-US" b="1" dirty="0"/>
+              <a:t>Preventing division</a:t>
+            </a:r>
+            <a:r>
+              <a:rPr lang="en-US" dirty="0"/>
+              <a:t> over false or misapplied doctrine.</a:t>
+            </a:r>
+          </a:p>
+          <a:p>
+            <a:r>
+              <a:rPr lang="en-US" b="1" dirty="0"/>
+              <a:t>Protecting the flock</a:t>
+            </a:r>
+            <a:r>
+              <a:rPr lang="en-US" dirty="0"/>
+              <a:t> from spiritual manipulation.</a:t>
+            </a:r>
+          </a:p>
+          <a:p>
+            <a:r>
+              <a:rPr lang="en-US" b="1" dirty="0"/>
+              <a:t>Promoting maturity</a:t>
+            </a:r>
+            <a:r>
+              <a:rPr lang="en-US" dirty="0"/>
+              <a:t>, which leads to clarity, humility, and shared understanding.</a:t>
+            </a:r>
+          </a:p>
+          <a:p>
+            <a:endParaRPr lang="en-US" b="1" dirty="0"/>
+          </a:p>
+          <a:p>
+            <a:r>
+              <a:rPr lang="en-US" b="1" dirty="0"/>
+              <a:t>Practice</a:t>
+            </a:r>
+            <a:r>
+              <a:rPr lang="en-US" dirty="0"/>
+              <a:t>:</a:t>
+            </a:r>
+          </a:p>
+          <a:p>
+            <a:r>
+              <a:rPr lang="en-US" dirty="0"/>
+              <a:t>Measure claims by </a:t>
+            </a:r>
+            <a:r>
+              <a:rPr lang="en-US" b="1" dirty="0"/>
+              <a:t>Scripture</a:t>
+            </a:r>
+            <a:r>
+              <a:rPr lang="en-US" dirty="0"/>
+              <a:t> (Acts 17:11).</a:t>
+            </a:r>
+          </a:p>
+          <a:p>
+            <a:r>
+              <a:rPr lang="en-US" dirty="0"/>
+              <a:t>Assess outcomes through </a:t>
+            </a:r>
+            <a:r>
+              <a:rPr lang="en-US" b="1" dirty="0"/>
+              <a:t>spiritual fruit</a:t>
+            </a:r>
+            <a:r>
+              <a:rPr lang="en-US" dirty="0"/>
+              <a:t> (Galatians 5:22–23).</a:t>
+            </a:r>
+          </a:p>
+          <a:p>
+            <a:r>
+              <a:rPr lang="en-US" dirty="0"/>
+              <a:t>Encourage thoughtful </a:t>
+            </a:r>
+            <a:r>
+              <a:rPr lang="en-US" b="1" dirty="0"/>
+              <a:t>dialogue</a:t>
+            </a:r>
+            <a:r>
+              <a:rPr lang="en-US" dirty="0"/>
+              <a:t> rooted in love and truth (Ephesians 4:15).</a:t>
+            </a:r>
+          </a:p>
+          <a:p>
+            <a:endParaRPr lang="en-US" dirty="0"/>
+          </a:p>
+          <a:p>
+            <a:r>
+              <a:rPr lang="en-US" dirty="0"/>
+              <a:t>Read:</a:t>
+            </a:r>
+          </a:p>
+          <a:p>
+            <a:r>
+              <a:rPr lang="en-US" dirty="0"/>
+              <a:t>Phil. 1:9-11</a:t>
+            </a:r>
+          </a:p>
+          <a:p>
+            <a:endParaRPr lang="en-US" dirty="0"/>
+          </a:p>
+          <a:p>
+            <a:endParaRPr lang="en-US" dirty="0"/>
+          </a:p>
+        </p:txBody>
+      </p:sp>
+      <p:sp>
+        <p:nvSpPr>
+          <p:cNvPr id="4" name="Slide Number Placeholder 3">
+            <a:extLst>
+              <a:ext uri="{FF2B5EF4-FFF2-40B4-BE49-F238E27FC236}">
+                <a16:creationId xmlns:a16="http://schemas.microsoft.com/office/drawing/2014/main" id="{AE872CDA-EB8D-6203-5E7A-3E86F9F47C9C}"/>
+              </a:ext>
+            </a:extLst>
+          </p:cNvPr>
+          <p:cNvSpPr>
+            <a:spLocks noGrp="1"/>
+          </p:cNvSpPr>
+          <p:nvPr>
+            <p:ph type="sldNum" sz="quarter" idx="5"/>
+          </p:nvPr>
+        </p:nvSpPr>
+        <p:spPr/>
+        <p:txBody>
+          <a:bodyPr/>
+          <a:lstStyle/>
+          <a:p>
+            <a:pPr>
+              <a:defRPr/>
+            </a:pPr>
+            <a:fld id="{07776858-791E-4C8D-8FA3-473B3AFECFAC}" type="slidenum">
+              <a:rPr lang="en-US" smtClean="0"/>
+              <a:pPr>
+                <a:defRPr/>
+              </a:pPr>
+              <a:t>4</a:t>
+            </a:fld>
+            <a:endParaRPr lang="en-US"/>
+          </a:p>
+        </p:txBody>
+      </p:sp>
+    </p:spTree>
+    <p:extLst>
+      <p:ext uri="{BB962C8B-B14F-4D97-AF65-F5344CB8AC3E}">
+        <p14:creationId xmlns:p14="http://schemas.microsoft.com/office/powerpoint/2010/main" val="325972237"/>
+      </p:ext>
+    </p:extLst>
+  </p:cSld>
+  <p:clrMapOvr>
+    <a:masterClrMapping/>
+  </p:clrMapOvr>
+</p:notes>
+</file>
+
+<file path=ppt/notesSlides/notesSlide5.xml><?xml version="1.0" encoding="utf-8"?>
 <p:notes xmlns:a="http://schemas.openxmlformats.org/drawingml/2006/main" xmlns:r="http://schemas.openxmlformats.org/officeDocument/2006/relationships" xmlns:p="http://schemas.openxmlformats.org/presentationml/2006/main">
   <p:cSld>
     <p:spTree>
@@ -1775,7 +1820,7 @@
             </a:r>
             <a:r>
               <a:rPr lang="en-US" dirty="0"/>
-              <a:t> can function like warfare within a community or church:</a:t>
+              <a:t> can function like warfare within a community or church.</a:t>
             </a:r>
           </a:p>
           <a:p>
@@ -1932,7 +1977,7 @@
               <a:pPr>
                 <a:defRPr/>
               </a:pPr>
-              <a:t>4</a:t>
+              <a:t>5</a:t>
             </a:fld>
             <a:endParaRPr lang="en-US"/>
           </a:p>
@@ -1951,7 +1996,7 @@
 </p:notes>
 </file>
 
-<file path=ppt/notesSlides/notesSlide5.xml><?xml version="1.0" encoding="utf-8"?>
+<file path=ppt/notesSlides/notesSlide6.xml><?xml version="1.0" encoding="utf-8"?>
 <p:notes xmlns:a="http://schemas.openxmlformats.org/drawingml/2006/main" xmlns:r="http://schemas.openxmlformats.org/officeDocument/2006/relationships" xmlns:p="http://schemas.openxmlformats.org/presentationml/2006/main">
   <p:cSld>
     <p:spTree>
@@ -2011,22 +2056,21 @@
         <p:spPr/>
         <p:txBody>
           <a:bodyPr>
-            <a:normAutofit fontScale="55000" lnSpcReduction="20000"/>
+            <a:normAutofit/>
           </a:bodyPr>
           <a:lstStyle/>
           <a:p>
             <a:r>
               <a:rPr lang="en-US" dirty="0"/>
-              <a:t>The Friends of Job</a:t>
-            </a:r>
-          </a:p>
-          <a:p>
-            <a:endParaRPr lang="en-US" b="1" dirty="0"/>
-          </a:p>
-          <a:p>
+              <a:t>Job’s friends—Eliphaz, Bildad, Zophar, and Elihu—offer insight into how </a:t>
+            </a:r>
+            <a:r>
+              <a:rPr lang="en-US" u="sng" dirty="0"/>
+              <a:t>faulty presuppositions can damage relationships and cloud theological truth</a:t>
+            </a:r>
             <a:r>
               <a:rPr lang="en-US" dirty="0"/>
-              <a:t>Job’s friends—Eliphaz, Bildad, Zophar, and Elihu—offer insight into how faulty presuppositions can damage relationships and cloud theological truth. Each speaks as if he fully understands the reason for Job’s suffering, but their shared assumptions are flawed.</a:t>
+              <a:t>. Each speaks as if he fully understands the reason for Job’s suffering, but their shared assumptions are flawed.</a:t>
             </a:r>
           </a:p>
           <a:p>
@@ -2034,170 +2078,30 @@
           </a:p>
           <a:p>
             <a:r>
-              <a:rPr lang="en-US" b="1" dirty="0"/>
-              <a:t>Common Presuppositions:</a:t>
+              <a:rPr lang="en-US" dirty="0"/>
+              <a:t>Key Observations:</a:t>
+            </a:r>
+          </a:p>
+          <a:p>
+            <a:r>
+              <a:rPr lang="en-US" dirty="0"/>
+              <a:t>1. Job’s character reputation indicates that his friends would also have been people of high character.  Each appears to “know God”.</a:t>
+            </a:r>
+          </a:p>
+          <a:p>
+            <a:r>
+              <a:rPr lang="en-US" dirty="0"/>
+              <a:t>2. The Satan (Accuser) appears to have overtaken Job’s friends.  Each friend ultimately accuses Job of sin.  They have become Delegated Accusers.</a:t>
+            </a:r>
+          </a:p>
+          <a:p>
+            <a:r>
+              <a:rPr lang="en-US" dirty="0"/>
+              <a:t>3. Ultimately, Job succumbs to the attack on his character (Job 42:3).  But what was his sin?  Where did Job’s sin originate (i.e. the Mind).</a:t>
             </a:r>
           </a:p>
           <a:p>
             <a:endParaRPr lang="en-US" dirty="0"/>
-          </a:p>
-          <a:p>
-            <a:r>
-              <a:rPr lang="en-US" b="1" dirty="0"/>
-              <a:t>Suffering is always the result of sin</a:t>
-            </a:r>
-            <a:br>
-              <a:rPr lang="en-US" dirty="0"/>
-            </a:br>
-            <a:r>
-              <a:rPr lang="en-US" dirty="0"/>
-              <a:t>They assume a direct correlation between personal sin and suffering, leaving no room for mystery or divine testing.</a:t>
-            </a:r>
-          </a:p>
-          <a:p>
-            <a:r>
-              <a:rPr lang="en-US" dirty="0"/>
-              <a:t>“Consider now: Who being innocent has ever perished?” – Eliphaz (Job 4:7)</a:t>
-            </a:r>
-          </a:p>
-          <a:p>
-            <a:endParaRPr lang="en-US" dirty="0"/>
-          </a:p>
-          <a:p>
-            <a:r>
-              <a:rPr lang="en-US" b="1" dirty="0"/>
-              <a:t>God’s justice is immediate and visible</a:t>
-            </a:r>
-            <a:br>
-              <a:rPr lang="en-US" dirty="0"/>
-            </a:br>
-            <a:r>
-              <a:rPr lang="en-US" dirty="0"/>
-              <a:t>They believe God always rewards or punishes visibly and swiftly.</a:t>
-            </a:r>
-          </a:p>
-          <a:p>
-            <a:r>
-              <a:rPr lang="en-US" dirty="0"/>
-              <a:t>“Surely God does not reject one who is blameless…” – Bildad (Job 8:20)</a:t>
-            </a:r>
-          </a:p>
-          <a:p>
-            <a:endParaRPr lang="en-US" dirty="0"/>
-          </a:p>
-          <a:p>
-            <a:r>
-              <a:rPr lang="en-US" b="1" dirty="0"/>
-              <a:t>Human wisdom can fully explain divine action</a:t>
-            </a:r>
-            <a:br>
-              <a:rPr lang="en-US" dirty="0"/>
-            </a:br>
-            <a:r>
-              <a:rPr lang="en-US" dirty="0"/>
-              <a:t>Each friend speaks confidently, assuming they understand God’s ways through tradition or reason.</a:t>
-            </a:r>
-          </a:p>
-          <a:p>
-            <a:r>
-              <a:rPr lang="en-US" dirty="0"/>
-              <a:t>“Are God’s consolations not enough for you…?” – Eliphaz (Job 15:11)</a:t>
-            </a:r>
-          </a:p>
-          <a:p>
-            <a:endParaRPr lang="en-US" dirty="0"/>
-          </a:p>
-          <a:p>
-            <a:r>
-              <a:rPr lang="en-US" b="1" dirty="0"/>
-              <a:t>Repentance will automatically restore blessing</a:t>
-            </a:r>
-            <a:br>
-              <a:rPr lang="en-US" dirty="0"/>
-            </a:br>
-            <a:r>
-              <a:rPr lang="en-US" dirty="0"/>
-              <a:t>They urge Job to repent, wrongly assuming that suffering proves guilt.</a:t>
-            </a:r>
-          </a:p>
-          <a:p>
-            <a:r>
-              <a:rPr lang="en-US" dirty="0"/>
-              <a:t>“If you put away the sin that is in your hand… then you will lift up your face without shame.” – Zophar (Job 11:14–15)</a:t>
-            </a:r>
-          </a:p>
-          <a:p>
-            <a:endParaRPr lang="en-US" dirty="0"/>
-          </a:p>
-          <a:p>
-            <a:r>
-              <a:rPr lang="en-US" b="1" dirty="0"/>
-              <a:t>Theological Insight:</a:t>
-            </a:r>
-            <a:r>
-              <a:rPr lang="en-US" dirty="0"/>
-              <a:t> These assumptions demonstrate how sincere but shallow theology can lead to misjudgment and further pain. The story of Job reminds us to approach others with humility, listen well, and trust God’s sovereignty even when His purposes are hidden.</a:t>
-            </a:r>
-          </a:p>
-          <a:p>
-            <a:endParaRPr lang="en-US" dirty="0"/>
-          </a:p>
-          <a:p>
-            <a:r>
-              <a:rPr lang="en-US" b="1" dirty="0"/>
-              <a:t>Job’s Response and Divine Admonition:</a:t>
-            </a:r>
-            <a:r>
-              <a:rPr lang="en-US" dirty="0"/>
-              <a:t> While Job rightly resists the flawed arguments of his friends and maintains his innocence, he eventually slips into self-righteousness and questions God's justice. In chapters 38–41, God responds not by explaining Job’s suffering but by humbling him with a series of rhetorical questions that reveal divine sovereignty and human limitation.</a:t>
-            </a:r>
-          </a:p>
-          <a:p>
-            <a:r>
-              <a:rPr lang="en-US" dirty="0"/>
-              <a:t>“Who is this that obscures my plans with words without knowledge?” – God to Job (Job 38:2)</a:t>
-            </a:r>
-          </a:p>
-          <a:p>
-            <a:r>
-              <a:rPr lang="en-US" dirty="0"/>
-              <a:t>Though Job never curses God, he does accuse God of injustice, and this presumption is what God corrects. Job’s error is not moral failure, but </a:t>
-            </a:r>
-            <a:r>
-              <a:rPr lang="en-US" b="1" dirty="0"/>
-              <a:t>intellectual and theological presumption</a:t>
-            </a:r>
-            <a:r>
-              <a:rPr lang="en-US" dirty="0"/>
-              <a:t>—assuming that God must explain Himself.</a:t>
-            </a:r>
-          </a:p>
-          <a:p>
-            <a:r>
-              <a:rPr lang="en-US" dirty="0"/>
-              <a:t>“Surely I spoke of things I did not understand, things too wonderful for me to know.” – Job (Job 42:3)</a:t>
-            </a:r>
-          </a:p>
-          <a:p>
-            <a:endParaRPr lang="en-US" dirty="0"/>
-          </a:p>
-          <a:p>
-            <a:r>
-              <a:rPr lang="en-US" b="1" dirty="0"/>
-              <a:t>Takeaway:</a:t>
-            </a:r>
-            <a:r>
-              <a:rPr lang="en-US" dirty="0"/>
-              <a:t> Even the righteous can err in trying to defend themselves or interpret God's will. The pathway to restored understanding and unity is </a:t>
-            </a:r>
-            <a:r>
-              <a:rPr lang="en-US" b="1" dirty="0"/>
-              <a:t>humble submission to divine wisdom</a:t>
-            </a:r>
-            <a:r>
-              <a:rPr lang="en-US" dirty="0"/>
-              <a:t>.</a:t>
-            </a:r>
           </a:p>
           <a:p>
             <a:endParaRPr lang="en-US" dirty="0"/>
@@ -2233,7 +2137,7 @@
               <a:pPr>
                 <a:defRPr/>
               </a:pPr>
-              <a:t>5</a:t>
+              <a:t>6</a:t>
             </a:fld>
             <a:endParaRPr lang="en-US"/>
           </a:p>
@@ -2252,7 +2156,7 @@
 </p:notes>
 </file>
 
-<file path=ppt/notesSlides/notesSlide6.xml><?xml version="1.0" encoding="utf-8"?>
+<file path=ppt/notesSlides/notesSlide7.xml><?xml version="1.0" encoding="utf-8"?>
 <p:notes xmlns:a="http://schemas.openxmlformats.org/drawingml/2006/main" xmlns:r="http://schemas.openxmlformats.org/officeDocument/2006/relationships" xmlns:p="http://schemas.openxmlformats.org/presentationml/2006/main">
   <p:cSld>
     <p:spTree>
@@ -2260,7 +2164,7 @@
         <p:cNvPr id="1" name="">
           <a:extLst>
             <a:ext uri="{FF2B5EF4-FFF2-40B4-BE49-F238E27FC236}">
-              <a16:creationId xmlns:a16="http://schemas.microsoft.com/office/drawing/2014/main" id="{1B53B88A-E5D5-C891-A5B7-A2E59CBBB62D}"/>
+              <a16:creationId xmlns:a16="http://schemas.microsoft.com/office/drawing/2014/main" id="{155A0F56-E51E-1772-4BA8-9713A1628D52}"/>
             </a:ext>
           </a:extLst>
         </p:cNvPr>
@@ -2280,7 +2184,7 @@
           <p:cNvPr id="2" name="Slide Image Placeholder 1">
             <a:extLst>
               <a:ext uri="{FF2B5EF4-FFF2-40B4-BE49-F238E27FC236}">
-                <a16:creationId xmlns:a16="http://schemas.microsoft.com/office/drawing/2014/main" id="{0F39A2BE-BCFA-DC37-9DFE-0A52B62544D6}"/>
+                <a16:creationId xmlns:a16="http://schemas.microsoft.com/office/drawing/2014/main" id="{B89AF874-9DE6-65EC-F7E7-E745EDDFFCAD}"/>
               </a:ext>
             </a:extLst>
           </p:cNvPr>
@@ -2298,7 +2202,7 @@
           <p:cNvPr id="3" name="Notes Placeholder 2">
             <a:extLst>
               <a:ext uri="{FF2B5EF4-FFF2-40B4-BE49-F238E27FC236}">
-                <a16:creationId xmlns:a16="http://schemas.microsoft.com/office/drawing/2014/main" id="{F5A91AAB-14DF-F678-E5FD-083E6BA72377}"/>
+                <a16:creationId xmlns:a16="http://schemas.microsoft.com/office/drawing/2014/main" id="{B4A771D6-8B41-6459-68CE-57120F7D2855}"/>
               </a:ext>
             </a:extLst>
           </p:cNvPr>
@@ -2312,16 +2216,26 @@
         <p:spPr/>
         <p:txBody>
           <a:bodyPr>
-            <a:normAutofit fontScale="70000" lnSpcReduction="20000"/>
+            <a:normAutofit fontScale="92500"/>
           </a:bodyPr>
           <a:lstStyle/>
           <a:p>
-            <a:endParaRPr lang="en-US" b="1" dirty="0"/>
-          </a:p>
-          <a:p>
+            <a:endParaRPr lang="en-US" dirty="0"/>
+          </a:p>
+          <a:p>
+            <a:r>
+              <a:rPr lang="en-US" b="1" dirty="0"/>
+              <a:t>Job’s Response and Divine Admonition:</a:t>
+            </a:r>
             <a:r>
               <a:rPr lang="en-US" dirty="0"/>
-              <a:t>Discerning truth is essential for unity in the church. Without spiritual discernment, believers may fall into error, deception, or harmful division. Scripture calls God’s people not only to know the truth, but to test, examine, and uphold it.</a:t>
+              <a:t> While Job rightly resists the flawed arguments of his friends and maintains his innocence, he eventually slips into self-righteousness and questions God's justice. In chapters 38–41, God responds not by explaining Job’s suffering but by humbling him with a series of rhetorical questions that reveal divine sovereignty and human limitation.</a:t>
+            </a:r>
+          </a:p>
+          <a:p>
+            <a:r>
+              <a:rPr lang="en-US" i="1" dirty="0"/>
+              <a:t>“Who is this that obscures my plans with words without knowledge?” – God to Job (Job 38:2)</a:t>
             </a:r>
           </a:p>
           <a:p>
@@ -2330,92 +2244,42 @@
           <a:p>
             <a:r>
               <a:rPr lang="en-US" dirty="0"/>
-              <a:t>Discernment defends unity by:</a:t>
-            </a:r>
-          </a:p>
-          <a:p>
+              <a:t>Though Job never curses God, he does accuse God of injustice, and this presumption is what God corrects. Job’s error is not moral failure, but </a:t>
+            </a:r>
             <a:r>
               <a:rPr lang="en-US" b="1" dirty="0"/>
-              <a:t>Preventing division</a:t>
+              <a:t>intellectual and theological presumption</a:t>
             </a:r>
             <a:r>
               <a:rPr lang="en-US" dirty="0"/>
-              <a:t> over false or misapplied doctrine.</a:t>
-            </a:r>
+              <a:t>—assuming that God must explain Himself.</a:t>
+            </a:r>
+          </a:p>
+          <a:p>
+            <a:r>
+              <a:rPr lang="en-US" i="1" dirty="0"/>
+              <a:t>“Surely I spoke of things I did not understand, things too wonderful for me to know.” – Job (Job 42:3)</a:t>
+            </a:r>
+          </a:p>
+          <a:p>
+            <a:endParaRPr lang="en-US" dirty="0"/>
           </a:p>
           <a:p>
             <a:r>
               <a:rPr lang="en-US" b="1" dirty="0"/>
-              <a:t>Protecting the flock</a:t>
+              <a:t>Takeaway:</a:t>
             </a:r>
             <a:r>
               <a:rPr lang="en-US" dirty="0"/>
-              <a:t> from spiritual manipulation.</a:t>
-            </a:r>
-          </a:p>
-          <a:p>
+              <a:t> Even the righteous can err in trying to defend themselves or interpret God's will. The pathway to restored understanding and unity is </a:t>
+            </a:r>
             <a:r>
               <a:rPr lang="en-US" b="1" dirty="0"/>
-              <a:t>Promoting maturity</a:t>
+              <a:t>humble submission to divine wisdom</a:t>
             </a:r>
             <a:r>
               <a:rPr lang="en-US" dirty="0"/>
-              <a:t>, which leads to clarity, humility, and shared understanding.</a:t>
-            </a:r>
-          </a:p>
-          <a:p>
-            <a:endParaRPr lang="en-US" b="1" dirty="0"/>
-          </a:p>
-          <a:p>
-            <a:r>
-              <a:rPr lang="en-US" b="1" dirty="0"/>
-              <a:t>Practice</a:t>
-            </a:r>
-            <a:r>
-              <a:rPr lang="en-US" dirty="0"/>
-              <a:t>:</a:t>
-            </a:r>
-          </a:p>
-          <a:p>
-            <a:r>
-              <a:rPr lang="en-US" dirty="0"/>
-              <a:t>Measure claims by </a:t>
-            </a:r>
-            <a:r>
-              <a:rPr lang="en-US" b="1" dirty="0"/>
-              <a:t>Scripture</a:t>
-            </a:r>
-            <a:r>
-              <a:rPr lang="en-US" dirty="0"/>
-              <a:t> (Acts 17:11).</a:t>
-            </a:r>
-          </a:p>
-          <a:p>
-            <a:r>
-              <a:rPr lang="en-US" dirty="0"/>
-              <a:t>Assess outcomes through </a:t>
-            </a:r>
-            <a:r>
-              <a:rPr lang="en-US" b="1" dirty="0"/>
-              <a:t>spiritual fruit</a:t>
-            </a:r>
-            <a:r>
-              <a:rPr lang="en-US" dirty="0"/>
-              <a:t> (Galatians 5:22–23).</a:t>
-            </a:r>
-          </a:p>
-          <a:p>
-            <a:r>
-              <a:rPr lang="en-US" dirty="0"/>
-              <a:t>Encourage thoughtful </a:t>
-            </a:r>
-            <a:r>
-              <a:rPr lang="en-US" b="1" dirty="0"/>
-              <a:t>dialogue</a:t>
-            </a:r>
-            <a:r>
-              <a:rPr lang="en-US" dirty="0"/>
-              <a:t> rooted in love and truth (Ephesians 4:15).</a:t>
+              <a:t>.</a:t>
             </a:r>
           </a:p>
           <a:p>
@@ -2428,7 +2292,7 @@
           <p:cNvPr id="4" name="Slide Number Placeholder 3">
             <a:extLst>
               <a:ext uri="{FF2B5EF4-FFF2-40B4-BE49-F238E27FC236}">
-                <a16:creationId xmlns:a16="http://schemas.microsoft.com/office/drawing/2014/main" id="{AE872CDA-EB8D-6203-5E7A-3E86F9F47C9C}"/>
+                <a16:creationId xmlns:a16="http://schemas.microsoft.com/office/drawing/2014/main" id="{222BF6B3-5164-CFF9-67DD-DFA32F472CB5}"/>
               </a:ext>
             </a:extLst>
           </p:cNvPr>
@@ -2452,7 +2316,7 @@
               <a:pPr>
                 <a:defRPr/>
               </a:pPr>
-              <a:t>6</a:t>
+              <a:t>7</a:t>
             </a:fld>
             <a:endParaRPr lang="en-US"/>
           </a:p>
@@ -2461,126 +2325,7 @@
     </p:spTree>
     <p:extLst>
       <p:ext uri="{BB962C8B-B14F-4D97-AF65-F5344CB8AC3E}">
-        <p14:creationId xmlns:p14="http://schemas.microsoft.com/office/powerpoint/2010/main" val="325972237"/>
-      </p:ext>
-    </p:extLst>
-  </p:cSld>
-  <p:clrMapOvr>
-    <a:masterClrMapping/>
-  </p:clrMapOvr>
-</p:notes>
-</file>
-
-<file path=ppt/notesSlides/notesSlide7.xml><?xml version="1.0" encoding="utf-8"?>
-<p:notes xmlns:a="http://schemas.openxmlformats.org/drawingml/2006/main" xmlns:r="http://schemas.openxmlformats.org/officeDocument/2006/relationships" xmlns:p="http://schemas.openxmlformats.org/presentationml/2006/main">
-  <p:cSld>
-    <p:spTree>
-      <p:nvGrpSpPr>
-        <p:cNvPr id="1" name="">
-          <a:extLst>
-            <a:ext uri="{FF2B5EF4-FFF2-40B4-BE49-F238E27FC236}">
-              <a16:creationId xmlns:a16="http://schemas.microsoft.com/office/drawing/2014/main" id="{6F6EB59E-CC33-F811-69E5-5802B4EB4B46}"/>
-            </a:ext>
-          </a:extLst>
-        </p:cNvPr>
-        <p:cNvGrpSpPr/>
-        <p:nvPr/>
-      </p:nvGrpSpPr>
-      <p:grpSpPr>
-        <a:xfrm>
-          <a:off x="0" y="0"/>
-          <a:ext cx="0" cy="0"/>
-          <a:chOff x="0" y="0"/>
-          <a:chExt cx="0" cy="0"/>
-        </a:xfrm>
-      </p:grpSpPr>
-      <p:sp>
-        <p:nvSpPr>
-          <p:cNvPr id="2" name="Slide Image Placeholder 1">
-            <a:extLst>
-              <a:ext uri="{FF2B5EF4-FFF2-40B4-BE49-F238E27FC236}">
-                <a16:creationId xmlns:a16="http://schemas.microsoft.com/office/drawing/2014/main" id="{6E6A7B3F-CE7B-5556-970F-960C7DA5187F}"/>
-              </a:ext>
-            </a:extLst>
-          </p:cNvPr>
-          <p:cNvSpPr>
-            <a:spLocks noGrp="1" noRot="1" noChangeAspect="1"/>
-          </p:cNvSpPr>
-          <p:nvPr>
-            <p:ph type="sldImg"/>
-          </p:nvPr>
-        </p:nvSpPr>
-        <p:spPr/>
-      </p:sp>
-      <p:sp>
-        <p:nvSpPr>
-          <p:cNvPr id="3" name="Notes Placeholder 2">
-            <a:extLst>
-              <a:ext uri="{FF2B5EF4-FFF2-40B4-BE49-F238E27FC236}">
-                <a16:creationId xmlns:a16="http://schemas.microsoft.com/office/drawing/2014/main" id="{1911BF9F-4EC7-0BE6-3747-48F1321A3CE9}"/>
-              </a:ext>
-            </a:extLst>
-          </p:cNvPr>
-          <p:cNvSpPr>
-            <a:spLocks noGrp="1"/>
-          </p:cNvSpPr>
-          <p:nvPr>
-            <p:ph type="body" idx="1"/>
-          </p:nvPr>
-        </p:nvSpPr>
-        <p:spPr/>
-        <p:txBody>
-          <a:bodyPr>
-            <a:normAutofit/>
-          </a:bodyPr>
-          <a:lstStyle/>
-          <a:p>
-            <a:endParaRPr lang="en-US" b="1" dirty="0"/>
-          </a:p>
-          <a:p>
-            <a:endParaRPr lang="en-US" dirty="0"/>
-          </a:p>
-        </p:txBody>
-      </p:sp>
-      <p:sp>
-        <p:nvSpPr>
-          <p:cNvPr id="4" name="Slide Number Placeholder 3">
-            <a:extLst>
-              <a:ext uri="{FF2B5EF4-FFF2-40B4-BE49-F238E27FC236}">
-                <a16:creationId xmlns:a16="http://schemas.microsoft.com/office/drawing/2014/main" id="{1D11252A-930A-269D-793A-8785AC1D98E3}"/>
-              </a:ext>
-            </a:extLst>
-          </p:cNvPr>
-          <p:cNvSpPr>
-            <a:spLocks noGrp="1"/>
-          </p:cNvSpPr>
-          <p:nvPr>
-            <p:ph type="sldNum" sz="quarter" idx="5"/>
-          </p:nvPr>
-        </p:nvSpPr>
-        <p:spPr/>
-        <p:txBody>
-          <a:bodyPr/>
-          <a:lstStyle/>
-          <a:p>
-            <a:pPr>
-              <a:defRPr/>
-            </a:pPr>
-            <a:fld id="{07776858-791E-4C8D-8FA3-473B3AFECFAC}" type="slidenum">
-              <a:rPr lang="en-US" smtClean="0"/>
-              <a:pPr>
-                <a:defRPr/>
-              </a:pPr>
-              <a:t>7</a:t>
-            </a:fld>
-            <a:endParaRPr lang="en-US"/>
-          </a:p>
-        </p:txBody>
-      </p:sp>
-    </p:spTree>
-    <p:extLst>
-      <p:ext uri="{BB962C8B-B14F-4D97-AF65-F5344CB8AC3E}">
-        <p14:creationId xmlns:p14="http://schemas.microsoft.com/office/powerpoint/2010/main" val="1562871967"/>
+        <p14:creationId xmlns:p14="http://schemas.microsoft.com/office/powerpoint/2010/main" val="3894795044"/>
       </p:ext>
     </p:extLst>
   </p:cSld>
@@ -4764,8 +4509,8 @@
         </p:nvSpPr>
         <p:spPr>
           <a:xfrm>
-            <a:off x="76201" y="1066800"/>
-            <a:ext cx="8991599" cy="3416320"/>
+            <a:off x="26670" y="1066800"/>
+            <a:ext cx="8991599" cy="5355312"/>
           </a:xfrm>
           <a:prstGeom prst="rect">
             <a:avLst/>
@@ -4780,27 +4525,110 @@
           <a:p>
             <a:r>
               <a:rPr lang="en-US" b="1" dirty="0"/>
-              <a:t>Verse </a:t>
-            </a:r>
-            <a:r>
-              <a:rPr lang="en-US" dirty="0"/>
-              <a:t>Summary</a:t>
-            </a:r>
+              <a:t>Matthew 16:1-4 </a:t>
+            </a:r>
+          </a:p>
+          <a:p>
+            <a:pPr marL="285750" indent="-285750">
+              <a:buFont typeface="Arial" panose="020B0604020202020204" pitchFamily="34" charset="0"/>
+              <a:buChar char="•"/>
+            </a:pPr>
+            <a:r>
+              <a:rPr lang="en-US" dirty="0">
+                <a:latin typeface="+mn-lt"/>
+              </a:rPr>
+              <a:t>Religious elite able to “discern the weather” but not the “prophetic signs”.  </a:t>
+            </a:r>
+          </a:p>
+          <a:p>
+            <a:pPr marL="285750" indent="-285750">
+              <a:buFont typeface="Arial" panose="020B0604020202020204" pitchFamily="34" charset="0"/>
+              <a:buChar char="•"/>
+            </a:pPr>
             <a:endParaRPr lang="en-US" dirty="0">
               <a:latin typeface="+mn-lt"/>
             </a:endParaRPr>
           </a:p>
           <a:p>
+            <a:r>
+              <a:rPr lang="en-US" b="1" dirty="0"/>
+              <a:t>2 Corinthians 11:1-4 </a:t>
+            </a:r>
+          </a:p>
+          <a:p>
+            <a:pPr marL="285750" indent="-285750">
+              <a:buFont typeface="Arial" panose="020B0604020202020204" pitchFamily="34" charset="0"/>
+              <a:buChar char="•"/>
+            </a:pPr>
+            <a:r>
+              <a:rPr lang="en-US" dirty="0"/>
+              <a:t>[False Doctrine]…”you will put up with it!”   Illustrates a Lack of Discernment.</a:t>
+            </a:r>
+          </a:p>
+          <a:p>
+            <a:pPr marL="285750" indent="-285750">
+              <a:buFont typeface="Arial" panose="020B0604020202020204" pitchFamily="34" charset="0"/>
+              <a:buChar char="•"/>
+            </a:pPr>
+            <a:endParaRPr lang="en-US" dirty="0"/>
+          </a:p>
+          <a:p>
+            <a:r>
+              <a:rPr lang="en-US" b="1" dirty="0"/>
+              <a:t>2 Thessalonians 5:16-22 </a:t>
+            </a:r>
+          </a:p>
+          <a:p>
+            <a:pPr marL="285750" indent="-285750">
+              <a:buFont typeface="Arial" panose="020B0604020202020204" pitchFamily="34" charset="0"/>
+              <a:buChar char="•"/>
+            </a:pPr>
+            <a:r>
+              <a:rPr lang="en-US" dirty="0"/>
+              <a:t>“Do not despise Revelation (i.e. preaching).”  Scripture, discernment, testing.</a:t>
+            </a:r>
+          </a:p>
+          <a:p>
+            <a:r>
+              <a:rPr lang="en-US" dirty="0"/>
+              <a:t>  </a:t>
+            </a:r>
+          </a:p>
+          <a:p>
+            <a:r>
+              <a:rPr lang="en-US" b="1" dirty="0"/>
+              <a:t>2 Timothy 2:15-17 </a:t>
+            </a:r>
+          </a:p>
+          <a:p>
+            <a:pPr marL="285750" indent="-285750">
+              <a:buFont typeface="Arial" panose="020B0604020202020204" pitchFamily="34" charset="0"/>
+              <a:buChar char="•"/>
+            </a:pPr>
+            <a:r>
+              <a:rPr lang="en-US" dirty="0"/>
+              <a:t>Practice doctrinal precision.  Avoid the dogmas of self-image and self-worth influencers.</a:t>
+            </a:r>
+          </a:p>
+          <a:p>
             <a:endParaRPr lang="en-US" dirty="0">
               <a:latin typeface="+mn-lt"/>
             </a:endParaRPr>
           </a:p>
           <a:p>
             <a:r>
-              <a:rPr lang="en-US" dirty="0">
-                <a:latin typeface="+mn-lt"/>
-              </a:rPr>
-              <a:t>Key Verses:</a:t>
+              <a:rPr lang="en-US" b="1" dirty="0"/>
+              <a:t>1 Timothy 6:3-5 ; 11-16 </a:t>
+            </a:r>
+          </a:p>
+          <a:p>
+            <a:pPr marL="285750" indent="-285750">
+              <a:buFont typeface="Arial" panose="020B0604020202020204" pitchFamily="34" charset="0"/>
+              <a:buChar char="•"/>
+            </a:pPr>
+            <a:r>
+              <a:rPr lang="en-US" dirty="0"/>
+              <a:t>Guard the Truth. Gain skills for distinguishing truth from falsehood and from half-truth.</a:t>
             </a:r>
           </a:p>
           <a:p>
@@ -4810,87 +4638,18 @@
           </a:p>
           <a:p>
             <a:r>
-              <a:rPr lang="en-US" b="1" i="1" dirty="0">
-                <a:latin typeface="+mn-lt"/>
-              </a:rPr>
-              <a:t>Verse</a:t>
-            </a:r>
-            <a:r>
-              <a:rPr lang="en-US" i="1" dirty="0">
-                <a:latin typeface="+mn-lt"/>
-              </a:rPr>
-              <a:t>  </a:t>
-            </a:r>
-            <a:r>
-              <a:rPr lang="en-US" i="1" dirty="0"/>
-              <a:t>Quote. </a:t>
-            </a:r>
-            <a:endParaRPr lang="en-US" i="1" dirty="0">
-              <a:latin typeface="+mn-lt"/>
-            </a:endParaRPr>
-          </a:p>
-          <a:p>
-            <a:endParaRPr lang="en-US" dirty="0">
-              <a:latin typeface="+mn-lt"/>
-            </a:endParaRPr>
-          </a:p>
-          <a:p>
-            <a:r>
-              <a:rPr lang="en-US" b="1" i="1" dirty="0">
-                <a:latin typeface="+mn-lt"/>
-              </a:rPr>
-              <a:t>Verse</a:t>
-            </a:r>
-            <a:r>
-              <a:rPr lang="en-US" i="1" dirty="0">
-                <a:latin typeface="+mn-lt"/>
-              </a:rPr>
-              <a:t>  </a:t>
-            </a:r>
-            <a:r>
-              <a:rPr lang="en-US" i="1" dirty="0"/>
-              <a:t>Quote </a:t>
-            </a:r>
-            <a:endParaRPr lang="en-US" i="1" dirty="0">
-              <a:latin typeface="+mn-lt"/>
-            </a:endParaRPr>
-          </a:p>
-          <a:p>
-            <a:endParaRPr lang="en-US" dirty="0">
-              <a:latin typeface="+mn-lt"/>
-            </a:endParaRPr>
-          </a:p>
-          <a:p>
-            <a:r>
-              <a:rPr lang="en-US" dirty="0">
-                <a:latin typeface="+mn-lt"/>
-              </a:rPr>
-              <a:t>Key Themes:</a:t>
-            </a:r>
-          </a:p>
-          <a:p>
-            <a:endParaRPr lang="en-US" dirty="0">
-              <a:latin typeface="+mn-lt"/>
-            </a:endParaRPr>
-          </a:p>
-          <a:p>
-            <a:pPr marL="742950" lvl="1" indent="-285750">
+              <a:rPr lang="en-US" b="1" dirty="0"/>
+              <a:t>1 John 2:20-29</a:t>
+            </a:r>
+          </a:p>
+          <a:p>
+            <a:pPr marL="285750" indent="-285750">
               <a:buFont typeface="Arial" panose="020B0604020202020204" pitchFamily="34" charset="0"/>
               <a:buChar char="•"/>
             </a:pPr>
             <a:r>
               <a:rPr lang="en-US" dirty="0"/>
-              <a:t>Point</a:t>
-            </a:r>
-          </a:p>
-          <a:p>
-            <a:pPr marL="742950" lvl="1" indent="-285750">
-              <a:buFont typeface="Arial" panose="020B0604020202020204" pitchFamily="34" charset="0"/>
-              <a:buChar char="•"/>
-            </a:pPr>
-            <a:r>
-              <a:rPr lang="en-US" dirty="0"/>
-              <a:t>Point</a:t>
+              <a:t>Constant conflict – The Truth vs. Lies.  Abide in Him and His Teaching.</a:t>
             </a:r>
           </a:p>
         </p:txBody>
@@ -4941,7 +4700,7 @@
                                         <p:tgtEl>
                                           <p:spTgt spid="7">
                                             <p:txEl>
-                                              <p:pRg st="2" end="2"/>
+                                              <p:pRg st="0" end="0"/>
                                             </p:txEl>
                                           </p:spTgt>
                                         </p:tgtEl>
@@ -4959,7 +4718,7 @@
                                         <p:tgtEl>
                                           <p:spTgt spid="7">
                                             <p:txEl>
-                                              <p:pRg st="2" end="2"/>
+                                              <p:pRg st="0" end="0"/>
                                             </p:txEl>
                                           </p:spTgt>
                                         </p:tgtEl>
@@ -4971,7 +4730,7 @@
                                         <p:tgtEl>
                                           <p:spTgt spid="7">
                                             <p:txEl>
-                                              <p:pRg st="2" end="2"/>
+                                              <p:pRg st="0" end="0"/>
                                             </p:txEl>
                                           </p:spTgt>
                                         </p:tgtEl>
@@ -4998,7 +4757,7 @@
                                         <p:tgtEl>
                                           <p:spTgt spid="7">
                                             <p:txEl>
-                                              <p:pRg st="2" end="2"/>
+                                              <p:pRg st="0" end="0"/>
                                             </p:txEl>
                                           </p:spTgt>
                                         </p:tgtEl>
@@ -5038,7 +4797,7 @@
                                         <p:tgtEl>
                                           <p:spTgt spid="7">
                                             <p:txEl>
-                                              <p:pRg st="4" end="4"/>
+                                              <p:pRg st="1" end="1"/>
                                             </p:txEl>
                                           </p:spTgt>
                                         </p:tgtEl>
@@ -5056,7 +4815,7 @@
                                         <p:tgtEl>
                                           <p:spTgt spid="7">
                                             <p:txEl>
-                                              <p:pRg st="4" end="4"/>
+                                              <p:pRg st="1" end="1"/>
                                             </p:txEl>
                                           </p:spTgt>
                                         </p:tgtEl>
@@ -5068,7 +4827,7 @@
                                         <p:tgtEl>
                                           <p:spTgt spid="7">
                                             <p:txEl>
-                                              <p:pRg st="4" end="4"/>
+                                              <p:pRg st="1" end="1"/>
                                             </p:txEl>
                                           </p:spTgt>
                                         </p:tgtEl>
@@ -5095,104 +4854,7 @@
                                         <p:tgtEl>
                                           <p:spTgt spid="7">
                                             <p:txEl>
-                                              <p:pRg st="4" end="4"/>
-                                            </p:txEl>
-                                          </p:spTgt>
-                                        </p:tgtEl>
-                                        <p:attrNameLst>
-                                          <p:attrName>ppt_y</p:attrName>
-                                        </p:attrNameLst>
-                                      </p:cBhvr>
-                                      <p:tavLst>
-                                        <p:tav tm="0">
-                                          <p:val>
-                                            <p:strVal val="#ppt_y+.1"/>
-                                          </p:val>
-                                        </p:tav>
-                                        <p:tav tm="100000">
-                                          <p:val>
-                                            <p:strVal val="#ppt_y"/>
-                                          </p:val>
-                                        </p:tav>
-                                      </p:tavLst>
-                                    </p:anim>
-                                  </p:childTnLst>
-                                </p:cTn>
-                              </p:par>
-                              <p:par>
-                                <p:cTn id="15" presetID="42" presetClass="entr" presetSubtype="0" fill="hold" nodeType="withEffect">
-                                  <p:stCondLst>
-                                    <p:cond delay="0"/>
-                                  </p:stCondLst>
-                                  <p:childTnLst>
-                                    <p:set>
-                                      <p:cBhvr>
-                                        <p:cTn id="16" dur="1" fill="hold">
-                                          <p:stCondLst>
-                                            <p:cond delay="0"/>
-                                          </p:stCondLst>
-                                        </p:cTn>
-                                        <p:tgtEl>
-                                          <p:spTgt spid="7">
-                                            <p:txEl>
-                                              <p:pRg st="6" end="6"/>
-                                            </p:txEl>
-                                          </p:spTgt>
-                                        </p:tgtEl>
-                                        <p:attrNameLst>
-                                          <p:attrName>style.visibility</p:attrName>
-                                        </p:attrNameLst>
-                                      </p:cBhvr>
-                                      <p:to>
-                                        <p:strVal val="visible"/>
-                                      </p:to>
-                                    </p:set>
-                                    <p:animEffect transition="in" filter="fade">
-                                      <p:cBhvr>
-                                        <p:cTn id="17" dur="1000"/>
-                                        <p:tgtEl>
-                                          <p:spTgt spid="7">
-                                            <p:txEl>
-                                              <p:pRg st="6" end="6"/>
-                                            </p:txEl>
-                                          </p:spTgt>
-                                        </p:tgtEl>
-                                      </p:cBhvr>
-                                    </p:animEffect>
-                                    <p:anim calcmode="lin" valueType="num">
-                                      <p:cBhvr>
-                                        <p:cTn id="18" dur="1000" fill="hold"/>
-                                        <p:tgtEl>
-                                          <p:spTgt spid="7">
-                                            <p:txEl>
-                                              <p:pRg st="6" end="6"/>
-                                            </p:txEl>
-                                          </p:spTgt>
-                                        </p:tgtEl>
-                                        <p:attrNameLst>
-                                          <p:attrName>ppt_x</p:attrName>
-                                        </p:attrNameLst>
-                                      </p:cBhvr>
-                                      <p:tavLst>
-                                        <p:tav tm="0">
-                                          <p:val>
-                                            <p:strVal val="#ppt_x"/>
-                                          </p:val>
-                                        </p:tav>
-                                        <p:tav tm="100000">
-                                          <p:val>
-                                            <p:strVal val="#ppt_x"/>
-                                          </p:val>
-                                        </p:tav>
-                                      </p:tavLst>
-                                    </p:anim>
-                                    <p:anim calcmode="lin" valueType="num">
-                                      <p:cBhvr>
-                                        <p:cTn id="19" dur="1000" fill="hold"/>
-                                        <p:tgtEl>
-                                          <p:spTgt spid="7">
-                                            <p:txEl>
-                                              <p:pRg st="6" end="6"/>
+                                              <p:pRg st="1" end="1"/>
                                             </p:txEl>
                                           </p:spTgt>
                                         </p:tgtEl>
@@ -5223,26 +4885,26 @@
                     </p:cTn>
                   </p:par>
                   <p:par>
-                    <p:cTn id="20" fill="hold">
+                    <p:cTn id="15" fill="hold">
                       <p:stCondLst>
                         <p:cond delay="indefinite"/>
                       </p:stCondLst>
                       <p:childTnLst>
                         <p:par>
-                          <p:cTn id="21" fill="hold">
+                          <p:cTn id="16" fill="hold">
                             <p:stCondLst>
                               <p:cond delay="0"/>
                             </p:stCondLst>
                             <p:childTnLst>
                               <p:par>
-                                <p:cTn id="22" presetID="42" presetClass="entr" presetSubtype="0" fill="hold" nodeType="clickEffect">
+                                <p:cTn id="17" presetID="42" presetClass="entr" presetSubtype="0" fill="hold" nodeType="clickEffect">
                                   <p:stCondLst>
                                     <p:cond delay="0"/>
                                   </p:stCondLst>
                                   <p:childTnLst>
                                     <p:set>
                                       <p:cBhvr>
-                                        <p:cTn id="23" dur="1" fill="hold">
+                                        <p:cTn id="18" dur="1" fill="hold">
                                           <p:stCondLst>
                                             <p:cond delay="0"/>
                                           </p:stCondLst>
@@ -5250,7 +4912,7 @@
                                         <p:tgtEl>
                                           <p:spTgt spid="7">
                                             <p:txEl>
-                                              <p:pRg st="8" end="8"/>
+                                              <p:pRg st="3" end="3"/>
                                             </p:txEl>
                                           </p:spTgt>
                                         </p:tgtEl>
@@ -5264,11 +4926,11 @@
                                     </p:set>
                                     <p:animEffect transition="in" filter="fade">
                                       <p:cBhvr>
-                                        <p:cTn id="24" dur="1000"/>
-                                        <p:tgtEl>
-                                          <p:spTgt spid="7">
-                                            <p:txEl>
-                                              <p:pRg st="8" end="8"/>
+                                        <p:cTn id="19" dur="1000"/>
+                                        <p:tgtEl>
+                                          <p:spTgt spid="7">
+                                            <p:txEl>
+                                              <p:pRg st="3" end="3"/>
                                             </p:txEl>
                                           </p:spTgt>
                                         </p:tgtEl>
@@ -5276,11 +4938,11 @@
                                     </p:animEffect>
                                     <p:anim calcmode="lin" valueType="num">
                                       <p:cBhvr>
-                                        <p:cTn id="25" dur="1000" fill="hold"/>
-                                        <p:tgtEl>
-                                          <p:spTgt spid="7">
-                                            <p:txEl>
-                                              <p:pRg st="8" end="8"/>
+                                        <p:cTn id="20" dur="1000" fill="hold"/>
+                                        <p:tgtEl>
+                                          <p:spTgt spid="7">
+                                            <p:txEl>
+                                              <p:pRg st="3" end="3"/>
                                             </p:txEl>
                                           </p:spTgt>
                                         </p:tgtEl>
@@ -5303,11 +4965,11 @@
                                     </p:anim>
                                     <p:anim calcmode="lin" valueType="num">
                                       <p:cBhvr>
-                                        <p:cTn id="26" dur="1000" fill="hold"/>
-                                        <p:tgtEl>
-                                          <p:spTgt spid="7">
-                                            <p:txEl>
-                                              <p:pRg st="8" end="8"/>
+                                        <p:cTn id="21" dur="1000" fill="hold"/>
+                                        <p:tgtEl>
+                                          <p:spTgt spid="7">
+                                            <p:txEl>
+                                              <p:pRg st="3" end="3"/>
                                             </p:txEl>
                                           </p:spTgt>
                                         </p:tgtEl>
@@ -5332,14 +4994,14 @@
                                 </p:cTn>
                               </p:par>
                               <p:par>
-                                <p:cTn id="27" presetID="42" presetClass="entr" presetSubtype="0" fill="hold" nodeType="withEffect">
+                                <p:cTn id="22" presetID="42" presetClass="entr" presetSubtype="0" fill="hold" nodeType="withEffect">
                                   <p:stCondLst>
                                     <p:cond delay="0"/>
                                   </p:stCondLst>
                                   <p:childTnLst>
                                     <p:set>
                                       <p:cBhvr>
-                                        <p:cTn id="28" dur="1" fill="hold">
+                                        <p:cTn id="23" dur="1" fill="hold">
                                           <p:stCondLst>
                                             <p:cond delay="0"/>
                                           </p:stCondLst>
@@ -5347,7 +5009,7 @@
                                         <p:tgtEl>
                                           <p:spTgt spid="7">
                                             <p:txEl>
-                                              <p:pRg st="10" end="10"/>
+                                              <p:pRg st="4" end="4"/>
                                             </p:txEl>
                                           </p:spTgt>
                                         </p:tgtEl>
@@ -5361,11 +5023,11 @@
                                     </p:set>
                                     <p:animEffect transition="in" filter="fade">
                                       <p:cBhvr>
-                                        <p:cTn id="29" dur="1000"/>
-                                        <p:tgtEl>
-                                          <p:spTgt spid="7">
-                                            <p:txEl>
-                                              <p:pRg st="10" end="10"/>
+                                        <p:cTn id="24" dur="1000"/>
+                                        <p:tgtEl>
+                                          <p:spTgt spid="7">
+                                            <p:txEl>
+                                              <p:pRg st="4" end="4"/>
                                             </p:txEl>
                                           </p:spTgt>
                                         </p:tgtEl>
@@ -5373,11 +5035,11 @@
                                     </p:animEffect>
                                     <p:anim calcmode="lin" valueType="num">
                                       <p:cBhvr>
-                                        <p:cTn id="30" dur="1000" fill="hold"/>
-                                        <p:tgtEl>
-                                          <p:spTgt spid="7">
-                                            <p:txEl>
-                                              <p:pRg st="10" end="10"/>
+                                        <p:cTn id="25" dur="1000" fill="hold"/>
+                                        <p:tgtEl>
+                                          <p:spTgt spid="7">
+                                            <p:txEl>
+                                              <p:pRg st="4" end="4"/>
                                             </p:txEl>
                                           </p:spTgt>
                                         </p:tgtEl>
@@ -5400,11 +5062,126 @@
                                     </p:anim>
                                     <p:anim calcmode="lin" valueType="num">
                                       <p:cBhvr>
-                                        <p:cTn id="31" dur="1000" fill="hold"/>
-                                        <p:tgtEl>
-                                          <p:spTgt spid="7">
-                                            <p:txEl>
-                                              <p:pRg st="10" end="10"/>
+                                        <p:cTn id="26" dur="1000" fill="hold"/>
+                                        <p:tgtEl>
+                                          <p:spTgt spid="7">
+                                            <p:txEl>
+                                              <p:pRg st="4" end="4"/>
+                                            </p:txEl>
+                                          </p:spTgt>
+                                        </p:tgtEl>
+                                        <p:attrNameLst>
+                                          <p:attrName>ppt_y</p:attrName>
+                                        </p:attrNameLst>
+                                      </p:cBhvr>
+                                      <p:tavLst>
+                                        <p:tav tm="0">
+                                          <p:val>
+                                            <p:strVal val="#ppt_y+.1"/>
+                                          </p:val>
+                                        </p:tav>
+                                        <p:tav tm="100000">
+                                          <p:val>
+                                            <p:strVal val="#ppt_y"/>
+                                          </p:val>
+                                        </p:tav>
+                                      </p:tavLst>
+                                    </p:anim>
+                                  </p:childTnLst>
+                                </p:cTn>
+                              </p:par>
+                            </p:childTnLst>
+                          </p:cTn>
+                        </p:par>
+                      </p:childTnLst>
+                    </p:cTn>
+                  </p:par>
+                  <p:par>
+                    <p:cTn id="27" fill="hold">
+                      <p:stCondLst>
+                        <p:cond delay="indefinite"/>
+                      </p:stCondLst>
+                      <p:childTnLst>
+                        <p:par>
+                          <p:cTn id="28" fill="hold">
+                            <p:stCondLst>
+                              <p:cond delay="0"/>
+                            </p:stCondLst>
+                            <p:childTnLst>
+                              <p:par>
+                                <p:cTn id="29" presetID="42" presetClass="entr" presetSubtype="0" fill="hold" nodeType="clickEffect">
+                                  <p:stCondLst>
+                                    <p:cond delay="0"/>
+                                  </p:stCondLst>
+                                  <p:childTnLst>
+                                    <p:set>
+                                      <p:cBhvr>
+                                        <p:cTn id="30" dur="1" fill="hold">
+                                          <p:stCondLst>
+                                            <p:cond delay="0"/>
+                                          </p:stCondLst>
+                                        </p:cTn>
+                                        <p:tgtEl>
+                                          <p:spTgt spid="7">
+                                            <p:txEl>
+                                              <p:pRg st="6" end="6"/>
+                                            </p:txEl>
+                                          </p:spTgt>
+                                        </p:tgtEl>
+                                        <p:attrNameLst>
+                                          <p:attrName>style.visibility</p:attrName>
+                                        </p:attrNameLst>
+                                      </p:cBhvr>
+                                      <p:to>
+                                        <p:strVal val="visible"/>
+                                      </p:to>
+                                    </p:set>
+                                    <p:animEffect transition="in" filter="fade">
+                                      <p:cBhvr>
+                                        <p:cTn id="31" dur="1000"/>
+                                        <p:tgtEl>
+                                          <p:spTgt spid="7">
+                                            <p:txEl>
+                                              <p:pRg st="6" end="6"/>
+                                            </p:txEl>
+                                          </p:spTgt>
+                                        </p:tgtEl>
+                                      </p:cBhvr>
+                                    </p:animEffect>
+                                    <p:anim calcmode="lin" valueType="num">
+                                      <p:cBhvr>
+                                        <p:cTn id="32" dur="1000" fill="hold"/>
+                                        <p:tgtEl>
+                                          <p:spTgt spid="7">
+                                            <p:txEl>
+                                              <p:pRg st="6" end="6"/>
+                                            </p:txEl>
+                                          </p:spTgt>
+                                        </p:tgtEl>
+                                        <p:attrNameLst>
+                                          <p:attrName>ppt_x</p:attrName>
+                                        </p:attrNameLst>
+                                      </p:cBhvr>
+                                      <p:tavLst>
+                                        <p:tav tm="0">
+                                          <p:val>
+                                            <p:strVal val="#ppt_x"/>
+                                          </p:val>
+                                        </p:tav>
+                                        <p:tav tm="100000">
+                                          <p:val>
+                                            <p:strVal val="#ppt_x"/>
+                                          </p:val>
+                                        </p:tav>
+                                      </p:tavLst>
+                                    </p:anim>
+                                    <p:anim calcmode="lin" valueType="num">
+                                      <p:cBhvr>
+                                        <p:cTn id="33" dur="1000" fill="hold"/>
+                                        <p:tgtEl>
+                                          <p:spTgt spid="7">
+                                            <p:txEl>
+                                              <p:pRg st="6" end="6"/>
                                             </p:txEl>
                                           </p:spTgt>
                                         </p:tgtEl>
@@ -5429,14 +5206,14 @@
                                 </p:cTn>
                               </p:par>
                               <p:par>
-                                <p:cTn id="32" presetID="42" presetClass="entr" presetSubtype="0" fill="hold" nodeType="withEffect">
+                                <p:cTn id="34" presetID="42" presetClass="entr" presetSubtype="0" fill="hold" nodeType="withEffect">
                                   <p:stCondLst>
                                     <p:cond delay="0"/>
                                   </p:stCondLst>
                                   <p:childTnLst>
                                     <p:set>
                                       <p:cBhvr>
-                                        <p:cTn id="33" dur="1" fill="hold">
+                                        <p:cTn id="35" dur="1" fill="hold">
                                           <p:stCondLst>
                                             <p:cond delay="0"/>
                                           </p:stCondLst>
@@ -5444,7 +5221,7 @@
                                         <p:tgtEl>
                                           <p:spTgt spid="7">
                                             <p:txEl>
-                                              <p:pRg st="11" end="11"/>
+                                              <p:pRg st="7" end="7"/>
                                             </p:txEl>
                                           </p:spTgt>
                                         </p:tgtEl>
@@ -5458,11 +5235,11 @@
                                     </p:set>
                                     <p:animEffect transition="in" filter="fade">
                                       <p:cBhvr>
-                                        <p:cTn id="34" dur="1000"/>
-                                        <p:tgtEl>
-                                          <p:spTgt spid="7">
-                                            <p:txEl>
-                                              <p:pRg st="11" end="11"/>
+                                        <p:cTn id="36" dur="1000"/>
+                                        <p:tgtEl>
+                                          <p:spTgt spid="7">
+                                            <p:txEl>
+                                              <p:pRg st="7" end="7"/>
                                             </p:txEl>
                                           </p:spTgt>
                                         </p:tgtEl>
@@ -5470,11 +5247,11 @@
                                     </p:animEffect>
                                     <p:anim calcmode="lin" valueType="num">
                                       <p:cBhvr>
-                                        <p:cTn id="35" dur="1000" fill="hold"/>
-                                        <p:tgtEl>
-                                          <p:spTgt spid="7">
-                                            <p:txEl>
-                                              <p:pRg st="11" end="11"/>
+                                        <p:cTn id="37" dur="1000" fill="hold"/>
+                                        <p:tgtEl>
+                                          <p:spTgt spid="7">
+                                            <p:txEl>
+                                              <p:pRg st="7" end="7"/>
                                             </p:txEl>
                                           </p:spTgt>
                                         </p:tgtEl>
@@ -5497,11 +5274,647 @@
                                     </p:anim>
                                     <p:anim calcmode="lin" valueType="num">
                                       <p:cBhvr>
-                                        <p:cTn id="36" dur="1000" fill="hold"/>
-                                        <p:tgtEl>
-                                          <p:spTgt spid="7">
-                                            <p:txEl>
-                                              <p:pRg st="11" end="11"/>
+                                        <p:cTn id="38" dur="1000" fill="hold"/>
+                                        <p:tgtEl>
+                                          <p:spTgt spid="7">
+                                            <p:txEl>
+                                              <p:pRg st="7" end="7"/>
+                                            </p:txEl>
+                                          </p:spTgt>
+                                        </p:tgtEl>
+                                        <p:attrNameLst>
+                                          <p:attrName>ppt_y</p:attrName>
+                                        </p:attrNameLst>
+                                      </p:cBhvr>
+                                      <p:tavLst>
+                                        <p:tav tm="0">
+                                          <p:val>
+                                            <p:strVal val="#ppt_y+.1"/>
+                                          </p:val>
+                                        </p:tav>
+                                        <p:tav tm="100000">
+                                          <p:val>
+                                            <p:strVal val="#ppt_y"/>
+                                          </p:val>
+                                        </p:tav>
+                                      </p:tavLst>
+                                    </p:anim>
+                                  </p:childTnLst>
+                                </p:cTn>
+                              </p:par>
+                            </p:childTnLst>
+                          </p:cTn>
+                        </p:par>
+                      </p:childTnLst>
+                    </p:cTn>
+                  </p:par>
+                  <p:par>
+                    <p:cTn id="39" fill="hold">
+                      <p:stCondLst>
+                        <p:cond delay="indefinite"/>
+                      </p:stCondLst>
+                      <p:childTnLst>
+                        <p:par>
+                          <p:cTn id="40" fill="hold">
+                            <p:stCondLst>
+                              <p:cond delay="0"/>
+                            </p:stCondLst>
+                            <p:childTnLst>
+                              <p:par>
+                                <p:cTn id="41" presetID="42" presetClass="entr" presetSubtype="0" fill="hold" nodeType="clickEffect">
+                                  <p:stCondLst>
+                                    <p:cond delay="0"/>
+                                  </p:stCondLst>
+                                  <p:childTnLst>
+                                    <p:set>
+                                      <p:cBhvr>
+                                        <p:cTn id="42" dur="1" fill="hold">
+                                          <p:stCondLst>
+                                            <p:cond delay="0"/>
+                                          </p:stCondLst>
+                                        </p:cTn>
+                                        <p:tgtEl>
+                                          <p:spTgt spid="7">
+                                            <p:txEl>
+                                              <p:pRg st="9" end="9"/>
+                                            </p:txEl>
+                                          </p:spTgt>
+                                        </p:tgtEl>
+                                        <p:attrNameLst>
+                                          <p:attrName>style.visibility</p:attrName>
+                                        </p:attrNameLst>
+                                      </p:cBhvr>
+                                      <p:to>
+                                        <p:strVal val="visible"/>
+                                      </p:to>
+                                    </p:set>
+                                    <p:animEffect transition="in" filter="fade">
+                                      <p:cBhvr>
+                                        <p:cTn id="43" dur="1000"/>
+                                        <p:tgtEl>
+                                          <p:spTgt spid="7">
+                                            <p:txEl>
+                                              <p:pRg st="9" end="9"/>
+                                            </p:txEl>
+                                          </p:spTgt>
+                                        </p:tgtEl>
+                                      </p:cBhvr>
+                                    </p:animEffect>
+                                    <p:anim calcmode="lin" valueType="num">
+                                      <p:cBhvr>
+                                        <p:cTn id="44" dur="1000" fill="hold"/>
+                                        <p:tgtEl>
+                                          <p:spTgt spid="7">
+                                            <p:txEl>
+                                              <p:pRg st="9" end="9"/>
+                                            </p:txEl>
+                                          </p:spTgt>
+                                        </p:tgtEl>
+                                        <p:attrNameLst>
+                                          <p:attrName>ppt_x</p:attrName>
+                                        </p:attrNameLst>
+                                      </p:cBhvr>
+                                      <p:tavLst>
+                                        <p:tav tm="0">
+                                          <p:val>
+                                            <p:strVal val="#ppt_x"/>
+                                          </p:val>
+                                        </p:tav>
+                                        <p:tav tm="100000">
+                                          <p:val>
+                                            <p:strVal val="#ppt_x"/>
+                                          </p:val>
+                                        </p:tav>
+                                      </p:tavLst>
+                                    </p:anim>
+                                    <p:anim calcmode="lin" valueType="num">
+                                      <p:cBhvr>
+                                        <p:cTn id="45" dur="1000" fill="hold"/>
+                                        <p:tgtEl>
+                                          <p:spTgt spid="7">
+                                            <p:txEl>
+                                              <p:pRg st="9" end="9"/>
+                                            </p:txEl>
+                                          </p:spTgt>
+                                        </p:tgtEl>
+                                        <p:attrNameLst>
+                                          <p:attrName>ppt_y</p:attrName>
+                                        </p:attrNameLst>
+                                      </p:cBhvr>
+                                      <p:tavLst>
+                                        <p:tav tm="0">
+                                          <p:val>
+                                            <p:strVal val="#ppt_y+.1"/>
+                                          </p:val>
+                                        </p:tav>
+                                        <p:tav tm="100000">
+                                          <p:val>
+                                            <p:strVal val="#ppt_y"/>
+                                          </p:val>
+                                        </p:tav>
+                                      </p:tavLst>
+                                    </p:anim>
+                                  </p:childTnLst>
+                                </p:cTn>
+                              </p:par>
+                              <p:par>
+                                <p:cTn id="46" presetID="42" presetClass="entr" presetSubtype="0" fill="hold" nodeType="withEffect">
+                                  <p:stCondLst>
+                                    <p:cond delay="0"/>
+                                  </p:stCondLst>
+                                  <p:childTnLst>
+                                    <p:set>
+                                      <p:cBhvr>
+                                        <p:cTn id="47" dur="1" fill="hold">
+                                          <p:stCondLst>
+                                            <p:cond delay="0"/>
+                                          </p:stCondLst>
+                                        </p:cTn>
+                                        <p:tgtEl>
+                                          <p:spTgt spid="7">
+                                            <p:txEl>
+                                              <p:pRg st="10" end="10"/>
+                                            </p:txEl>
+                                          </p:spTgt>
+                                        </p:tgtEl>
+                                        <p:attrNameLst>
+                                          <p:attrName>style.visibility</p:attrName>
+                                        </p:attrNameLst>
+                                      </p:cBhvr>
+                                      <p:to>
+                                        <p:strVal val="visible"/>
+                                      </p:to>
+                                    </p:set>
+                                    <p:animEffect transition="in" filter="fade">
+                                      <p:cBhvr>
+                                        <p:cTn id="48" dur="1000"/>
+                                        <p:tgtEl>
+                                          <p:spTgt spid="7">
+                                            <p:txEl>
+                                              <p:pRg st="10" end="10"/>
+                                            </p:txEl>
+                                          </p:spTgt>
+                                        </p:tgtEl>
+                                      </p:cBhvr>
+                                    </p:animEffect>
+                                    <p:anim calcmode="lin" valueType="num">
+                                      <p:cBhvr>
+                                        <p:cTn id="49" dur="1000" fill="hold"/>
+                                        <p:tgtEl>
+                                          <p:spTgt spid="7">
+                                            <p:txEl>
+                                              <p:pRg st="10" end="10"/>
+                                            </p:txEl>
+                                          </p:spTgt>
+                                        </p:tgtEl>
+                                        <p:attrNameLst>
+                                          <p:attrName>ppt_x</p:attrName>
+                                        </p:attrNameLst>
+                                      </p:cBhvr>
+                                      <p:tavLst>
+                                        <p:tav tm="0">
+                                          <p:val>
+                                            <p:strVal val="#ppt_x"/>
+                                          </p:val>
+                                        </p:tav>
+                                        <p:tav tm="100000">
+                                          <p:val>
+                                            <p:strVal val="#ppt_x"/>
+                                          </p:val>
+                                        </p:tav>
+                                      </p:tavLst>
+                                    </p:anim>
+                                    <p:anim calcmode="lin" valueType="num">
+                                      <p:cBhvr>
+                                        <p:cTn id="50" dur="1000" fill="hold"/>
+                                        <p:tgtEl>
+                                          <p:spTgt spid="7">
+                                            <p:txEl>
+                                              <p:pRg st="10" end="10"/>
+                                            </p:txEl>
+                                          </p:spTgt>
+                                        </p:tgtEl>
+                                        <p:attrNameLst>
+                                          <p:attrName>ppt_y</p:attrName>
+                                        </p:attrNameLst>
+                                      </p:cBhvr>
+                                      <p:tavLst>
+                                        <p:tav tm="0">
+                                          <p:val>
+                                            <p:strVal val="#ppt_y+.1"/>
+                                          </p:val>
+                                        </p:tav>
+                                        <p:tav tm="100000">
+                                          <p:val>
+                                            <p:strVal val="#ppt_y"/>
+                                          </p:val>
+                                        </p:tav>
+                                      </p:tavLst>
+                                    </p:anim>
+                                  </p:childTnLst>
+                                </p:cTn>
+                              </p:par>
+                            </p:childTnLst>
+                          </p:cTn>
+                        </p:par>
+                      </p:childTnLst>
+                    </p:cTn>
+                  </p:par>
+                  <p:par>
+                    <p:cTn id="51" fill="hold">
+                      <p:stCondLst>
+                        <p:cond delay="indefinite"/>
+                      </p:stCondLst>
+                      <p:childTnLst>
+                        <p:par>
+                          <p:cTn id="52" fill="hold">
+                            <p:stCondLst>
+                              <p:cond delay="0"/>
+                            </p:stCondLst>
+                            <p:childTnLst>
+                              <p:par>
+                                <p:cTn id="53" presetID="42" presetClass="entr" presetSubtype="0" fill="hold" nodeType="clickEffect">
+                                  <p:stCondLst>
+                                    <p:cond delay="0"/>
+                                  </p:stCondLst>
+                                  <p:childTnLst>
+                                    <p:set>
+                                      <p:cBhvr>
+                                        <p:cTn id="54" dur="1" fill="hold">
+                                          <p:stCondLst>
+                                            <p:cond delay="0"/>
+                                          </p:stCondLst>
+                                        </p:cTn>
+                                        <p:tgtEl>
+                                          <p:spTgt spid="7">
+                                            <p:txEl>
+                                              <p:pRg st="12" end="12"/>
+                                            </p:txEl>
+                                          </p:spTgt>
+                                        </p:tgtEl>
+                                        <p:attrNameLst>
+                                          <p:attrName>style.visibility</p:attrName>
+                                        </p:attrNameLst>
+                                      </p:cBhvr>
+                                      <p:to>
+                                        <p:strVal val="visible"/>
+                                      </p:to>
+                                    </p:set>
+                                    <p:animEffect transition="in" filter="fade">
+                                      <p:cBhvr>
+                                        <p:cTn id="55" dur="1000"/>
+                                        <p:tgtEl>
+                                          <p:spTgt spid="7">
+                                            <p:txEl>
+                                              <p:pRg st="12" end="12"/>
+                                            </p:txEl>
+                                          </p:spTgt>
+                                        </p:tgtEl>
+                                      </p:cBhvr>
+                                    </p:animEffect>
+                                    <p:anim calcmode="lin" valueType="num">
+                                      <p:cBhvr>
+                                        <p:cTn id="56" dur="1000" fill="hold"/>
+                                        <p:tgtEl>
+                                          <p:spTgt spid="7">
+                                            <p:txEl>
+                                              <p:pRg st="12" end="12"/>
+                                            </p:txEl>
+                                          </p:spTgt>
+                                        </p:tgtEl>
+                                        <p:attrNameLst>
+                                          <p:attrName>ppt_x</p:attrName>
+                                        </p:attrNameLst>
+                                      </p:cBhvr>
+                                      <p:tavLst>
+                                        <p:tav tm="0">
+                                          <p:val>
+                                            <p:strVal val="#ppt_x"/>
+                                          </p:val>
+                                        </p:tav>
+                                        <p:tav tm="100000">
+                                          <p:val>
+                                            <p:strVal val="#ppt_x"/>
+                                          </p:val>
+                                        </p:tav>
+                                      </p:tavLst>
+                                    </p:anim>
+                                    <p:anim calcmode="lin" valueType="num">
+                                      <p:cBhvr>
+                                        <p:cTn id="57" dur="1000" fill="hold"/>
+                                        <p:tgtEl>
+                                          <p:spTgt spid="7">
+                                            <p:txEl>
+                                              <p:pRg st="12" end="12"/>
+                                            </p:txEl>
+                                          </p:spTgt>
+                                        </p:tgtEl>
+                                        <p:attrNameLst>
+                                          <p:attrName>ppt_y</p:attrName>
+                                        </p:attrNameLst>
+                                      </p:cBhvr>
+                                      <p:tavLst>
+                                        <p:tav tm="0">
+                                          <p:val>
+                                            <p:strVal val="#ppt_y+.1"/>
+                                          </p:val>
+                                        </p:tav>
+                                        <p:tav tm="100000">
+                                          <p:val>
+                                            <p:strVal val="#ppt_y"/>
+                                          </p:val>
+                                        </p:tav>
+                                      </p:tavLst>
+                                    </p:anim>
+                                  </p:childTnLst>
+                                </p:cTn>
+                              </p:par>
+                              <p:par>
+                                <p:cTn id="58" presetID="42" presetClass="entr" presetSubtype="0" fill="hold" nodeType="withEffect">
+                                  <p:stCondLst>
+                                    <p:cond delay="0"/>
+                                  </p:stCondLst>
+                                  <p:childTnLst>
+                                    <p:set>
+                                      <p:cBhvr>
+                                        <p:cTn id="59" dur="1" fill="hold">
+                                          <p:stCondLst>
+                                            <p:cond delay="0"/>
+                                          </p:stCondLst>
+                                        </p:cTn>
+                                        <p:tgtEl>
+                                          <p:spTgt spid="7">
+                                            <p:txEl>
+                                              <p:pRg st="13" end="13"/>
+                                            </p:txEl>
+                                          </p:spTgt>
+                                        </p:tgtEl>
+                                        <p:attrNameLst>
+                                          <p:attrName>style.visibility</p:attrName>
+                                        </p:attrNameLst>
+                                      </p:cBhvr>
+                                      <p:to>
+                                        <p:strVal val="visible"/>
+                                      </p:to>
+                                    </p:set>
+                                    <p:animEffect transition="in" filter="fade">
+                                      <p:cBhvr>
+                                        <p:cTn id="60" dur="1000"/>
+                                        <p:tgtEl>
+                                          <p:spTgt spid="7">
+                                            <p:txEl>
+                                              <p:pRg st="13" end="13"/>
+                                            </p:txEl>
+                                          </p:spTgt>
+                                        </p:tgtEl>
+                                      </p:cBhvr>
+                                    </p:animEffect>
+                                    <p:anim calcmode="lin" valueType="num">
+                                      <p:cBhvr>
+                                        <p:cTn id="61" dur="1000" fill="hold"/>
+                                        <p:tgtEl>
+                                          <p:spTgt spid="7">
+                                            <p:txEl>
+                                              <p:pRg st="13" end="13"/>
+                                            </p:txEl>
+                                          </p:spTgt>
+                                        </p:tgtEl>
+                                        <p:attrNameLst>
+                                          <p:attrName>ppt_x</p:attrName>
+                                        </p:attrNameLst>
+                                      </p:cBhvr>
+                                      <p:tavLst>
+                                        <p:tav tm="0">
+                                          <p:val>
+                                            <p:strVal val="#ppt_x"/>
+                                          </p:val>
+                                        </p:tav>
+                                        <p:tav tm="100000">
+                                          <p:val>
+                                            <p:strVal val="#ppt_x"/>
+                                          </p:val>
+                                        </p:tav>
+                                      </p:tavLst>
+                                    </p:anim>
+                                    <p:anim calcmode="lin" valueType="num">
+                                      <p:cBhvr>
+                                        <p:cTn id="62" dur="1000" fill="hold"/>
+                                        <p:tgtEl>
+                                          <p:spTgt spid="7">
+                                            <p:txEl>
+                                              <p:pRg st="13" end="13"/>
+                                            </p:txEl>
+                                          </p:spTgt>
+                                        </p:tgtEl>
+                                        <p:attrNameLst>
+                                          <p:attrName>ppt_y</p:attrName>
+                                        </p:attrNameLst>
+                                      </p:cBhvr>
+                                      <p:tavLst>
+                                        <p:tav tm="0">
+                                          <p:val>
+                                            <p:strVal val="#ppt_y+.1"/>
+                                          </p:val>
+                                        </p:tav>
+                                        <p:tav tm="100000">
+                                          <p:val>
+                                            <p:strVal val="#ppt_y"/>
+                                          </p:val>
+                                        </p:tav>
+                                      </p:tavLst>
+                                    </p:anim>
+                                  </p:childTnLst>
+                                </p:cTn>
+                              </p:par>
+                            </p:childTnLst>
+                          </p:cTn>
+                        </p:par>
+                      </p:childTnLst>
+                    </p:cTn>
+                  </p:par>
+                  <p:par>
+                    <p:cTn id="63" fill="hold">
+                      <p:stCondLst>
+                        <p:cond delay="indefinite"/>
+                      </p:stCondLst>
+                      <p:childTnLst>
+                        <p:par>
+                          <p:cTn id="64" fill="hold">
+                            <p:stCondLst>
+                              <p:cond delay="0"/>
+                            </p:stCondLst>
+                            <p:childTnLst>
+                              <p:par>
+                                <p:cTn id="65" presetID="42" presetClass="entr" presetSubtype="0" fill="hold" nodeType="clickEffect">
+                                  <p:stCondLst>
+                                    <p:cond delay="0"/>
+                                  </p:stCondLst>
+                                  <p:childTnLst>
+                                    <p:set>
+                                      <p:cBhvr>
+                                        <p:cTn id="66" dur="1" fill="hold">
+                                          <p:stCondLst>
+                                            <p:cond delay="0"/>
+                                          </p:stCondLst>
+                                        </p:cTn>
+                                        <p:tgtEl>
+                                          <p:spTgt spid="7">
+                                            <p:txEl>
+                                              <p:pRg st="15" end="15"/>
+                                            </p:txEl>
+                                          </p:spTgt>
+                                        </p:tgtEl>
+                                        <p:attrNameLst>
+                                          <p:attrName>style.visibility</p:attrName>
+                                        </p:attrNameLst>
+                                      </p:cBhvr>
+                                      <p:to>
+                                        <p:strVal val="visible"/>
+                                      </p:to>
+                                    </p:set>
+                                    <p:animEffect transition="in" filter="fade">
+                                      <p:cBhvr>
+                                        <p:cTn id="67" dur="1000"/>
+                                        <p:tgtEl>
+                                          <p:spTgt spid="7">
+                                            <p:txEl>
+                                              <p:pRg st="15" end="15"/>
+                                            </p:txEl>
+                                          </p:spTgt>
+                                        </p:tgtEl>
+                                      </p:cBhvr>
+                                    </p:animEffect>
+                                    <p:anim calcmode="lin" valueType="num">
+                                      <p:cBhvr>
+                                        <p:cTn id="68" dur="1000" fill="hold"/>
+                                        <p:tgtEl>
+                                          <p:spTgt spid="7">
+                                            <p:txEl>
+                                              <p:pRg st="15" end="15"/>
+                                            </p:txEl>
+                                          </p:spTgt>
+                                        </p:tgtEl>
+                                        <p:attrNameLst>
+                                          <p:attrName>ppt_x</p:attrName>
+                                        </p:attrNameLst>
+                                      </p:cBhvr>
+                                      <p:tavLst>
+                                        <p:tav tm="0">
+                                          <p:val>
+                                            <p:strVal val="#ppt_x"/>
+                                          </p:val>
+                                        </p:tav>
+                                        <p:tav tm="100000">
+                                          <p:val>
+                                            <p:strVal val="#ppt_x"/>
+                                          </p:val>
+                                        </p:tav>
+                                      </p:tavLst>
+                                    </p:anim>
+                                    <p:anim calcmode="lin" valueType="num">
+                                      <p:cBhvr>
+                                        <p:cTn id="69" dur="1000" fill="hold"/>
+                                        <p:tgtEl>
+                                          <p:spTgt spid="7">
+                                            <p:txEl>
+                                              <p:pRg st="15" end="15"/>
+                                            </p:txEl>
+                                          </p:spTgt>
+                                        </p:tgtEl>
+                                        <p:attrNameLst>
+                                          <p:attrName>ppt_y</p:attrName>
+                                        </p:attrNameLst>
+                                      </p:cBhvr>
+                                      <p:tavLst>
+                                        <p:tav tm="0">
+                                          <p:val>
+                                            <p:strVal val="#ppt_y+.1"/>
+                                          </p:val>
+                                        </p:tav>
+                                        <p:tav tm="100000">
+                                          <p:val>
+                                            <p:strVal val="#ppt_y"/>
+                                          </p:val>
+                                        </p:tav>
+                                      </p:tavLst>
+                                    </p:anim>
+                                  </p:childTnLst>
+                                </p:cTn>
+                              </p:par>
+                              <p:par>
+                                <p:cTn id="70" presetID="42" presetClass="entr" presetSubtype="0" fill="hold" nodeType="withEffect">
+                                  <p:stCondLst>
+                                    <p:cond delay="0"/>
+                                  </p:stCondLst>
+                                  <p:childTnLst>
+                                    <p:set>
+                                      <p:cBhvr>
+                                        <p:cTn id="71" dur="1" fill="hold">
+                                          <p:stCondLst>
+                                            <p:cond delay="0"/>
+                                          </p:stCondLst>
+                                        </p:cTn>
+                                        <p:tgtEl>
+                                          <p:spTgt spid="7">
+                                            <p:txEl>
+                                              <p:pRg st="16" end="16"/>
+                                            </p:txEl>
+                                          </p:spTgt>
+                                        </p:tgtEl>
+                                        <p:attrNameLst>
+                                          <p:attrName>style.visibility</p:attrName>
+                                        </p:attrNameLst>
+                                      </p:cBhvr>
+                                      <p:to>
+                                        <p:strVal val="visible"/>
+                                      </p:to>
+                                    </p:set>
+                                    <p:animEffect transition="in" filter="fade">
+                                      <p:cBhvr>
+                                        <p:cTn id="72" dur="1000"/>
+                                        <p:tgtEl>
+                                          <p:spTgt spid="7">
+                                            <p:txEl>
+                                              <p:pRg st="16" end="16"/>
+                                            </p:txEl>
+                                          </p:spTgt>
+                                        </p:tgtEl>
+                                      </p:cBhvr>
+                                    </p:animEffect>
+                                    <p:anim calcmode="lin" valueType="num">
+                                      <p:cBhvr>
+                                        <p:cTn id="73" dur="1000" fill="hold"/>
+                                        <p:tgtEl>
+                                          <p:spTgt spid="7">
+                                            <p:txEl>
+                                              <p:pRg st="16" end="16"/>
+                                            </p:txEl>
+                                          </p:spTgt>
+                                        </p:tgtEl>
+                                        <p:attrNameLst>
+                                          <p:attrName>ppt_x</p:attrName>
+                                        </p:attrNameLst>
+                                      </p:cBhvr>
+                                      <p:tavLst>
+                                        <p:tav tm="0">
+                                          <p:val>
+                                            <p:strVal val="#ppt_x"/>
+                                          </p:val>
+                                        </p:tav>
+                                        <p:tav tm="100000">
+                                          <p:val>
+                                            <p:strVal val="#ppt_x"/>
+                                          </p:val>
+                                        </p:tav>
+                                      </p:tavLst>
+                                    </p:anim>
+                                    <p:anim calcmode="lin" valueType="num">
+                                      <p:cBhvr>
+                                        <p:cTn id="74" dur="1000" fill="hold"/>
+                                        <p:tgtEl>
+                                          <p:spTgt spid="7">
+                                            <p:txEl>
+                                              <p:pRg st="16" end="16"/>
                                             </p:txEl>
                                           </p:spTgt>
                                         </p:tgtEl>
@@ -5557,6 +5970,740 @@
 </file>
 
 <file path=ppt/slides/slide4.xml><?xml version="1.0" encoding="utf-8"?>
+<p:sld xmlns:a="http://schemas.openxmlformats.org/drawingml/2006/main" xmlns:r="http://schemas.openxmlformats.org/officeDocument/2006/relationships" xmlns:p="http://schemas.openxmlformats.org/presentationml/2006/main">
+  <p:cSld>
+    <p:spTree>
+      <p:nvGrpSpPr>
+        <p:cNvPr id="1" name="">
+          <a:extLst>
+            <a:ext uri="{FF2B5EF4-FFF2-40B4-BE49-F238E27FC236}">
+              <a16:creationId xmlns:a16="http://schemas.microsoft.com/office/drawing/2014/main" id="{606203CC-DF6C-FC7B-3410-1E9E27D63B45}"/>
+            </a:ext>
+          </a:extLst>
+        </p:cNvPr>
+        <p:cNvGrpSpPr/>
+        <p:nvPr/>
+      </p:nvGrpSpPr>
+      <p:grpSpPr>
+        <a:xfrm>
+          <a:off x="0" y="0"/>
+          <a:ext cx="0" cy="0"/>
+          <a:chOff x="0" y="0"/>
+          <a:chExt cx="0" cy="0"/>
+        </a:xfrm>
+      </p:grpSpPr>
+      <p:sp>
+        <p:nvSpPr>
+          <p:cNvPr id="4" name="Title 1">
+            <a:extLst>
+              <a:ext uri="{FF2B5EF4-FFF2-40B4-BE49-F238E27FC236}">
+                <a16:creationId xmlns:a16="http://schemas.microsoft.com/office/drawing/2014/main" id="{EBED4A74-A3D9-D613-E938-A3BCA6B2F98D}"/>
+              </a:ext>
+            </a:extLst>
+          </p:cNvPr>
+          <p:cNvSpPr>
+            <a:spLocks noGrp="1"/>
+          </p:cNvSpPr>
+          <p:nvPr>
+            <p:ph type="title"/>
+          </p:nvPr>
+        </p:nvSpPr>
+        <p:spPr>
+          <a:xfrm>
+            <a:off x="76200" y="7088"/>
+            <a:ext cx="8991600" cy="914400"/>
+          </a:xfrm>
+        </p:spPr>
+        <p:txBody>
+          <a:bodyPr>
+            <a:normAutofit fontScale="90000"/>
+          </a:bodyPr>
+          <a:lstStyle/>
+          <a:p>
+            <a:pPr algn="l"/>
+            <a:r>
+              <a:rPr lang="en-US" sz="3600" dirty="0"/>
+              <a:t>How to Discern Truth</a:t>
+            </a:r>
+            <a:br>
+              <a:rPr lang="en-US" sz="3600" dirty="0"/>
+            </a:br>
+            <a:r>
+              <a:rPr lang="en-US" sz="2200" dirty="0">
+                <a:solidFill>
+                  <a:schemeClr val="tx2">
+                    <a:lumMod val="60000"/>
+                    <a:lumOff val="40000"/>
+                  </a:schemeClr>
+                </a:solidFill>
+              </a:rPr>
+              <a:t>A Biblical Call to Discernment</a:t>
+            </a:r>
+            <a:endParaRPr lang="en-US" sz="2200" i="1" u="sng" dirty="0">
+              <a:solidFill>
+                <a:schemeClr val="tx2">
+                  <a:lumMod val="60000"/>
+                  <a:lumOff val="40000"/>
+                </a:schemeClr>
+              </a:solidFill>
+            </a:endParaRPr>
+          </a:p>
+        </p:txBody>
+      </p:sp>
+      <p:sp>
+        <p:nvSpPr>
+          <p:cNvPr id="7" name="TextBox 6">
+            <a:extLst>
+              <a:ext uri="{FF2B5EF4-FFF2-40B4-BE49-F238E27FC236}">
+                <a16:creationId xmlns:a16="http://schemas.microsoft.com/office/drawing/2014/main" id="{67E81BCC-EB30-DE60-B67F-FC34D01A86A1}"/>
+              </a:ext>
+            </a:extLst>
+          </p:cNvPr>
+          <p:cNvSpPr txBox="1"/>
+          <p:nvPr/>
+        </p:nvSpPr>
+        <p:spPr>
+          <a:xfrm>
+            <a:off x="76201" y="921488"/>
+            <a:ext cx="8991599" cy="5632311"/>
+          </a:xfrm>
+          <a:prstGeom prst="rect">
+            <a:avLst/>
+          </a:prstGeom>
+          <a:noFill/>
+        </p:spPr>
+        <p:txBody>
+          <a:bodyPr wrap="square">
+            <a:spAutoFit/>
+          </a:bodyPr>
+          <a:lstStyle/>
+          <a:p>
+            <a:r>
+              <a:rPr lang="en-US" b="1" dirty="0"/>
+              <a:t>1 Thessalonians 5:21–22</a:t>
+            </a:r>
+            <a:br>
+              <a:rPr lang="en-US" dirty="0"/>
+            </a:br>
+            <a:r>
+              <a:rPr lang="en-US" i="1" dirty="0"/>
+              <a:t>“Test everything; hold fast what is good. Abstain from every form of evil.”</a:t>
+            </a:r>
+            <a:br>
+              <a:rPr lang="en-US" dirty="0"/>
+            </a:br>
+            <a:r>
+              <a:rPr lang="en-US" dirty="0"/>
+              <a:t>→ Paul calls believers to actively </a:t>
+            </a:r>
+            <a:r>
+              <a:rPr lang="en-US" b="1" dirty="0"/>
+              <a:t>evaluate teachings and influences</a:t>
+            </a:r>
+            <a:r>
+              <a:rPr lang="en-US" dirty="0"/>
+              <a:t> rather than accept them blindly.</a:t>
+            </a:r>
+          </a:p>
+          <a:p>
+            <a:endParaRPr lang="en-US" dirty="0"/>
+          </a:p>
+          <a:p>
+            <a:r>
+              <a:rPr lang="en-US" b="1" dirty="0"/>
+              <a:t>1 John 4:1</a:t>
+            </a:r>
+            <a:br>
+              <a:rPr lang="en-US" dirty="0"/>
+            </a:br>
+            <a:r>
+              <a:rPr lang="en-US" i="1" dirty="0"/>
+              <a:t>“Beloved, do not believe every spirit, but test the spirits to see whether they are from God.”</a:t>
+            </a:r>
+            <a:br>
+              <a:rPr lang="en-US" dirty="0"/>
+            </a:br>
+            <a:r>
+              <a:rPr lang="en-US" dirty="0"/>
+              <a:t>→ A direct command to </a:t>
+            </a:r>
+            <a:r>
+              <a:rPr lang="en-US" b="1" dirty="0"/>
+              <a:t>discern between truth and deception</a:t>
+            </a:r>
+            <a:r>
+              <a:rPr lang="en-US" dirty="0"/>
+              <a:t>, especially spiritual and doctrinal influences.</a:t>
+            </a:r>
+          </a:p>
+          <a:p>
+            <a:endParaRPr lang="en-US" dirty="0"/>
+          </a:p>
+          <a:p>
+            <a:r>
+              <a:rPr lang="en-US" b="1" dirty="0"/>
+              <a:t>Hebrews 5:14</a:t>
+            </a:r>
+            <a:br>
+              <a:rPr lang="en-US" dirty="0"/>
+            </a:br>
+            <a:r>
+              <a:rPr lang="en-US" i="1" dirty="0"/>
+              <a:t>“But solid food is for the mature, for those who have their powers of discernment trained by constant practice to distinguish good from evil.”</a:t>
+            </a:r>
+            <a:br>
+              <a:rPr lang="en-US" dirty="0"/>
+            </a:br>
+            <a:r>
+              <a:rPr lang="en-US" dirty="0"/>
+              <a:t>→ </a:t>
+            </a:r>
+            <a:r>
+              <a:rPr lang="en-US" b="1" dirty="0"/>
+              <a:t>Discernment develops through spiritual maturity</a:t>
+            </a:r>
+            <a:r>
+              <a:rPr lang="en-US" dirty="0"/>
+              <a:t> and disciplined practice.</a:t>
+            </a:r>
+          </a:p>
+          <a:p>
+            <a:endParaRPr lang="en-US" b="1" dirty="0"/>
+          </a:p>
+          <a:p>
+            <a:r>
+              <a:rPr lang="en-US" b="1" dirty="0"/>
+              <a:t>Matthew 7:15–20</a:t>
+            </a:r>
+            <a:br>
+              <a:rPr lang="en-US" dirty="0"/>
+            </a:br>
+            <a:r>
+              <a:rPr lang="en-US" i="1" dirty="0"/>
+              <a:t>“By their fruit you will recognize them.”</a:t>
+            </a:r>
+            <a:br>
+              <a:rPr lang="en-US" dirty="0"/>
+            </a:br>
+            <a:r>
+              <a:rPr lang="en-US" dirty="0"/>
+              <a:t>→ Jesus teaches </a:t>
+            </a:r>
+            <a:r>
+              <a:rPr lang="en-US" b="1" dirty="0"/>
+              <a:t>discernment by evidence</a:t>
+            </a:r>
+            <a:r>
+              <a:rPr lang="en-US" dirty="0"/>
+              <a:t>—truth is recognized by the fruit it produces.</a:t>
+            </a:r>
+          </a:p>
+        </p:txBody>
+      </p:sp>
+    </p:spTree>
+    <p:extLst>
+      <p:ext uri="{BB962C8B-B14F-4D97-AF65-F5344CB8AC3E}">
+        <p14:creationId xmlns:p14="http://schemas.microsoft.com/office/powerpoint/2010/main" val="1931932251"/>
+      </p:ext>
+    </p:extLst>
+  </p:cSld>
+  <p:clrMapOvr>
+    <a:masterClrMapping/>
+  </p:clrMapOvr>
+  <p:timing>
+    <p:tnLst>
+      <p:par>
+        <p:cTn id="1" dur="indefinite" restart="never" nodeType="tmRoot">
+          <p:childTnLst>
+            <p:seq concurrent="1" nextAc="seek">
+              <p:cTn id="2" dur="indefinite" nodeType="mainSeq">
+                <p:childTnLst>
+                  <p:par>
+                    <p:cTn id="3" fill="hold">
+                      <p:stCondLst>
+                        <p:cond delay="indefinite"/>
+                      </p:stCondLst>
+                      <p:childTnLst>
+                        <p:par>
+                          <p:cTn id="4" fill="hold">
+                            <p:stCondLst>
+                              <p:cond delay="0"/>
+                            </p:stCondLst>
+                            <p:childTnLst>
+                              <p:par>
+                                <p:cTn id="5" presetID="42" presetClass="entr" presetSubtype="0" fill="hold" nodeType="clickEffect">
+                                  <p:stCondLst>
+                                    <p:cond delay="0"/>
+                                  </p:stCondLst>
+                                  <p:childTnLst>
+                                    <p:set>
+                                      <p:cBhvr>
+                                        <p:cTn id="6" dur="1" fill="hold">
+                                          <p:stCondLst>
+                                            <p:cond delay="0"/>
+                                          </p:stCondLst>
+                                        </p:cTn>
+                                        <p:tgtEl>
+                                          <p:spTgt spid="7">
+                                            <p:txEl>
+                                              <p:pRg st="0" end="0"/>
+                                            </p:txEl>
+                                          </p:spTgt>
+                                        </p:tgtEl>
+                                        <p:attrNameLst>
+                                          <p:attrName>style.visibility</p:attrName>
+                                        </p:attrNameLst>
+                                      </p:cBhvr>
+                                      <p:to>
+                                        <p:strVal val="visible"/>
+                                      </p:to>
+                                    </p:set>
+                                    <p:animEffect transition="in" filter="fade">
+                                      <p:cBhvr>
+                                        <p:cTn id="7" dur="1000"/>
+                                        <p:tgtEl>
+                                          <p:spTgt spid="7">
+                                            <p:txEl>
+                                              <p:pRg st="0" end="0"/>
+                                            </p:txEl>
+                                          </p:spTgt>
+                                        </p:tgtEl>
+                                      </p:cBhvr>
+                                    </p:animEffect>
+                                    <p:anim calcmode="lin" valueType="num">
+                                      <p:cBhvr>
+                                        <p:cTn id="8" dur="1000" fill="hold"/>
+                                        <p:tgtEl>
+                                          <p:spTgt spid="7">
+                                            <p:txEl>
+                                              <p:pRg st="0" end="0"/>
+                                            </p:txEl>
+                                          </p:spTgt>
+                                        </p:tgtEl>
+                                        <p:attrNameLst>
+                                          <p:attrName>ppt_x</p:attrName>
+                                        </p:attrNameLst>
+                                      </p:cBhvr>
+                                      <p:tavLst>
+                                        <p:tav tm="0">
+                                          <p:val>
+                                            <p:strVal val="#ppt_x"/>
+                                          </p:val>
+                                        </p:tav>
+                                        <p:tav tm="100000">
+                                          <p:val>
+                                            <p:strVal val="#ppt_x"/>
+                                          </p:val>
+                                        </p:tav>
+                                      </p:tavLst>
+                                    </p:anim>
+                                    <p:anim calcmode="lin" valueType="num">
+                                      <p:cBhvr>
+                                        <p:cTn id="9" dur="1000" fill="hold"/>
+                                        <p:tgtEl>
+                                          <p:spTgt spid="7">
+                                            <p:txEl>
+                                              <p:pRg st="0" end="0"/>
+                                            </p:txEl>
+                                          </p:spTgt>
+                                        </p:tgtEl>
+                                        <p:attrNameLst>
+                                          <p:attrName>ppt_y</p:attrName>
+                                        </p:attrNameLst>
+                                      </p:cBhvr>
+                                      <p:tavLst>
+                                        <p:tav tm="0">
+                                          <p:val>
+                                            <p:strVal val="#ppt_y+.1"/>
+                                          </p:val>
+                                        </p:tav>
+                                        <p:tav tm="100000">
+                                          <p:val>
+                                            <p:strVal val="#ppt_y"/>
+                                          </p:val>
+                                        </p:tav>
+                                      </p:tavLst>
+                                    </p:anim>
+                                  </p:childTnLst>
+                                </p:cTn>
+                              </p:par>
+                            </p:childTnLst>
+                          </p:cTn>
+                        </p:par>
+                      </p:childTnLst>
+                    </p:cTn>
+                  </p:par>
+                  <p:par>
+                    <p:cTn id="10" fill="hold">
+                      <p:stCondLst>
+                        <p:cond delay="indefinite"/>
+                      </p:stCondLst>
+                      <p:childTnLst>
+                        <p:par>
+                          <p:cTn id="11" fill="hold">
+                            <p:stCondLst>
+                              <p:cond delay="0"/>
+                            </p:stCondLst>
+                            <p:childTnLst>
+                              <p:par>
+                                <p:cTn id="12" presetID="42" presetClass="entr" presetSubtype="0" fill="hold" nodeType="clickEffect">
+                                  <p:stCondLst>
+                                    <p:cond delay="0"/>
+                                  </p:stCondLst>
+                                  <p:childTnLst>
+                                    <p:set>
+                                      <p:cBhvr>
+                                        <p:cTn id="13" dur="1" fill="hold">
+                                          <p:stCondLst>
+                                            <p:cond delay="0"/>
+                                          </p:stCondLst>
+                                        </p:cTn>
+                                        <p:tgtEl>
+                                          <p:spTgt spid="7">
+                                            <p:txEl>
+                                              <p:pRg st="2" end="2"/>
+                                            </p:txEl>
+                                          </p:spTgt>
+                                        </p:tgtEl>
+                                        <p:attrNameLst>
+                                          <p:attrName>style.visibility</p:attrName>
+                                        </p:attrNameLst>
+                                      </p:cBhvr>
+                                      <p:to>
+                                        <p:strVal val="visible"/>
+                                      </p:to>
+                                    </p:set>
+                                    <p:animEffect transition="in" filter="fade">
+                                      <p:cBhvr>
+                                        <p:cTn id="14" dur="1000"/>
+                                        <p:tgtEl>
+                                          <p:spTgt spid="7">
+                                            <p:txEl>
+                                              <p:pRg st="2" end="2"/>
+                                            </p:txEl>
+                                          </p:spTgt>
+                                        </p:tgtEl>
+                                      </p:cBhvr>
+                                    </p:animEffect>
+                                    <p:anim calcmode="lin" valueType="num">
+                                      <p:cBhvr>
+                                        <p:cTn id="15" dur="1000" fill="hold"/>
+                                        <p:tgtEl>
+                                          <p:spTgt spid="7">
+                                            <p:txEl>
+                                              <p:pRg st="2" end="2"/>
+                                            </p:txEl>
+                                          </p:spTgt>
+                                        </p:tgtEl>
+                                        <p:attrNameLst>
+                                          <p:attrName>ppt_x</p:attrName>
+                                        </p:attrNameLst>
+                                      </p:cBhvr>
+                                      <p:tavLst>
+                                        <p:tav tm="0">
+                                          <p:val>
+                                            <p:strVal val="#ppt_x"/>
+                                          </p:val>
+                                        </p:tav>
+                                        <p:tav tm="100000">
+                                          <p:val>
+                                            <p:strVal val="#ppt_x"/>
+                                          </p:val>
+                                        </p:tav>
+                                      </p:tavLst>
+                                    </p:anim>
+                                    <p:anim calcmode="lin" valueType="num">
+                                      <p:cBhvr>
+                                        <p:cTn id="16" dur="1000" fill="hold"/>
+                                        <p:tgtEl>
+                                          <p:spTgt spid="7">
+                                            <p:txEl>
+                                              <p:pRg st="2" end="2"/>
+                                            </p:txEl>
+                                          </p:spTgt>
+                                        </p:tgtEl>
+                                        <p:attrNameLst>
+                                          <p:attrName>ppt_y</p:attrName>
+                                        </p:attrNameLst>
+                                      </p:cBhvr>
+                                      <p:tavLst>
+                                        <p:tav tm="0">
+                                          <p:val>
+                                            <p:strVal val="#ppt_y+.1"/>
+                                          </p:val>
+                                        </p:tav>
+                                        <p:tav tm="100000">
+                                          <p:val>
+                                            <p:strVal val="#ppt_y"/>
+                                          </p:val>
+                                        </p:tav>
+                                      </p:tavLst>
+                                    </p:anim>
+                                  </p:childTnLst>
+                                </p:cTn>
+                              </p:par>
+                            </p:childTnLst>
+                          </p:cTn>
+                        </p:par>
+                      </p:childTnLst>
+                    </p:cTn>
+                  </p:par>
+                  <p:par>
+                    <p:cTn id="17" fill="hold">
+                      <p:stCondLst>
+                        <p:cond delay="indefinite"/>
+                      </p:stCondLst>
+                      <p:childTnLst>
+                        <p:par>
+                          <p:cTn id="18" fill="hold">
+                            <p:stCondLst>
+                              <p:cond delay="0"/>
+                            </p:stCondLst>
+                            <p:childTnLst>
+                              <p:par>
+                                <p:cTn id="19" presetID="42" presetClass="entr" presetSubtype="0" fill="hold" nodeType="clickEffect">
+                                  <p:stCondLst>
+                                    <p:cond delay="0"/>
+                                  </p:stCondLst>
+                                  <p:childTnLst>
+                                    <p:set>
+                                      <p:cBhvr>
+                                        <p:cTn id="20" dur="1" fill="hold">
+                                          <p:stCondLst>
+                                            <p:cond delay="0"/>
+                                          </p:stCondLst>
+                                        </p:cTn>
+                                        <p:tgtEl>
+                                          <p:spTgt spid="7">
+                                            <p:txEl>
+                                              <p:pRg st="4" end="4"/>
+                                            </p:txEl>
+                                          </p:spTgt>
+                                        </p:tgtEl>
+                                        <p:attrNameLst>
+                                          <p:attrName>style.visibility</p:attrName>
+                                        </p:attrNameLst>
+                                      </p:cBhvr>
+                                      <p:to>
+                                        <p:strVal val="visible"/>
+                                      </p:to>
+                                    </p:set>
+                                    <p:animEffect transition="in" filter="fade">
+                                      <p:cBhvr>
+                                        <p:cTn id="21" dur="1000"/>
+                                        <p:tgtEl>
+                                          <p:spTgt spid="7">
+                                            <p:txEl>
+                                              <p:pRg st="4" end="4"/>
+                                            </p:txEl>
+                                          </p:spTgt>
+                                        </p:tgtEl>
+                                      </p:cBhvr>
+                                    </p:animEffect>
+                                    <p:anim calcmode="lin" valueType="num">
+                                      <p:cBhvr>
+                                        <p:cTn id="22" dur="1000" fill="hold"/>
+                                        <p:tgtEl>
+                                          <p:spTgt spid="7">
+                                            <p:txEl>
+                                              <p:pRg st="4" end="4"/>
+                                            </p:txEl>
+                                          </p:spTgt>
+                                        </p:tgtEl>
+                                        <p:attrNameLst>
+                                          <p:attrName>ppt_x</p:attrName>
+                                        </p:attrNameLst>
+                                      </p:cBhvr>
+                                      <p:tavLst>
+                                        <p:tav tm="0">
+                                          <p:val>
+                                            <p:strVal val="#ppt_x"/>
+                                          </p:val>
+                                        </p:tav>
+                                        <p:tav tm="100000">
+                                          <p:val>
+                                            <p:strVal val="#ppt_x"/>
+                                          </p:val>
+                                        </p:tav>
+                                      </p:tavLst>
+                                    </p:anim>
+                                    <p:anim calcmode="lin" valueType="num">
+                                      <p:cBhvr>
+                                        <p:cTn id="23" dur="1000" fill="hold"/>
+                                        <p:tgtEl>
+                                          <p:spTgt spid="7">
+                                            <p:txEl>
+                                              <p:pRg st="4" end="4"/>
+                                            </p:txEl>
+                                          </p:spTgt>
+                                        </p:tgtEl>
+                                        <p:attrNameLst>
+                                          <p:attrName>ppt_y</p:attrName>
+                                        </p:attrNameLst>
+                                      </p:cBhvr>
+                                      <p:tavLst>
+                                        <p:tav tm="0">
+                                          <p:val>
+                                            <p:strVal val="#ppt_y+.1"/>
+                                          </p:val>
+                                        </p:tav>
+                                        <p:tav tm="100000">
+                                          <p:val>
+                                            <p:strVal val="#ppt_y"/>
+                                          </p:val>
+                                        </p:tav>
+                                      </p:tavLst>
+                                    </p:anim>
+                                  </p:childTnLst>
+                                </p:cTn>
+                              </p:par>
+                            </p:childTnLst>
+                          </p:cTn>
+                        </p:par>
+                      </p:childTnLst>
+                    </p:cTn>
+                  </p:par>
+                  <p:par>
+                    <p:cTn id="24" fill="hold">
+                      <p:stCondLst>
+                        <p:cond delay="indefinite"/>
+                      </p:stCondLst>
+                      <p:childTnLst>
+                        <p:par>
+                          <p:cTn id="25" fill="hold">
+                            <p:stCondLst>
+                              <p:cond delay="0"/>
+                            </p:stCondLst>
+                            <p:childTnLst>
+                              <p:par>
+                                <p:cTn id="26" presetID="42" presetClass="entr" presetSubtype="0" fill="hold" nodeType="clickEffect">
+                                  <p:stCondLst>
+                                    <p:cond delay="0"/>
+                                  </p:stCondLst>
+                                  <p:childTnLst>
+                                    <p:set>
+                                      <p:cBhvr>
+                                        <p:cTn id="27" dur="1" fill="hold">
+                                          <p:stCondLst>
+                                            <p:cond delay="0"/>
+                                          </p:stCondLst>
+                                        </p:cTn>
+                                        <p:tgtEl>
+                                          <p:spTgt spid="7">
+                                            <p:txEl>
+                                              <p:pRg st="6" end="6"/>
+                                            </p:txEl>
+                                          </p:spTgt>
+                                        </p:tgtEl>
+                                        <p:attrNameLst>
+                                          <p:attrName>style.visibility</p:attrName>
+                                        </p:attrNameLst>
+                                      </p:cBhvr>
+                                      <p:to>
+                                        <p:strVal val="visible"/>
+                                      </p:to>
+                                    </p:set>
+                                    <p:animEffect transition="in" filter="fade">
+                                      <p:cBhvr>
+                                        <p:cTn id="28" dur="1000"/>
+                                        <p:tgtEl>
+                                          <p:spTgt spid="7">
+                                            <p:txEl>
+                                              <p:pRg st="6" end="6"/>
+                                            </p:txEl>
+                                          </p:spTgt>
+                                        </p:tgtEl>
+                                      </p:cBhvr>
+                                    </p:animEffect>
+                                    <p:anim calcmode="lin" valueType="num">
+                                      <p:cBhvr>
+                                        <p:cTn id="29" dur="1000" fill="hold"/>
+                                        <p:tgtEl>
+                                          <p:spTgt spid="7">
+                                            <p:txEl>
+                                              <p:pRg st="6" end="6"/>
+                                            </p:txEl>
+                                          </p:spTgt>
+                                        </p:tgtEl>
+                                        <p:attrNameLst>
+                                          <p:attrName>ppt_x</p:attrName>
+                                        </p:attrNameLst>
+                                      </p:cBhvr>
+                                      <p:tavLst>
+                                        <p:tav tm="0">
+                                          <p:val>
+                                            <p:strVal val="#ppt_x"/>
+                                          </p:val>
+                                        </p:tav>
+                                        <p:tav tm="100000">
+                                          <p:val>
+                                            <p:strVal val="#ppt_x"/>
+                                          </p:val>
+                                        </p:tav>
+                                      </p:tavLst>
+                                    </p:anim>
+                                    <p:anim calcmode="lin" valueType="num">
+                                      <p:cBhvr>
+                                        <p:cTn id="30" dur="1000" fill="hold"/>
+                                        <p:tgtEl>
+                                          <p:spTgt spid="7">
+                                            <p:txEl>
+                                              <p:pRg st="6" end="6"/>
+                                            </p:txEl>
+                                          </p:spTgt>
+                                        </p:tgtEl>
+                                        <p:attrNameLst>
+                                          <p:attrName>ppt_y</p:attrName>
+                                        </p:attrNameLst>
+                                      </p:cBhvr>
+                                      <p:tavLst>
+                                        <p:tav tm="0">
+                                          <p:val>
+                                            <p:strVal val="#ppt_y+.1"/>
+                                          </p:val>
+                                        </p:tav>
+                                        <p:tav tm="100000">
+                                          <p:val>
+                                            <p:strVal val="#ppt_y"/>
+                                          </p:val>
+                                        </p:tav>
+                                      </p:tavLst>
+                                    </p:anim>
+                                  </p:childTnLst>
+                                </p:cTn>
+                              </p:par>
+                            </p:childTnLst>
+                          </p:cTn>
+                        </p:par>
+                      </p:childTnLst>
+                    </p:cTn>
+                  </p:par>
+                </p:childTnLst>
+              </p:cTn>
+              <p:prevCondLst>
+                <p:cond evt="onPrev" delay="0">
+                  <p:tgtEl>
+                    <p:sldTgt/>
+                  </p:tgtEl>
+                </p:cond>
+              </p:prevCondLst>
+              <p:nextCondLst>
+                <p:cond evt="onNext" delay="0">
+                  <p:tgtEl>
+                    <p:sldTgt/>
+                  </p:tgtEl>
+                </p:cond>
+              </p:nextCondLst>
+            </p:seq>
+          </p:childTnLst>
+        </p:cTn>
+      </p:par>
+    </p:tnLst>
+  </p:timing>
+</p:sld>
+</file>
+
+<file path=ppt/slides/slide5.xml><?xml version="1.0" encoding="utf-8"?>
 <p:sld xmlns:a="http://schemas.openxmlformats.org/drawingml/2006/main" xmlns:r="http://schemas.openxmlformats.org/officeDocument/2006/relationships" xmlns:p="http://schemas.openxmlformats.org/presentationml/2006/main">
   <p:cSld>
     <p:spTree>
@@ -5624,7 +6771,7 @@
                   </a:schemeClr>
                 </a:solidFill>
               </a:rPr>
-              <a:t>When and Where to apply Discernment</a:t>
+              <a:t>Discernment counters Deception</a:t>
             </a:r>
             <a:endParaRPr lang="en-US" sz="2200" i="1" u="sng" dirty="0">
               <a:solidFill>
@@ -5682,6 +6829,7 @@
             <a:endParaRPr lang="en-US" b="1" dirty="0"/>
           </a:p>
           <a:p>
+            <a:pPr lvl="1"/>
             <a:r>
               <a:rPr lang="en-US" b="1" dirty="0"/>
               <a:t>Church Application</a:t>
@@ -5715,6 +6863,7 @@
             <a:endParaRPr lang="en-US" b="1" dirty="0"/>
           </a:p>
           <a:p>
+            <a:pPr lvl="1"/>
             <a:r>
               <a:rPr lang="en-US" b="1" dirty="0"/>
               <a:t>Church Application</a:t>
@@ -5748,6 +6897,7 @@
             <a:endParaRPr lang="en-US" b="1" dirty="0"/>
           </a:p>
           <a:p>
+            <a:pPr lvl="1"/>
             <a:r>
               <a:rPr lang="en-US" b="1" dirty="0"/>
               <a:t>Church Application</a:t>
@@ -6438,7 +7588,7 @@
 </p:sld>
 </file>
 
-<file path=ppt/slides/slide5.xml><?xml version="1.0" encoding="utf-8"?>
+<file path=ppt/slides/slide6.xml><?xml version="1.0" encoding="utf-8"?>
 <p:sld xmlns:a="http://schemas.openxmlformats.org/drawingml/2006/main" xmlns:r="http://schemas.openxmlformats.org/officeDocument/2006/relationships" xmlns:p="http://schemas.openxmlformats.org/presentationml/2006/main">
   <p:cSld>
     <p:spTree>
@@ -6492,7 +7642,7 @@
             <a:pPr algn="l"/>
             <a:r>
               <a:rPr lang="en-US" sz="3600" dirty="0"/>
-              <a:t>The Friends of Job</a:t>
+              <a:t>Job’s Friends</a:t>
             </a:r>
             <a:br>
               <a:rPr lang="en-US" sz="3600" dirty="0"/>
@@ -6506,7 +7656,7 @@
                   </a:schemeClr>
                 </a:solidFill>
               </a:rPr>
-              <a:t>Subtitle</a:t>
+              <a:t>Practice Discernment</a:t>
             </a:r>
             <a:endParaRPr lang="en-US" sz="2200" i="1" u="sng" dirty="0">
               <a:solidFill>
@@ -6519,12 +7669,133 @@
           </a:p>
         </p:txBody>
       </p:sp>
+      <p:pic>
+        <p:nvPicPr>
+          <p:cNvPr id="3" name="Picture 2" descr="A painting of a group of people&#10;&#10;AI-generated content may be incorrect.">
+            <a:extLst>
+              <a:ext uri="{FF2B5EF4-FFF2-40B4-BE49-F238E27FC236}">
+                <a16:creationId xmlns:a16="http://schemas.microsoft.com/office/drawing/2014/main" id="{A243AC3D-1F60-F717-B2CC-6E2928AE8999}"/>
+              </a:ext>
+            </a:extLst>
+          </p:cNvPr>
+          <p:cNvPicPr>
+            <a:picLocks noChangeAspect="1"/>
+          </p:cNvPicPr>
+          <p:nvPr/>
+        </p:nvPicPr>
+        <p:blipFill>
+          <a:blip r:embed="rId3" cstate="print">
+            <a:extLst>
+              <a:ext uri="{28A0092B-C50C-407E-A947-70E740481C1C}">
+                <a14:useLocalDpi xmlns:a14="http://schemas.microsoft.com/office/drawing/2010/main" val="0"/>
+              </a:ext>
+            </a:extLst>
+          </a:blip>
+          <a:stretch>
+            <a:fillRect/>
+          </a:stretch>
+        </p:blipFill>
+        <p:spPr>
+          <a:xfrm>
+            <a:off x="552450" y="918185"/>
+            <a:ext cx="8039100" cy="5740597"/>
+          </a:xfrm>
+          <a:prstGeom prst="rect">
+            <a:avLst/>
+          </a:prstGeom>
+        </p:spPr>
+      </p:pic>
+    </p:spTree>
+    <p:extLst>
+      <p:ext uri="{BB962C8B-B14F-4D97-AF65-F5344CB8AC3E}">
+        <p14:creationId xmlns:p14="http://schemas.microsoft.com/office/powerpoint/2010/main" val="2170812999"/>
+      </p:ext>
+    </p:extLst>
+  </p:cSld>
+  <p:clrMapOvr>
+    <a:masterClrMapping/>
+  </p:clrMapOvr>
+</p:sld>
+</file>
+
+<file path=ppt/slides/slide7.xml><?xml version="1.0" encoding="utf-8"?>
+<p:sld xmlns:a="http://schemas.openxmlformats.org/drawingml/2006/main" xmlns:r="http://schemas.openxmlformats.org/officeDocument/2006/relationships" xmlns:p="http://schemas.openxmlformats.org/presentationml/2006/main">
+  <p:cSld>
+    <p:spTree>
+      <p:nvGrpSpPr>
+        <p:cNvPr id="1" name="">
+          <a:extLst>
+            <a:ext uri="{FF2B5EF4-FFF2-40B4-BE49-F238E27FC236}">
+              <a16:creationId xmlns:a16="http://schemas.microsoft.com/office/drawing/2014/main" id="{8900A2B6-3099-4B3B-203A-E50497DD0825}"/>
+            </a:ext>
+          </a:extLst>
+        </p:cNvPr>
+        <p:cNvGrpSpPr/>
+        <p:nvPr/>
+      </p:nvGrpSpPr>
+      <p:grpSpPr>
+        <a:xfrm>
+          <a:off x="0" y="0"/>
+          <a:ext cx="0" cy="0"/>
+          <a:chOff x="0" y="0"/>
+          <a:chExt cx="0" cy="0"/>
+        </a:xfrm>
+      </p:grpSpPr>
+      <p:sp>
+        <p:nvSpPr>
+          <p:cNvPr id="4" name="Title 1">
+            <a:extLst>
+              <a:ext uri="{FF2B5EF4-FFF2-40B4-BE49-F238E27FC236}">
+                <a16:creationId xmlns:a16="http://schemas.microsoft.com/office/drawing/2014/main" id="{6BC8DD16-B5B3-63F1-69B5-3168307D152B}"/>
+              </a:ext>
+            </a:extLst>
+          </p:cNvPr>
+          <p:cNvSpPr>
+            <a:spLocks noGrp="1"/>
+          </p:cNvSpPr>
+          <p:nvPr>
+            <p:ph type="title"/>
+          </p:nvPr>
+        </p:nvSpPr>
+        <p:spPr>
+          <a:xfrm>
+            <a:off x="76200" y="7088"/>
+            <a:ext cx="8991600" cy="914400"/>
+          </a:xfrm>
+        </p:spPr>
+        <p:txBody>
+          <a:bodyPr>
+            <a:normAutofit fontScale="90000"/>
+          </a:bodyPr>
+          <a:lstStyle/>
+          <a:p>
+            <a:r>
+              <a:rPr lang="en-US" sz="3600" dirty="0"/>
+              <a:t>Presuppositional Thinking</a:t>
+            </a:r>
+            <a:br>
+              <a:rPr lang="en-US" sz="3600" dirty="0"/>
+            </a:br>
+            <a:r>
+              <a:rPr lang="en-US" sz="2200" dirty="0">
+                <a:solidFill>
+                  <a:schemeClr val="tx2">
+                    <a:lumMod val="60000"/>
+                    <a:lumOff val="40000"/>
+                  </a:schemeClr>
+                </a:solidFill>
+              </a:rPr>
+              <a:t>Faulty presuppositions damage relationships and cloud theological truth</a:t>
+            </a:r>
+          </a:p>
+        </p:txBody>
+      </p:sp>
       <p:sp>
         <p:nvSpPr>
           <p:cNvPr id="7" name="TextBox 6">
             <a:extLst>
               <a:ext uri="{FF2B5EF4-FFF2-40B4-BE49-F238E27FC236}">
-                <a16:creationId xmlns:a16="http://schemas.microsoft.com/office/drawing/2014/main" id="{481DE14B-3B5B-3B4B-0E65-F20B9DA65710}"/>
+                <a16:creationId xmlns:a16="http://schemas.microsoft.com/office/drawing/2014/main" id="{90989111-7EF5-05AC-AF17-A79429B4BA22}"/>
               </a:ext>
             </a:extLst>
           </p:cNvPr>
@@ -6534,7 +7805,7 @@
         <p:spPr>
           <a:xfrm>
             <a:off x="76201" y="1066800"/>
-            <a:ext cx="8991599" cy="3416320"/>
+            <a:ext cx="8991599" cy="5355312"/>
           </a:xfrm>
           <a:prstGeom prst="rect">
             <a:avLst/>
@@ -6549,117 +7820,97 @@
           <a:p>
             <a:r>
               <a:rPr lang="en-US" b="1" dirty="0"/>
-              <a:t>Verse </a:t>
-            </a:r>
-            <a:r>
+              <a:t>Suffering is always the result of sin</a:t>
+            </a:r>
+            <a:br>
               <a:rPr lang="en-US" dirty="0"/>
-              <a:t>Summary</a:t>
-            </a:r>
-            <a:endParaRPr lang="en-US" dirty="0">
-              <a:latin typeface="+mn-lt"/>
-            </a:endParaRPr>
-          </a:p>
-          <a:p>
-            <a:endParaRPr lang="en-US" dirty="0">
-              <a:latin typeface="+mn-lt"/>
-            </a:endParaRPr>
-          </a:p>
-          <a:p>
-            <a:r>
-              <a:rPr lang="en-US" dirty="0">
-                <a:latin typeface="+mn-lt"/>
-              </a:rPr>
-              <a:t>Key Verses:</a:t>
-            </a:r>
-          </a:p>
-          <a:p>
-            <a:endParaRPr lang="en-US" dirty="0">
-              <a:latin typeface="+mn-lt"/>
-            </a:endParaRPr>
-          </a:p>
-          <a:p>
-            <a:r>
-              <a:rPr lang="en-US" b="1" i="1" dirty="0">
-                <a:latin typeface="+mn-lt"/>
-              </a:rPr>
-              <a:t>Verse</a:t>
-            </a:r>
-            <a:r>
-              <a:rPr lang="en-US" i="1" dirty="0">
-                <a:latin typeface="+mn-lt"/>
-              </a:rPr>
-              <a:t>  </a:t>
-            </a:r>
+            </a:br>
+            <a:r>
+              <a:rPr lang="en-US" dirty="0"/>
+              <a:t>They assume a direct correlation between personal sin and suffering, leaving no room for mystery or divine testing.</a:t>
+            </a:r>
+          </a:p>
+          <a:p>
             <a:r>
               <a:rPr lang="en-US" i="1" dirty="0"/>
-              <a:t>Quote. </a:t>
-            </a:r>
-            <a:endParaRPr lang="en-US" i="1" dirty="0">
-              <a:latin typeface="+mn-lt"/>
-            </a:endParaRPr>
-          </a:p>
-          <a:p>
-            <a:endParaRPr lang="en-US" dirty="0">
-              <a:latin typeface="+mn-lt"/>
-            </a:endParaRPr>
-          </a:p>
-          <a:p>
-            <a:r>
-              <a:rPr lang="en-US" b="1" i="1" dirty="0">
-                <a:latin typeface="+mn-lt"/>
-              </a:rPr>
-              <a:t>Verse</a:t>
-            </a:r>
-            <a:r>
-              <a:rPr lang="en-US" i="1" dirty="0">
-                <a:latin typeface="+mn-lt"/>
-              </a:rPr>
-              <a:t>  </a:t>
-            </a:r>
+              <a:t>“Consider now: Who being innocent has ever perished?” </a:t>
+            </a:r>
+            <a:r>
+              <a:rPr lang="en-US" dirty="0"/>
+              <a:t>– Eliphaz (Job 4:7)</a:t>
+            </a:r>
+          </a:p>
+          <a:p>
+            <a:endParaRPr lang="en-US" dirty="0"/>
+          </a:p>
+          <a:p>
+            <a:r>
+              <a:rPr lang="en-US" b="1" dirty="0"/>
+              <a:t>God’s justice is immediate and visible</a:t>
+            </a:r>
+            <a:br>
+              <a:rPr lang="en-US" dirty="0"/>
+            </a:br>
+            <a:r>
+              <a:rPr lang="en-US" dirty="0"/>
+              <a:t>They believe God always rewards or punishes visibly and swiftly.</a:t>
+            </a:r>
+          </a:p>
+          <a:p>
             <a:r>
               <a:rPr lang="en-US" i="1" dirty="0"/>
-              <a:t>Quote </a:t>
-            </a:r>
-            <a:endParaRPr lang="en-US" i="1" dirty="0">
-              <a:latin typeface="+mn-lt"/>
-            </a:endParaRPr>
-          </a:p>
-          <a:p>
-            <a:endParaRPr lang="en-US" dirty="0">
-              <a:latin typeface="+mn-lt"/>
-            </a:endParaRPr>
-          </a:p>
-          <a:p>
-            <a:r>
-              <a:rPr lang="en-US" dirty="0">
-                <a:latin typeface="+mn-lt"/>
-              </a:rPr>
-              <a:t>Key Themes:</a:t>
-            </a:r>
-          </a:p>
-          <a:p>
-            <a:endParaRPr lang="en-US" dirty="0">
-              <a:latin typeface="+mn-lt"/>
-            </a:endParaRPr>
-          </a:p>
-          <a:p>
-            <a:pPr marL="742950" lvl="1" indent="-285750">
-              <a:buFont typeface="Arial" panose="020B0604020202020204" pitchFamily="34" charset="0"/>
-              <a:buChar char="•"/>
-            </a:pPr>
+              <a:t>“Surely God does not reject one who is blameless…” </a:t>
+            </a:r>
             <a:r>
               <a:rPr lang="en-US" dirty="0"/>
-              <a:t>Point</a:t>
-            </a:r>
-          </a:p>
-          <a:p>
-            <a:pPr marL="742950" lvl="1" indent="-285750">
-              <a:buFont typeface="Arial" panose="020B0604020202020204" pitchFamily="34" charset="0"/>
-              <a:buChar char="•"/>
-            </a:pPr>
-            <a:r>
+              <a:t>– Bildad (Job 8:20)</a:t>
+            </a:r>
+          </a:p>
+          <a:p>
+            <a:endParaRPr lang="en-US" dirty="0"/>
+          </a:p>
+          <a:p>
+            <a:r>
+              <a:rPr lang="en-US" b="1" dirty="0"/>
+              <a:t>Human wisdom can fully explain divine action</a:t>
+            </a:r>
+            <a:br>
               <a:rPr lang="en-US" dirty="0"/>
-              <a:t>Point</a:t>
+            </a:br>
+            <a:r>
+              <a:rPr lang="en-US" dirty="0"/>
+              <a:t>Each friend speaks confidently, assuming they understand God’s ways through tradition or reason.</a:t>
+            </a:r>
+          </a:p>
+          <a:p>
+            <a:r>
+              <a:rPr lang="en-US" i="1" dirty="0"/>
+              <a:t>“Are God’s consolations not enough for you…?” </a:t>
+            </a:r>
+            <a:r>
+              <a:rPr lang="en-US" dirty="0"/>
+              <a:t>– Eliphaz (Job 15:11)</a:t>
+            </a:r>
+          </a:p>
+          <a:p>
+            <a:endParaRPr lang="en-US" dirty="0"/>
+          </a:p>
+          <a:p>
+            <a:r>
+              <a:rPr lang="en-US" b="1" dirty="0"/>
+              <a:t>Theological Insight:</a:t>
+            </a:r>
+            <a:r>
+              <a:rPr lang="en-US" dirty="0"/>
+              <a:t> These assumptions demonstrate how sincere but shallow theology can lead to misjudgment and further pain. The story of Job reminds us to approach others with humility, listen well, and trust God’s sovereignty even when His purposes are hidden. We must practice both discernment and caution to avoid becoming </a:t>
+            </a:r>
+            <a:r>
+              <a:rPr lang="en-US" u="sng" dirty="0"/>
+              <a:t>delegated accusers</a:t>
+            </a:r>
+            <a:r>
+              <a:rPr lang="en-US" dirty="0"/>
+              <a:t> like Job’s friends.</a:t>
             </a:r>
           </a:p>
         </p:txBody>
@@ -6667,7 +7918,7 @@
     </p:spTree>
     <p:extLst>
       <p:ext uri="{BB962C8B-B14F-4D97-AF65-F5344CB8AC3E}">
-        <p14:creationId xmlns:p14="http://schemas.microsoft.com/office/powerpoint/2010/main" val="2170812999"/>
+        <p14:creationId xmlns:p14="http://schemas.microsoft.com/office/powerpoint/2010/main" val="2432441150"/>
       </p:ext>
     </p:extLst>
   </p:cSld>
@@ -6710,7 +7961,7 @@
                                         <p:tgtEl>
                                           <p:spTgt spid="7">
                                             <p:txEl>
-                                              <p:pRg st="2" end="2"/>
+                                              <p:pRg st="0" end="0"/>
                                             </p:txEl>
                                           </p:spTgt>
                                         </p:tgtEl>
@@ -6728,7 +7979,7 @@
                                         <p:tgtEl>
                                           <p:spTgt spid="7">
                                             <p:txEl>
-                                              <p:pRg st="2" end="2"/>
+                                              <p:pRg st="0" end="0"/>
                                             </p:txEl>
                                           </p:spTgt>
                                         </p:tgtEl>
@@ -6740,7 +7991,7 @@
                                         <p:tgtEl>
                                           <p:spTgt spid="7">
                                             <p:txEl>
-                                              <p:pRg st="2" end="2"/>
+                                              <p:pRg st="0" end="0"/>
                                             </p:txEl>
                                           </p:spTgt>
                                         </p:tgtEl>
@@ -6767,7 +8018,7 @@
                                         <p:tgtEl>
                                           <p:spTgt spid="7">
                                             <p:txEl>
-                                              <p:pRg st="2" end="2"/>
+                                              <p:pRg st="0" end="0"/>
                                             </p:txEl>
                                           </p:spTgt>
                                         </p:tgtEl>
@@ -6807,7 +8058,7 @@
                                         <p:tgtEl>
                                           <p:spTgt spid="7">
                                             <p:txEl>
-                                              <p:pRg st="4" end="4"/>
+                                              <p:pRg st="1" end="1"/>
                                             </p:txEl>
                                           </p:spTgt>
                                         </p:tgtEl>
@@ -6825,7 +8076,7 @@
                                         <p:tgtEl>
                                           <p:spTgt spid="7">
                                             <p:txEl>
-                                              <p:pRg st="4" end="4"/>
+                                              <p:pRg st="1" end="1"/>
                                             </p:txEl>
                                           </p:spTgt>
                                         </p:tgtEl>
@@ -6837,7 +8088,7 @@
                                         <p:tgtEl>
                                           <p:spTgt spid="7">
                                             <p:txEl>
-                                              <p:pRg st="4" end="4"/>
+                                              <p:pRg st="1" end="1"/>
                                             </p:txEl>
                                           </p:spTgt>
                                         </p:tgtEl>
@@ -6864,104 +8115,7 @@
                                         <p:tgtEl>
                                           <p:spTgt spid="7">
                                             <p:txEl>
-                                              <p:pRg st="4" end="4"/>
-                                            </p:txEl>
-                                          </p:spTgt>
-                                        </p:tgtEl>
-                                        <p:attrNameLst>
-                                          <p:attrName>ppt_y</p:attrName>
-                                        </p:attrNameLst>
-                                      </p:cBhvr>
-                                      <p:tavLst>
-                                        <p:tav tm="0">
-                                          <p:val>
-                                            <p:strVal val="#ppt_y+.1"/>
-                                          </p:val>
-                                        </p:tav>
-                                        <p:tav tm="100000">
-                                          <p:val>
-                                            <p:strVal val="#ppt_y"/>
-                                          </p:val>
-                                        </p:tav>
-                                      </p:tavLst>
-                                    </p:anim>
-                                  </p:childTnLst>
-                                </p:cTn>
-                              </p:par>
-                              <p:par>
-                                <p:cTn id="15" presetID="42" presetClass="entr" presetSubtype="0" fill="hold" nodeType="withEffect">
-                                  <p:stCondLst>
-                                    <p:cond delay="0"/>
-                                  </p:stCondLst>
-                                  <p:childTnLst>
-                                    <p:set>
-                                      <p:cBhvr>
-                                        <p:cTn id="16" dur="1" fill="hold">
-                                          <p:stCondLst>
-                                            <p:cond delay="0"/>
-                                          </p:stCondLst>
-                                        </p:cTn>
-                                        <p:tgtEl>
-                                          <p:spTgt spid="7">
-                                            <p:txEl>
-                                              <p:pRg st="6" end="6"/>
-                                            </p:txEl>
-                                          </p:spTgt>
-                                        </p:tgtEl>
-                                        <p:attrNameLst>
-                                          <p:attrName>style.visibility</p:attrName>
-                                        </p:attrNameLst>
-                                      </p:cBhvr>
-                                      <p:to>
-                                        <p:strVal val="visible"/>
-                                      </p:to>
-                                    </p:set>
-                                    <p:animEffect transition="in" filter="fade">
-                                      <p:cBhvr>
-                                        <p:cTn id="17" dur="1000"/>
-                                        <p:tgtEl>
-                                          <p:spTgt spid="7">
-                                            <p:txEl>
-                                              <p:pRg st="6" end="6"/>
-                                            </p:txEl>
-                                          </p:spTgt>
-                                        </p:tgtEl>
-                                      </p:cBhvr>
-                                    </p:animEffect>
-                                    <p:anim calcmode="lin" valueType="num">
-                                      <p:cBhvr>
-                                        <p:cTn id="18" dur="1000" fill="hold"/>
-                                        <p:tgtEl>
-                                          <p:spTgt spid="7">
-                                            <p:txEl>
-                                              <p:pRg st="6" end="6"/>
-                                            </p:txEl>
-                                          </p:spTgt>
-                                        </p:tgtEl>
-                                        <p:attrNameLst>
-                                          <p:attrName>ppt_x</p:attrName>
-                                        </p:attrNameLst>
-                                      </p:cBhvr>
-                                      <p:tavLst>
-                                        <p:tav tm="0">
-                                          <p:val>
-                                            <p:strVal val="#ppt_x"/>
-                                          </p:val>
-                                        </p:tav>
-                                        <p:tav tm="100000">
-                                          <p:val>
-                                            <p:strVal val="#ppt_x"/>
-                                          </p:val>
-                                        </p:tav>
-                                      </p:tavLst>
-                                    </p:anim>
-                                    <p:anim calcmode="lin" valueType="num">
-                                      <p:cBhvr>
-                                        <p:cTn id="19" dur="1000" fill="hold"/>
-                                        <p:tgtEl>
-                                          <p:spTgt spid="7">
-                                            <p:txEl>
-                                              <p:pRg st="6" end="6"/>
+                                              <p:pRg st="1" end="1"/>
                                             </p:txEl>
                                           </p:spTgt>
                                         </p:tgtEl>
@@ -6992,26 +8146,26 @@
                     </p:cTn>
                   </p:par>
                   <p:par>
-                    <p:cTn id="20" fill="hold">
+                    <p:cTn id="15" fill="hold">
                       <p:stCondLst>
                         <p:cond delay="indefinite"/>
                       </p:stCondLst>
                       <p:childTnLst>
                         <p:par>
-                          <p:cTn id="21" fill="hold">
+                          <p:cTn id="16" fill="hold">
                             <p:stCondLst>
                               <p:cond delay="0"/>
                             </p:stCondLst>
                             <p:childTnLst>
                               <p:par>
-                                <p:cTn id="22" presetID="42" presetClass="entr" presetSubtype="0" fill="hold" nodeType="clickEffect">
+                                <p:cTn id="17" presetID="42" presetClass="entr" presetSubtype="0" fill="hold" nodeType="clickEffect">
                                   <p:stCondLst>
                                     <p:cond delay="0"/>
                                   </p:stCondLst>
                                   <p:childTnLst>
                                     <p:set>
                                       <p:cBhvr>
-                                        <p:cTn id="23" dur="1" fill="hold">
+                                        <p:cTn id="18" dur="1" fill="hold">
                                           <p:stCondLst>
                                             <p:cond delay="0"/>
                                           </p:stCondLst>
@@ -7019,7 +8173,7 @@
                                         <p:tgtEl>
                                           <p:spTgt spid="7">
                                             <p:txEl>
-                                              <p:pRg st="8" end="8"/>
+                                              <p:pRg st="3" end="3"/>
                                             </p:txEl>
                                           </p:spTgt>
                                         </p:tgtEl>
@@ -7033,11 +8187,11 @@
                                     </p:set>
                                     <p:animEffect transition="in" filter="fade">
                                       <p:cBhvr>
-                                        <p:cTn id="24" dur="1000"/>
-                                        <p:tgtEl>
-                                          <p:spTgt spid="7">
-                                            <p:txEl>
-                                              <p:pRg st="8" end="8"/>
+                                        <p:cTn id="19" dur="1000"/>
+                                        <p:tgtEl>
+                                          <p:spTgt spid="7">
+                                            <p:txEl>
+                                              <p:pRg st="3" end="3"/>
                                             </p:txEl>
                                           </p:spTgt>
                                         </p:tgtEl>
@@ -7045,11 +8199,11 @@
                                     </p:animEffect>
                                     <p:anim calcmode="lin" valueType="num">
                                       <p:cBhvr>
-                                        <p:cTn id="25" dur="1000" fill="hold"/>
-                                        <p:tgtEl>
-                                          <p:spTgt spid="7">
-                                            <p:txEl>
-                                              <p:pRg st="8" end="8"/>
+                                        <p:cTn id="20" dur="1000" fill="hold"/>
+                                        <p:tgtEl>
+                                          <p:spTgt spid="7">
+                                            <p:txEl>
+                                              <p:pRg st="3" end="3"/>
                                             </p:txEl>
                                           </p:spTgt>
                                         </p:tgtEl>
@@ -7072,11 +8226,11 @@
                                     </p:anim>
                                     <p:anim calcmode="lin" valueType="num">
                                       <p:cBhvr>
-                                        <p:cTn id="26" dur="1000" fill="hold"/>
-                                        <p:tgtEl>
-                                          <p:spTgt spid="7">
-                                            <p:txEl>
-                                              <p:pRg st="8" end="8"/>
+                                        <p:cTn id="21" dur="1000" fill="hold"/>
+                                        <p:tgtEl>
+                                          <p:spTgt spid="7">
+                                            <p:txEl>
+                                              <p:pRg st="3" end="3"/>
                                             </p:txEl>
                                           </p:spTgt>
                                         </p:tgtEl>
@@ -7101,14 +8255,14 @@
                                 </p:cTn>
                               </p:par>
                               <p:par>
-                                <p:cTn id="27" presetID="42" presetClass="entr" presetSubtype="0" fill="hold" nodeType="withEffect">
+                                <p:cTn id="22" presetID="42" presetClass="entr" presetSubtype="0" fill="hold" nodeType="withEffect">
                                   <p:stCondLst>
                                     <p:cond delay="0"/>
                                   </p:stCondLst>
                                   <p:childTnLst>
                                     <p:set>
                                       <p:cBhvr>
-                                        <p:cTn id="28" dur="1" fill="hold">
+                                        <p:cTn id="23" dur="1" fill="hold">
                                           <p:stCondLst>
                                             <p:cond delay="0"/>
                                           </p:stCondLst>
@@ -7116,7 +8270,7 @@
                                         <p:tgtEl>
                                           <p:spTgt spid="7">
                                             <p:txEl>
-                                              <p:pRg st="10" end="10"/>
+                                              <p:pRg st="4" end="4"/>
                                             </p:txEl>
                                           </p:spTgt>
                                         </p:tgtEl>
@@ -7130,11 +8284,11 @@
                                     </p:set>
                                     <p:animEffect transition="in" filter="fade">
                                       <p:cBhvr>
-                                        <p:cTn id="29" dur="1000"/>
-                                        <p:tgtEl>
-                                          <p:spTgt spid="7">
-                                            <p:txEl>
-                                              <p:pRg st="10" end="10"/>
+                                        <p:cTn id="24" dur="1000"/>
+                                        <p:tgtEl>
+                                          <p:spTgt spid="7">
+                                            <p:txEl>
+                                              <p:pRg st="4" end="4"/>
                                             </p:txEl>
                                           </p:spTgt>
                                         </p:tgtEl>
@@ -7142,11 +8296,11 @@
                                     </p:animEffect>
                                     <p:anim calcmode="lin" valueType="num">
                                       <p:cBhvr>
-                                        <p:cTn id="30" dur="1000" fill="hold"/>
-                                        <p:tgtEl>
-                                          <p:spTgt spid="7">
-                                            <p:txEl>
-                                              <p:pRg st="10" end="10"/>
+                                        <p:cTn id="25" dur="1000" fill="hold"/>
+                                        <p:tgtEl>
+                                          <p:spTgt spid="7">
+                                            <p:txEl>
+                                              <p:pRg st="4" end="4"/>
                                             </p:txEl>
                                           </p:spTgt>
                                         </p:tgtEl>
@@ -7169,497 +8323,11 @@
                                     </p:anim>
                                     <p:anim calcmode="lin" valueType="num">
                                       <p:cBhvr>
-                                        <p:cTn id="31" dur="1000" fill="hold"/>
-                                        <p:tgtEl>
-                                          <p:spTgt spid="7">
-                                            <p:txEl>
-                                              <p:pRg st="10" end="10"/>
-                                            </p:txEl>
-                                          </p:spTgt>
-                                        </p:tgtEl>
-                                        <p:attrNameLst>
-                                          <p:attrName>ppt_y</p:attrName>
-                                        </p:attrNameLst>
-                                      </p:cBhvr>
-                                      <p:tavLst>
-                                        <p:tav tm="0">
-                                          <p:val>
-                                            <p:strVal val="#ppt_y+.1"/>
-                                          </p:val>
-                                        </p:tav>
-                                        <p:tav tm="100000">
-                                          <p:val>
-                                            <p:strVal val="#ppt_y"/>
-                                          </p:val>
-                                        </p:tav>
-                                      </p:tavLst>
-                                    </p:anim>
-                                  </p:childTnLst>
-                                </p:cTn>
-                              </p:par>
-                              <p:par>
-                                <p:cTn id="32" presetID="42" presetClass="entr" presetSubtype="0" fill="hold" nodeType="withEffect">
-                                  <p:stCondLst>
-                                    <p:cond delay="0"/>
-                                  </p:stCondLst>
-                                  <p:childTnLst>
-                                    <p:set>
-                                      <p:cBhvr>
-                                        <p:cTn id="33" dur="1" fill="hold">
-                                          <p:stCondLst>
-                                            <p:cond delay="0"/>
-                                          </p:stCondLst>
-                                        </p:cTn>
-                                        <p:tgtEl>
-                                          <p:spTgt spid="7">
-                                            <p:txEl>
-                                              <p:pRg st="11" end="11"/>
-                                            </p:txEl>
-                                          </p:spTgt>
-                                        </p:tgtEl>
-                                        <p:attrNameLst>
-                                          <p:attrName>style.visibility</p:attrName>
-                                        </p:attrNameLst>
-                                      </p:cBhvr>
-                                      <p:to>
-                                        <p:strVal val="visible"/>
-                                      </p:to>
-                                    </p:set>
-                                    <p:animEffect transition="in" filter="fade">
-                                      <p:cBhvr>
-                                        <p:cTn id="34" dur="1000"/>
-                                        <p:tgtEl>
-                                          <p:spTgt spid="7">
-                                            <p:txEl>
-                                              <p:pRg st="11" end="11"/>
-                                            </p:txEl>
-                                          </p:spTgt>
-                                        </p:tgtEl>
-                                      </p:cBhvr>
-                                    </p:animEffect>
-                                    <p:anim calcmode="lin" valueType="num">
-                                      <p:cBhvr>
-                                        <p:cTn id="35" dur="1000" fill="hold"/>
-                                        <p:tgtEl>
-                                          <p:spTgt spid="7">
-                                            <p:txEl>
-                                              <p:pRg st="11" end="11"/>
-                                            </p:txEl>
-                                          </p:spTgt>
-                                        </p:tgtEl>
-                                        <p:attrNameLst>
-                                          <p:attrName>ppt_x</p:attrName>
-                                        </p:attrNameLst>
-                                      </p:cBhvr>
-                                      <p:tavLst>
-                                        <p:tav tm="0">
-                                          <p:val>
-                                            <p:strVal val="#ppt_x"/>
-                                          </p:val>
-                                        </p:tav>
-                                        <p:tav tm="100000">
-                                          <p:val>
-                                            <p:strVal val="#ppt_x"/>
-                                          </p:val>
-                                        </p:tav>
-                                      </p:tavLst>
-                                    </p:anim>
-                                    <p:anim calcmode="lin" valueType="num">
-                                      <p:cBhvr>
-                                        <p:cTn id="36" dur="1000" fill="hold"/>
-                                        <p:tgtEl>
-                                          <p:spTgt spid="7">
-                                            <p:txEl>
-                                              <p:pRg st="11" end="11"/>
-                                            </p:txEl>
-                                          </p:spTgt>
-                                        </p:tgtEl>
-                                        <p:attrNameLst>
-                                          <p:attrName>ppt_y</p:attrName>
-                                        </p:attrNameLst>
-                                      </p:cBhvr>
-                                      <p:tavLst>
-                                        <p:tav tm="0">
-                                          <p:val>
-                                            <p:strVal val="#ppt_y+.1"/>
-                                          </p:val>
-                                        </p:tav>
-                                        <p:tav tm="100000">
-                                          <p:val>
-                                            <p:strVal val="#ppt_y"/>
-                                          </p:val>
-                                        </p:tav>
-                                      </p:tavLst>
-                                    </p:anim>
-                                  </p:childTnLst>
-                                </p:cTn>
-                              </p:par>
-                            </p:childTnLst>
-                          </p:cTn>
-                        </p:par>
-                      </p:childTnLst>
-                    </p:cTn>
-                  </p:par>
-                </p:childTnLst>
-              </p:cTn>
-              <p:prevCondLst>
-                <p:cond evt="onPrev" delay="0">
-                  <p:tgtEl>
-                    <p:sldTgt/>
-                  </p:tgtEl>
-                </p:cond>
-              </p:prevCondLst>
-              <p:nextCondLst>
-                <p:cond evt="onNext" delay="0">
-                  <p:tgtEl>
-                    <p:sldTgt/>
-                  </p:tgtEl>
-                </p:cond>
-              </p:nextCondLst>
-            </p:seq>
-          </p:childTnLst>
-        </p:cTn>
-      </p:par>
-    </p:tnLst>
-  </p:timing>
-</p:sld>
-</file>
-
-<file path=ppt/slides/slide6.xml><?xml version="1.0" encoding="utf-8"?>
-<p:sld xmlns:a="http://schemas.openxmlformats.org/drawingml/2006/main" xmlns:r="http://schemas.openxmlformats.org/officeDocument/2006/relationships" xmlns:p="http://schemas.openxmlformats.org/presentationml/2006/main">
-  <p:cSld>
-    <p:spTree>
-      <p:nvGrpSpPr>
-        <p:cNvPr id="1" name="">
-          <a:extLst>
-            <a:ext uri="{FF2B5EF4-FFF2-40B4-BE49-F238E27FC236}">
-              <a16:creationId xmlns:a16="http://schemas.microsoft.com/office/drawing/2014/main" id="{606203CC-DF6C-FC7B-3410-1E9E27D63B45}"/>
-            </a:ext>
-          </a:extLst>
-        </p:cNvPr>
-        <p:cNvGrpSpPr/>
-        <p:nvPr/>
-      </p:nvGrpSpPr>
-      <p:grpSpPr>
-        <a:xfrm>
-          <a:off x="0" y="0"/>
-          <a:ext cx="0" cy="0"/>
-          <a:chOff x="0" y="0"/>
-          <a:chExt cx="0" cy="0"/>
-        </a:xfrm>
-      </p:grpSpPr>
-      <p:sp>
-        <p:nvSpPr>
-          <p:cNvPr id="4" name="Title 1">
-            <a:extLst>
-              <a:ext uri="{FF2B5EF4-FFF2-40B4-BE49-F238E27FC236}">
-                <a16:creationId xmlns:a16="http://schemas.microsoft.com/office/drawing/2014/main" id="{EBED4A74-A3D9-D613-E938-A3BCA6B2F98D}"/>
-              </a:ext>
-            </a:extLst>
-          </p:cNvPr>
-          <p:cNvSpPr>
-            <a:spLocks noGrp="1"/>
-          </p:cNvSpPr>
-          <p:nvPr>
-            <p:ph type="title"/>
-          </p:nvPr>
-        </p:nvSpPr>
-        <p:spPr>
-          <a:xfrm>
-            <a:off x="76200" y="7088"/>
-            <a:ext cx="8991600" cy="914400"/>
-          </a:xfrm>
-        </p:spPr>
-        <p:txBody>
-          <a:bodyPr>
-            <a:normAutofit fontScale="90000"/>
-          </a:bodyPr>
-          <a:lstStyle/>
-          <a:p>
-            <a:pPr algn="l"/>
-            <a:r>
-              <a:rPr lang="en-US" sz="3600" dirty="0"/>
-              <a:t>How to Discern Truth</a:t>
-            </a:r>
-            <a:br>
-              <a:rPr lang="en-US" sz="3600" dirty="0"/>
-            </a:br>
-            <a:r>
-              <a:rPr lang="en-US" sz="2200" dirty="0">
-                <a:solidFill>
-                  <a:schemeClr val="tx2">
-                    <a:lumMod val="60000"/>
-                    <a:lumOff val="40000"/>
-                  </a:schemeClr>
-                </a:solidFill>
-              </a:rPr>
-              <a:t>A Biblical Call to Discernment</a:t>
-            </a:r>
-            <a:endParaRPr lang="en-US" sz="2200" i="1" u="sng" dirty="0">
-              <a:solidFill>
-                <a:schemeClr val="tx2">
-                  <a:lumMod val="60000"/>
-                  <a:lumOff val="40000"/>
-                </a:schemeClr>
-              </a:solidFill>
-            </a:endParaRPr>
-          </a:p>
-        </p:txBody>
-      </p:sp>
-      <p:sp>
-        <p:nvSpPr>
-          <p:cNvPr id="7" name="TextBox 6">
-            <a:extLst>
-              <a:ext uri="{FF2B5EF4-FFF2-40B4-BE49-F238E27FC236}">
-                <a16:creationId xmlns:a16="http://schemas.microsoft.com/office/drawing/2014/main" id="{67E81BCC-EB30-DE60-B67F-FC34D01A86A1}"/>
-              </a:ext>
-            </a:extLst>
-          </p:cNvPr>
-          <p:cNvSpPr txBox="1"/>
-          <p:nvPr/>
-        </p:nvSpPr>
-        <p:spPr>
-          <a:xfrm>
-            <a:off x="76201" y="921488"/>
-            <a:ext cx="8991599" cy="5632311"/>
-          </a:xfrm>
-          <a:prstGeom prst="rect">
-            <a:avLst/>
-          </a:prstGeom>
-          <a:noFill/>
-        </p:spPr>
-        <p:txBody>
-          <a:bodyPr wrap="square">
-            <a:spAutoFit/>
-          </a:bodyPr>
-          <a:lstStyle/>
-          <a:p>
-            <a:r>
-              <a:rPr lang="en-US" b="1" dirty="0"/>
-              <a:t>1 Thessalonians 5:21–22</a:t>
-            </a:r>
-            <a:br>
-              <a:rPr lang="en-US" dirty="0"/>
-            </a:br>
-            <a:r>
-              <a:rPr lang="en-US" i="1" dirty="0"/>
-              <a:t>“Test everything; hold fast what is good. Abstain from every form of evil.”</a:t>
-            </a:r>
-            <a:br>
-              <a:rPr lang="en-US" dirty="0"/>
-            </a:br>
-            <a:r>
-              <a:rPr lang="en-US" dirty="0"/>
-              <a:t>→ Paul calls believers to actively </a:t>
-            </a:r>
-            <a:r>
-              <a:rPr lang="en-US" b="1" dirty="0"/>
-              <a:t>evaluate teachings and influences</a:t>
-            </a:r>
-            <a:r>
-              <a:rPr lang="en-US" dirty="0"/>
-              <a:t> rather than accept them blindly.</a:t>
-            </a:r>
-          </a:p>
-          <a:p>
-            <a:endParaRPr lang="en-US" dirty="0"/>
-          </a:p>
-          <a:p>
-            <a:r>
-              <a:rPr lang="en-US" b="1" dirty="0"/>
-              <a:t>1 John 4:1</a:t>
-            </a:r>
-            <a:br>
-              <a:rPr lang="en-US" dirty="0"/>
-            </a:br>
-            <a:r>
-              <a:rPr lang="en-US" i="1" dirty="0"/>
-              <a:t>“Beloved, do not believe every spirit, but test the spirits to see whether they are from God.”</a:t>
-            </a:r>
-            <a:br>
-              <a:rPr lang="en-US" dirty="0"/>
-            </a:br>
-            <a:r>
-              <a:rPr lang="en-US" dirty="0"/>
-              <a:t>→ A direct command to </a:t>
-            </a:r>
-            <a:r>
-              <a:rPr lang="en-US" b="1" dirty="0"/>
-              <a:t>discern between truth and deception</a:t>
-            </a:r>
-            <a:r>
-              <a:rPr lang="en-US" dirty="0"/>
-              <a:t>, especially spiritual and doctrinal influences.</a:t>
-            </a:r>
-          </a:p>
-          <a:p>
-            <a:endParaRPr lang="en-US" dirty="0"/>
-          </a:p>
-          <a:p>
-            <a:r>
-              <a:rPr lang="en-US" b="1" dirty="0"/>
-              <a:t>Hebrews 5:14</a:t>
-            </a:r>
-            <a:br>
-              <a:rPr lang="en-US" dirty="0"/>
-            </a:br>
-            <a:r>
-              <a:rPr lang="en-US" i="1" dirty="0"/>
-              <a:t>“But solid food is for the mature, for those who have their powers of discernment trained by constant practice to distinguish good from evil.”</a:t>
-            </a:r>
-            <a:br>
-              <a:rPr lang="en-US" dirty="0"/>
-            </a:br>
-            <a:r>
-              <a:rPr lang="en-US" dirty="0"/>
-              <a:t>→ </a:t>
-            </a:r>
-            <a:r>
-              <a:rPr lang="en-US" b="1" dirty="0"/>
-              <a:t>Discernment develops through spiritual maturity</a:t>
-            </a:r>
-            <a:r>
-              <a:rPr lang="en-US" dirty="0"/>
-              <a:t> and disciplined practice.</a:t>
-            </a:r>
-          </a:p>
-          <a:p>
-            <a:endParaRPr lang="en-US" b="1" dirty="0"/>
-          </a:p>
-          <a:p>
-            <a:r>
-              <a:rPr lang="en-US" b="1" dirty="0"/>
-              <a:t>Matthew 7:15–20</a:t>
-            </a:r>
-            <a:br>
-              <a:rPr lang="en-US" dirty="0"/>
-            </a:br>
-            <a:r>
-              <a:rPr lang="en-US" i="1" dirty="0"/>
-              <a:t>“By their fruit you will recognize them.”</a:t>
-            </a:r>
-            <a:br>
-              <a:rPr lang="en-US" dirty="0"/>
-            </a:br>
-            <a:r>
-              <a:rPr lang="en-US" dirty="0"/>
-              <a:t>→ Jesus teaches </a:t>
-            </a:r>
-            <a:r>
-              <a:rPr lang="en-US" b="1" dirty="0"/>
-              <a:t>discernment by evidence</a:t>
-            </a:r>
-            <a:r>
-              <a:rPr lang="en-US" dirty="0"/>
-              <a:t>—truth is recognized by the fruit it produces.</a:t>
-            </a:r>
-          </a:p>
-        </p:txBody>
-      </p:sp>
-    </p:spTree>
-    <p:extLst>
-      <p:ext uri="{BB962C8B-B14F-4D97-AF65-F5344CB8AC3E}">
-        <p14:creationId xmlns:p14="http://schemas.microsoft.com/office/powerpoint/2010/main" val="1931932251"/>
-      </p:ext>
-    </p:extLst>
-  </p:cSld>
-  <p:clrMapOvr>
-    <a:masterClrMapping/>
-  </p:clrMapOvr>
-  <p:timing>
-    <p:tnLst>
-      <p:par>
-        <p:cTn id="1" dur="indefinite" restart="never" nodeType="tmRoot">
-          <p:childTnLst>
-            <p:seq concurrent="1" nextAc="seek">
-              <p:cTn id="2" dur="indefinite" nodeType="mainSeq">
-                <p:childTnLst>
-                  <p:par>
-                    <p:cTn id="3" fill="hold">
-                      <p:stCondLst>
-                        <p:cond delay="indefinite"/>
-                      </p:stCondLst>
-                      <p:childTnLst>
-                        <p:par>
-                          <p:cTn id="4" fill="hold">
-                            <p:stCondLst>
-                              <p:cond delay="0"/>
-                            </p:stCondLst>
-                            <p:childTnLst>
-                              <p:par>
-                                <p:cTn id="5" presetID="42" presetClass="entr" presetSubtype="0" fill="hold" nodeType="clickEffect">
-                                  <p:stCondLst>
-                                    <p:cond delay="0"/>
-                                  </p:stCondLst>
-                                  <p:childTnLst>
-                                    <p:set>
-                                      <p:cBhvr>
-                                        <p:cTn id="6" dur="1" fill="hold">
-                                          <p:stCondLst>
-                                            <p:cond delay="0"/>
-                                          </p:stCondLst>
-                                        </p:cTn>
-                                        <p:tgtEl>
-                                          <p:spTgt spid="7">
-                                            <p:txEl>
-                                              <p:pRg st="0" end="0"/>
-                                            </p:txEl>
-                                          </p:spTgt>
-                                        </p:tgtEl>
-                                        <p:attrNameLst>
-                                          <p:attrName>style.visibility</p:attrName>
-                                        </p:attrNameLst>
-                                      </p:cBhvr>
-                                      <p:to>
-                                        <p:strVal val="visible"/>
-                                      </p:to>
-                                    </p:set>
-                                    <p:animEffect transition="in" filter="fade">
-                                      <p:cBhvr>
-                                        <p:cTn id="7" dur="1000"/>
-                                        <p:tgtEl>
-                                          <p:spTgt spid="7">
-                                            <p:txEl>
-                                              <p:pRg st="0" end="0"/>
-                                            </p:txEl>
-                                          </p:spTgt>
-                                        </p:tgtEl>
-                                      </p:cBhvr>
-                                    </p:animEffect>
-                                    <p:anim calcmode="lin" valueType="num">
-                                      <p:cBhvr>
-                                        <p:cTn id="8" dur="1000" fill="hold"/>
-                                        <p:tgtEl>
-                                          <p:spTgt spid="7">
-                                            <p:txEl>
-                                              <p:pRg st="0" end="0"/>
-                                            </p:txEl>
-                                          </p:spTgt>
-                                        </p:tgtEl>
-                                        <p:attrNameLst>
-                                          <p:attrName>ppt_x</p:attrName>
-                                        </p:attrNameLst>
-                                      </p:cBhvr>
-                                      <p:tavLst>
-                                        <p:tav tm="0">
-                                          <p:val>
-                                            <p:strVal val="#ppt_x"/>
-                                          </p:val>
-                                        </p:tav>
-                                        <p:tav tm="100000">
-                                          <p:val>
-                                            <p:strVal val="#ppt_x"/>
-                                          </p:val>
-                                        </p:tav>
-                                      </p:tavLst>
-                                    </p:anim>
-                                    <p:anim calcmode="lin" valueType="num">
-                                      <p:cBhvr>
-                                        <p:cTn id="9" dur="1000" fill="hold"/>
-                                        <p:tgtEl>
-                                          <p:spTgt spid="7">
-                                            <p:txEl>
-                                              <p:pRg st="0" end="0"/>
+                                        <p:cTn id="26" dur="1000" fill="hold"/>
+                                        <p:tgtEl>
+                                          <p:spTgt spid="7">
+                                            <p:txEl>
+                                              <p:pRg st="4" end="4"/>
                                             </p:txEl>
                                           </p:spTgt>
                                         </p:tgtEl>
@@ -7690,26 +8358,26 @@
                     </p:cTn>
                   </p:par>
                   <p:par>
-                    <p:cTn id="10" fill="hold">
+                    <p:cTn id="27" fill="hold">
                       <p:stCondLst>
                         <p:cond delay="indefinite"/>
                       </p:stCondLst>
                       <p:childTnLst>
                         <p:par>
-                          <p:cTn id="11" fill="hold">
+                          <p:cTn id="28" fill="hold">
                             <p:stCondLst>
                               <p:cond delay="0"/>
                             </p:stCondLst>
                             <p:childTnLst>
                               <p:par>
-                                <p:cTn id="12" presetID="42" presetClass="entr" presetSubtype="0" fill="hold" nodeType="clickEffect">
+                                <p:cTn id="29" presetID="42" presetClass="entr" presetSubtype="0" fill="hold" nodeType="clickEffect">
                                   <p:stCondLst>
                                     <p:cond delay="0"/>
                                   </p:stCondLst>
                                   <p:childTnLst>
                                     <p:set>
                                       <p:cBhvr>
-                                        <p:cTn id="13" dur="1" fill="hold">
+                                        <p:cTn id="30" dur="1" fill="hold">
                                           <p:stCondLst>
                                             <p:cond delay="0"/>
                                           </p:stCondLst>
@@ -7717,7 +8385,7 @@
                                         <p:tgtEl>
                                           <p:spTgt spid="7">
                                             <p:txEl>
-                                              <p:pRg st="2" end="2"/>
+                                              <p:pRg st="6" end="6"/>
                                             </p:txEl>
                                           </p:spTgt>
                                         </p:tgtEl>
@@ -7731,11 +8399,11 @@
                                     </p:set>
                                     <p:animEffect transition="in" filter="fade">
                                       <p:cBhvr>
-                                        <p:cTn id="14" dur="1000"/>
-                                        <p:tgtEl>
-                                          <p:spTgt spid="7">
-                                            <p:txEl>
-                                              <p:pRg st="2" end="2"/>
+                                        <p:cTn id="31" dur="1000"/>
+                                        <p:tgtEl>
+                                          <p:spTgt spid="7">
+                                            <p:txEl>
+                                              <p:pRg st="6" end="6"/>
                                             </p:txEl>
                                           </p:spTgt>
                                         </p:tgtEl>
@@ -7743,11 +8411,11 @@
                                     </p:animEffect>
                                     <p:anim calcmode="lin" valueType="num">
                                       <p:cBhvr>
-                                        <p:cTn id="15" dur="1000" fill="hold"/>
-                                        <p:tgtEl>
-                                          <p:spTgt spid="7">
-                                            <p:txEl>
-                                              <p:pRg st="2" end="2"/>
+                                        <p:cTn id="32" dur="1000" fill="hold"/>
+                                        <p:tgtEl>
+                                          <p:spTgt spid="7">
+                                            <p:txEl>
+                                              <p:pRg st="6" end="6"/>
                                             </p:txEl>
                                           </p:spTgt>
                                         </p:tgtEl>
@@ -7770,11 +8438,108 @@
                                     </p:anim>
                                     <p:anim calcmode="lin" valueType="num">
                                       <p:cBhvr>
-                                        <p:cTn id="16" dur="1000" fill="hold"/>
-                                        <p:tgtEl>
-                                          <p:spTgt spid="7">
-                                            <p:txEl>
-                                              <p:pRg st="2" end="2"/>
+                                        <p:cTn id="33" dur="1000" fill="hold"/>
+                                        <p:tgtEl>
+                                          <p:spTgt spid="7">
+                                            <p:txEl>
+                                              <p:pRg st="6" end="6"/>
+                                            </p:txEl>
+                                          </p:spTgt>
+                                        </p:tgtEl>
+                                        <p:attrNameLst>
+                                          <p:attrName>ppt_y</p:attrName>
+                                        </p:attrNameLst>
+                                      </p:cBhvr>
+                                      <p:tavLst>
+                                        <p:tav tm="0">
+                                          <p:val>
+                                            <p:strVal val="#ppt_y+.1"/>
+                                          </p:val>
+                                        </p:tav>
+                                        <p:tav tm="100000">
+                                          <p:val>
+                                            <p:strVal val="#ppt_y"/>
+                                          </p:val>
+                                        </p:tav>
+                                      </p:tavLst>
+                                    </p:anim>
+                                  </p:childTnLst>
+                                </p:cTn>
+                              </p:par>
+                              <p:par>
+                                <p:cTn id="34" presetID="42" presetClass="entr" presetSubtype="0" fill="hold" nodeType="withEffect">
+                                  <p:stCondLst>
+                                    <p:cond delay="0"/>
+                                  </p:stCondLst>
+                                  <p:childTnLst>
+                                    <p:set>
+                                      <p:cBhvr>
+                                        <p:cTn id="35" dur="1" fill="hold">
+                                          <p:stCondLst>
+                                            <p:cond delay="0"/>
+                                          </p:stCondLst>
+                                        </p:cTn>
+                                        <p:tgtEl>
+                                          <p:spTgt spid="7">
+                                            <p:txEl>
+                                              <p:pRg st="7" end="7"/>
+                                            </p:txEl>
+                                          </p:spTgt>
+                                        </p:tgtEl>
+                                        <p:attrNameLst>
+                                          <p:attrName>style.visibility</p:attrName>
+                                        </p:attrNameLst>
+                                      </p:cBhvr>
+                                      <p:to>
+                                        <p:strVal val="visible"/>
+                                      </p:to>
+                                    </p:set>
+                                    <p:animEffect transition="in" filter="fade">
+                                      <p:cBhvr>
+                                        <p:cTn id="36" dur="1000"/>
+                                        <p:tgtEl>
+                                          <p:spTgt spid="7">
+                                            <p:txEl>
+                                              <p:pRg st="7" end="7"/>
+                                            </p:txEl>
+                                          </p:spTgt>
+                                        </p:tgtEl>
+                                      </p:cBhvr>
+                                    </p:animEffect>
+                                    <p:anim calcmode="lin" valueType="num">
+                                      <p:cBhvr>
+                                        <p:cTn id="37" dur="1000" fill="hold"/>
+                                        <p:tgtEl>
+                                          <p:spTgt spid="7">
+                                            <p:txEl>
+                                              <p:pRg st="7" end="7"/>
+                                            </p:txEl>
+                                          </p:spTgt>
+                                        </p:tgtEl>
+                                        <p:attrNameLst>
+                                          <p:attrName>ppt_x</p:attrName>
+                                        </p:attrNameLst>
+                                      </p:cBhvr>
+                                      <p:tavLst>
+                                        <p:tav tm="0">
+                                          <p:val>
+                                            <p:strVal val="#ppt_x"/>
+                                          </p:val>
+                                        </p:tav>
+                                        <p:tav tm="100000">
+                                          <p:val>
+                                            <p:strVal val="#ppt_x"/>
+                                          </p:val>
+                                        </p:tav>
+                                      </p:tavLst>
+                                    </p:anim>
+                                    <p:anim calcmode="lin" valueType="num">
+                                      <p:cBhvr>
+                                        <p:cTn id="38" dur="1000" fill="hold"/>
+                                        <p:tgtEl>
+                                          <p:spTgt spid="7">
+                                            <p:txEl>
+                                              <p:pRg st="7" end="7"/>
                                             </p:txEl>
                                           </p:spTgt>
                                         </p:tgtEl>
@@ -7805,26 +8570,26 @@
                     </p:cTn>
                   </p:par>
                   <p:par>
-                    <p:cTn id="17" fill="hold">
+                    <p:cTn id="39" fill="hold">
                       <p:stCondLst>
                         <p:cond delay="indefinite"/>
                       </p:stCondLst>
                       <p:childTnLst>
                         <p:par>
-                          <p:cTn id="18" fill="hold">
+                          <p:cTn id="40" fill="hold">
                             <p:stCondLst>
                               <p:cond delay="0"/>
                             </p:stCondLst>
                             <p:childTnLst>
                               <p:par>
-                                <p:cTn id="19" presetID="42" presetClass="entr" presetSubtype="0" fill="hold" nodeType="clickEffect">
+                                <p:cTn id="41" presetID="42" presetClass="entr" presetSubtype="0" fill="hold" nodeType="clickEffect">
                                   <p:stCondLst>
                                     <p:cond delay="0"/>
                                   </p:stCondLst>
                                   <p:childTnLst>
                                     <p:set>
                                       <p:cBhvr>
-                                        <p:cTn id="20" dur="1" fill="hold">
+                                        <p:cTn id="42" dur="1" fill="hold">
                                           <p:stCondLst>
                                             <p:cond delay="0"/>
                                           </p:stCondLst>
@@ -7832,7 +8597,7 @@
                                         <p:tgtEl>
                                           <p:spTgt spid="7">
                                             <p:txEl>
-                                              <p:pRg st="4" end="4"/>
+                                              <p:pRg st="9" end="9"/>
                                             </p:txEl>
                                           </p:spTgt>
                                         </p:tgtEl>
@@ -7846,11 +8611,11 @@
                                     </p:set>
                                     <p:animEffect transition="in" filter="fade">
                                       <p:cBhvr>
-                                        <p:cTn id="21" dur="1000"/>
-                                        <p:tgtEl>
-                                          <p:spTgt spid="7">
-                                            <p:txEl>
-                                              <p:pRg st="4" end="4"/>
+                                        <p:cTn id="43" dur="1000"/>
+                                        <p:tgtEl>
+                                          <p:spTgt spid="7">
+                                            <p:txEl>
+                                              <p:pRg st="9" end="9"/>
                                             </p:txEl>
                                           </p:spTgt>
                                         </p:tgtEl>
@@ -7858,11 +8623,11 @@
                                     </p:animEffect>
                                     <p:anim calcmode="lin" valueType="num">
                                       <p:cBhvr>
-                                        <p:cTn id="22" dur="1000" fill="hold"/>
-                                        <p:tgtEl>
-                                          <p:spTgt spid="7">
-                                            <p:txEl>
-                                              <p:pRg st="4" end="4"/>
+                                        <p:cTn id="44" dur="1000" fill="hold"/>
+                                        <p:tgtEl>
+                                          <p:spTgt spid="7">
+                                            <p:txEl>
+                                              <p:pRg st="9" end="9"/>
                                             </p:txEl>
                                           </p:spTgt>
                                         </p:tgtEl>
@@ -7885,1013 +8650,11 @@
                                     </p:anim>
                                     <p:anim calcmode="lin" valueType="num">
                                       <p:cBhvr>
-                                        <p:cTn id="23" dur="1000" fill="hold"/>
-                                        <p:tgtEl>
-                                          <p:spTgt spid="7">
-                                            <p:txEl>
-                                              <p:pRg st="4" end="4"/>
-                                            </p:txEl>
-                                          </p:spTgt>
-                                        </p:tgtEl>
-                                        <p:attrNameLst>
-                                          <p:attrName>ppt_y</p:attrName>
-                                        </p:attrNameLst>
-                                      </p:cBhvr>
-                                      <p:tavLst>
-                                        <p:tav tm="0">
-                                          <p:val>
-                                            <p:strVal val="#ppt_y+.1"/>
-                                          </p:val>
-                                        </p:tav>
-                                        <p:tav tm="100000">
-                                          <p:val>
-                                            <p:strVal val="#ppt_y"/>
-                                          </p:val>
-                                        </p:tav>
-                                      </p:tavLst>
-                                    </p:anim>
-                                  </p:childTnLst>
-                                </p:cTn>
-                              </p:par>
-                            </p:childTnLst>
-                          </p:cTn>
-                        </p:par>
-                      </p:childTnLst>
-                    </p:cTn>
-                  </p:par>
-                  <p:par>
-                    <p:cTn id="24" fill="hold">
-                      <p:stCondLst>
-                        <p:cond delay="indefinite"/>
-                      </p:stCondLst>
-                      <p:childTnLst>
-                        <p:par>
-                          <p:cTn id="25" fill="hold">
-                            <p:stCondLst>
-                              <p:cond delay="0"/>
-                            </p:stCondLst>
-                            <p:childTnLst>
-                              <p:par>
-                                <p:cTn id="26" presetID="42" presetClass="entr" presetSubtype="0" fill="hold" nodeType="clickEffect">
-                                  <p:stCondLst>
-                                    <p:cond delay="0"/>
-                                  </p:stCondLst>
-                                  <p:childTnLst>
-                                    <p:set>
-                                      <p:cBhvr>
-                                        <p:cTn id="27" dur="1" fill="hold">
-                                          <p:stCondLst>
-                                            <p:cond delay="0"/>
-                                          </p:stCondLst>
-                                        </p:cTn>
-                                        <p:tgtEl>
-                                          <p:spTgt spid="7">
-                                            <p:txEl>
-                                              <p:pRg st="6" end="6"/>
-                                            </p:txEl>
-                                          </p:spTgt>
-                                        </p:tgtEl>
-                                        <p:attrNameLst>
-                                          <p:attrName>style.visibility</p:attrName>
-                                        </p:attrNameLst>
-                                      </p:cBhvr>
-                                      <p:to>
-                                        <p:strVal val="visible"/>
-                                      </p:to>
-                                    </p:set>
-                                    <p:animEffect transition="in" filter="fade">
-                                      <p:cBhvr>
-                                        <p:cTn id="28" dur="1000"/>
-                                        <p:tgtEl>
-                                          <p:spTgt spid="7">
-                                            <p:txEl>
-                                              <p:pRg st="6" end="6"/>
-                                            </p:txEl>
-                                          </p:spTgt>
-                                        </p:tgtEl>
-                                      </p:cBhvr>
-                                    </p:animEffect>
-                                    <p:anim calcmode="lin" valueType="num">
-                                      <p:cBhvr>
-                                        <p:cTn id="29" dur="1000" fill="hold"/>
-                                        <p:tgtEl>
-                                          <p:spTgt spid="7">
-                                            <p:txEl>
-                                              <p:pRg st="6" end="6"/>
-                                            </p:txEl>
-                                          </p:spTgt>
-                                        </p:tgtEl>
-                                        <p:attrNameLst>
-                                          <p:attrName>ppt_x</p:attrName>
-                                        </p:attrNameLst>
-                                      </p:cBhvr>
-                                      <p:tavLst>
-                                        <p:tav tm="0">
-                                          <p:val>
-                                            <p:strVal val="#ppt_x"/>
-                                          </p:val>
-                                        </p:tav>
-                                        <p:tav tm="100000">
-                                          <p:val>
-                                            <p:strVal val="#ppt_x"/>
-                                          </p:val>
-                                        </p:tav>
-                                      </p:tavLst>
-                                    </p:anim>
-                                    <p:anim calcmode="lin" valueType="num">
-                                      <p:cBhvr>
-                                        <p:cTn id="30" dur="1000" fill="hold"/>
-                                        <p:tgtEl>
-                                          <p:spTgt spid="7">
-                                            <p:txEl>
-                                              <p:pRg st="6" end="6"/>
-                                            </p:txEl>
-                                          </p:spTgt>
-                                        </p:tgtEl>
-                                        <p:attrNameLst>
-                                          <p:attrName>ppt_y</p:attrName>
-                                        </p:attrNameLst>
-                                      </p:cBhvr>
-                                      <p:tavLst>
-                                        <p:tav tm="0">
-                                          <p:val>
-                                            <p:strVal val="#ppt_y+.1"/>
-                                          </p:val>
-                                        </p:tav>
-                                        <p:tav tm="100000">
-                                          <p:val>
-                                            <p:strVal val="#ppt_y"/>
-                                          </p:val>
-                                        </p:tav>
-                                      </p:tavLst>
-                                    </p:anim>
-                                  </p:childTnLst>
-                                </p:cTn>
-                              </p:par>
-                            </p:childTnLst>
-                          </p:cTn>
-                        </p:par>
-                      </p:childTnLst>
-                    </p:cTn>
-                  </p:par>
-                </p:childTnLst>
-              </p:cTn>
-              <p:prevCondLst>
-                <p:cond evt="onPrev" delay="0">
-                  <p:tgtEl>
-                    <p:sldTgt/>
-                  </p:tgtEl>
-                </p:cond>
-              </p:prevCondLst>
-              <p:nextCondLst>
-                <p:cond evt="onNext" delay="0">
-                  <p:tgtEl>
-                    <p:sldTgt/>
-                  </p:tgtEl>
-                </p:cond>
-              </p:nextCondLst>
-            </p:seq>
-          </p:childTnLst>
-        </p:cTn>
-      </p:par>
-    </p:tnLst>
-  </p:timing>
-</p:sld>
-</file>
-
-<file path=ppt/slides/slide7.xml><?xml version="1.0" encoding="utf-8"?>
-<p:sld xmlns:a="http://schemas.openxmlformats.org/drawingml/2006/main" xmlns:r="http://schemas.openxmlformats.org/officeDocument/2006/relationships" xmlns:p="http://schemas.openxmlformats.org/presentationml/2006/main">
-  <p:cSld>
-    <p:spTree>
-      <p:nvGrpSpPr>
-        <p:cNvPr id="1" name="">
-          <a:extLst>
-            <a:ext uri="{FF2B5EF4-FFF2-40B4-BE49-F238E27FC236}">
-              <a16:creationId xmlns:a16="http://schemas.microsoft.com/office/drawing/2014/main" id="{E18B5796-5719-2A15-BD6F-2864704DEA31}"/>
-            </a:ext>
-          </a:extLst>
-        </p:cNvPr>
-        <p:cNvGrpSpPr/>
-        <p:nvPr/>
-      </p:nvGrpSpPr>
-      <p:grpSpPr>
-        <a:xfrm>
-          <a:off x="0" y="0"/>
-          <a:ext cx="0" cy="0"/>
-          <a:chOff x="0" y="0"/>
-          <a:chExt cx="0" cy="0"/>
-        </a:xfrm>
-      </p:grpSpPr>
-      <p:sp>
-        <p:nvSpPr>
-          <p:cNvPr id="4" name="Title 1">
-            <a:extLst>
-              <a:ext uri="{FF2B5EF4-FFF2-40B4-BE49-F238E27FC236}">
-                <a16:creationId xmlns:a16="http://schemas.microsoft.com/office/drawing/2014/main" id="{74E47752-8C50-54EA-8014-05CB6323E77E}"/>
-              </a:ext>
-            </a:extLst>
-          </p:cNvPr>
-          <p:cNvSpPr>
-            <a:spLocks noGrp="1"/>
-          </p:cNvSpPr>
-          <p:nvPr>
-            <p:ph type="title"/>
-          </p:nvPr>
-        </p:nvSpPr>
-        <p:spPr>
-          <a:xfrm>
-            <a:off x="76200" y="7088"/>
-            <a:ext cx="8991600" cy="914400"/>
-          </a:xfrm>
-        </p:spPr>
-        <p:txBody>
-          <a:bodyPr>
-            <a:normAutofit fontScale="90000"/>
-          </a:bodyPr>
-          <a:lstStyle/>
-          <a:p>
-            <a:pPr algn="l"/>
-            <a:r>
-              <a:rPr lang="en-US" sz="3600" dirty="0"/>
-              <a:t>Title</a:t>
-            </a:r>
-            <a:br>
-              <a:rPr lang="en-US" sz="3600" dirty="0"/>
-            </a:br>
-            <a:r>
-              <a:rPr lang="en-US" sz="2200" dirty="0">
-                <a:solidFill>
-                  <a:schemeClr val="tx2">
-                    <a:lumMod val="60000"/>
-                    <a:lumOff val="40000"/>
-                  </a:schemeClr>
-                </a:solidFill>
-              </a:rPr>
-              <a:t>Subtitle</a:t>
-            </a:r>
-            <a:endParaRPr lang="en-US" sz="2200" i="1" u="sng" dirty="0">
-              <a:solidFill>
-                <a:schemeClr val="tx2">
-                  <a:lumMod val="60000"/>
-                  <a:lumOff val="40000"/>
-                </a:schemeClr>
-              </a:solidFill>
-            </a:endParaRPr>
-          </a:p>
-        </p:txBody>
-      </p:sp>
-      <p:sp>
-        <p:nvSpPr>
-          <p:cNvPr id="7" name="TextBox 6">
-            <a:extLst>
-              <a:ext uri="{FF2B5EF4-FFF2-40B4-BE49-F238E27FC236}">
-                <a16:creationId xmlns:a16="http://schemas.microsoft.com/office/drawing/2014/main" id="{88801BF5-14DE-8F80-33BD-355E321DA8E9}"/>
-              </a:ext>
-            </a:extLst>
-          </p:cNvPr>
-          <p:cNvSpPr txBox="1"/>
-          <p:nvPr/>
-        </p:nvSpPr>
-        <p:spPr>
-          <a:xfrm>
-            <a:off x="76201" y="1066800"/>
-            <a:ext cx="8991599" cy="3416320"/>
-          </a:xfrm>
-          <a:prstGeom prst="rect">
-            <a:avLst/>
-          </a:prstGeom>
-          <a:noFill/>
-        </p:spPr>
-        <p:txBody>
-          <a:bodyPr wrap="square">
-            <a:spAutoFit/>
-          </a:bodyPr>
-          <a:lstStyle/>
-          <a:p>
-            <a:r>
-              <a:rPr lang="en-US" b="1" dirty="0"/>
-              <a:t>Verse </a:t>
-            </a:r>
-            <a:r>
-              <a:rPr lang="en-US" dirty="0"/>
-              <a:t>Summary</a:t>
-            </a:r>
-            <a:endParaRPr lang="en-US" dirty="0">
-              <a:latin typeface="+mn-lt"/>
-            </a:endParaRPr>
-          </a:p>
-          <a:p>
-            <a:endParaRPr lang="en-US" dirty="0">
-              <a:latin typeface="+mn-lt"/>
-            </a:endParaRPr>
-          </a:p>
-          <a:p>
-            <a:r>
-              <a:rPr lang="en-US" dirty="0">
-                <a:latin typeface="+mn-lt"/>
-              </a:rPr>
-              <a:t>Key Verses:</a:t>
-            </a:r>
-          </a:p>
-          <a:p>
-            <a:endParaRPr lang="en-US" dirty="0">
-              <a:latin typeface="+mn-lt"/>
-            </a:endParaRPr>
-          </a:p>
-          <a:p>
-            <a:r>
-              <a:rPr lang="en-US" b="1" i="1" dirty="0">
-                <a:latin typeface="+mn-lt"/>
-              </a:rPr>
-              <a:t>Verse</a:t>
-            </a:r>
-            <a:r>
-              <a:rPr lang="en-US" i="1" dirty="0">
-                <a:latin typeface="+mn-lt"/>
-              </a:rPr>
-              <a:t>  </a:t>
-            </a:r>
-            <a:r>
-              <a:rPr lang="en-US" i="1" dirty="0"/>
-              <a:t>Quote. </a:t>
-            </a:r>
-            <a:endParaRPr lang="en-US" i="1" dirty="0">
-              <a:latin typeface="+mn-lt"/>
-            </a:endParaRPr>
-          </a:p>
-          <a:p>
-            <a:endParaRPr lang="en-US" dirty="0">
-              <a:latin typeface="+mn-lt"/>
-            </a:endParaRPr>
-          </a:p>
-          <a:p>
-            <a:r>
-              <a:rPr lang="en-US" b="1" i="1" dirty="0">
-                <a:latin typeface="+mn-lt"/>
-              </a:rPr>
-              <a:t>Verse</a:t>
-            </a:r>
-            <a:r>
-              <a:rPr lang="en-US" i="1" dirty="0">
-                <a:latin typeface="+mn-lt"/>
-              </a:rPr>
-              <a:t>  </a:t>
-            </a:r>
-            <a:r>
-              <a:rPr lang="en-US" i="1" dirty="0"/>
-              <a:t>Quote </a:t>
-            </a:r>
-            <a:endParaRPr lang="en-US" i="1" dirty="0">
-              <a:latin typeface="+mn-lt"/>
-            </a:endParaRPr>
-          </a:p>
-          <a:p>
-            <a:endParaRPr lang="en-US" dirty="0">
-              <a:latin typeface="+mn-lt"/>
-            </a:endParaRPr>
-          </a:p>
-          <a:p>
-            <a:r>
-              <a:rPr lang="en-US" dirty="0">
-                <a:latin typeface="+mn-lt"/>
-              </a:rPr>
-              <a:t>Key Themes:</a:t>
-            </a:r>
-          </a:p>
-          <a:p>
-            <a:endParaRPr lang="en-US" dirty="0">
-              <a:latin typeface="+mn-lt"/>
-            </a:endParaRPr>
-          </a:p>
-          <a:p>
-            <a:pPr marL="742950" lvl="1" indent="-285750">
-              <a:buFont typeface="Arial" panose="020B0604020202020204" pitchFamily="34" charset="0"/>
-              <a:buChar char="•"/>
-            </a:pPr>
-            <a:r>
-              <a:rPr lang="en-US" dirty="0"/>
-              <a:t>Point</a:t>
-            </a:r>
-          </a:p>
-          <a:p>
-            <a:pPr marL="742950" lvl="1" indent="-285750">
-              <a:buFont typeface="Arial" panose="020B0604020202020204" pitchFamily="34" charset="0"/>
-              <a:buChar char="•"/>
-            </a:pPr>
-            <a:r>
-              <a:rPr lang="en-US" dirty="0"/>
-              <a:t>Point</a:t>
-            </a:r>
-          </a:p>
-        </p:txBody>
-      </p:sp>
-    </p:spTree>
-    <p:extLst>
-      <p:ext uri="{BB962C8B-B14F-4D97-AF65-F5344CB8AC3E}">
-        <p14:creationId xmlns:p14="http://schemas.microsoft.com/office/powerpoint/2010/main" val="4128502146"/>
-      </p:ext>
-    </p:extLst>
-  </p:cSld>
-  <p:clrMapOvr>
-    <a:masterClrMapping/>
-  </p:clrMapOvr>
-  <p:timing>
-    <p:tnLst>
-      <p:par>
-        <p:cTn id="1" dur="indefinite" restart="never" nodeType="tmRoot">
-          <p:childTnLst>
-            <p:seq concurrent="1" nextAc="seek">
-              <p:cTn id="2" dur="indefinite" nodeType="mainSeq">
-                <p:childTnLst>
-                  <p:par>
-                    <p:cTn id="3" fill="hold">
-                      <p:stCondLst>
-                        <p:cond delay="indefinite"/>
-                      </p:stCondLst>
-                      <p:childTnLst>
-                        <p:par>
-                          <p:cTn id="4" fill="hold">
-                            <p:stCondLst>
-                              <p:cond delay="0"/>
-                            </p:stCondLst>
-                            <p:childTnLst>
-                              <p:par>
-                                <p:cTn id="5" presetID="42" presetClass="entr" presetSubtype="0" fill="hold" nodeType="clickEffect">
-                                  <p:stCondLst>
-                                    <p:cond delay="0"/>
-                                  </p:stCondLst>
-                                  <p:childTnLst>
-                                    <p:set>
-                                      <p:cBhvr>
-                                        <p:cTn id="6" dur="1" fill="hold">
-                                          <p:stCondLst>
-                                            <p:cond delay="0"/>
-                                          </p:stCondLst>
-                                        </p:cTn>
-                                        <p:tgtEl>
-                                          <p:spTgt spid="7">
-                                            <p:txEl>
-                                              <p:pRg st="2" end="2"/>
-                                            </p:txEl>
-                                          </p:spTgt>
-                                        </p:tgtEl>
-                                        <p:attrNameLst>
-                                          <p:attrName>style.visibility</p:attrName>
-                                        </p:attrNameLst>
-                                      </p:cBhvr>
-                                      <p:to>
-                                        <p:strVal val="visible"/>
-                                      </p:to>
-                                    </p:set>
-                                    <p:animEffect transition="in" filter="fade">
-                                      <p:cBhvr>
-                                        <p:cTn id="7" dur="1000"/>
-                                        <p:tgtEl>
-                                          <p:spTgt spid="7">
-                                            <p:txEl>
-                                              <p:pRg st="2" end="2"/>
-                                            </p:txEl>
-                                          </p:spTgt>
-                                        </p:tgtEl>
-                                      </p:cBhvr>
-                                    </p:animEffect>
-                                    <p:anim calcmode="lin" valueType="num">
-                                      <p:cBhvr>
-                                        <p:cTn id="8" dur="1000" fill="hold"/>
-                                        <p:tgtEl>
-                                          <p:spTgt spid="7">
-                                            <p:txEl>
-                                              <p:pRg st="2" end="2"/>
-                                            </p:txEl>
-                                          </p:spTgt>
-                                        </p:tgtEl>
-                                        <p:attrNameLst>
-                                          <p:attrName>ppt_x</p:attrName>
-                                        </p:attrNameLst>
-                                      </p:cBhvr>
-                                      <p:tavLst>
-                                        <p:tav tm="0">
-                                          <p:val>
-                                            <p:strVal val="#ppt_x"/>
-                                          </p:val>
-                                        </p:tav>
-                                        <p:tav tm="100000">
-                                          <p:val>
-                                            <p:strVal val="#ppt_x"/>
-                                          </p:val>
-                                        </p:tav>
-                                      </p:tavLst>
-                                    </p:anim>
-                                    <p:anim calcmode="lin" valueType="num">
-                                      <p:cBhvr>
-                                        <p:cTn id="9" dur="1000" fill="hold"/>
-                                        <p:tgtEl>
-                                          <p:spTgt spid="7">
-                                            <p:txEl>
-                                              <p:pRg st="2" end="2"/>
-                                            </p:txEl>
-                                          </p:spTgt>
-                                        </p:tgtEl>
-                                        <p:attrNameLst>
-                                          <p:attrName>ppt_y</p:attrName>
-                                        </p:attrNameLst>
-                                      </p:cBhvr>
-                                      <p:tavLst>
-                                        <p:tav tm="0">
-                                          <p:val>
-                                            <p:strVal val="#ppt_y+.1"/>
-                                          </p:val>
-                                        </p:tav>
-                                        <p:tav tm="100000">
-                                          <p:val>
-                                            <p:strVal val="#ppt_y"/>
-                                          </p:val>
-                                        </p:tav>
-                                      </p:tavLst>
-                                    </p:anim>
-                                  </p:childTnLst>
-                                </p:cTn>
-                              </p:par>
-                              <p:par>
-                                <p:cTn id="10" presetID="42" presetClass="entr" presetSubtype="0" fill="hold" nodeType="withEffect">
-                                  <p:stCondLst>
-                                    <p:cond delay="0"/>
-                                  </p:stCondLst>
-                                  <p:childTnLst>
-                                    <p:set>
-                                      <p:cBhvr>
-                                        <p:cTn id="11" dur="1" fill="hold">
-                                          <p:stCondLst>
-                                            <p:cond delay="0"/>
-                                          </p:stCondLst>
-                                        </p:cTn>
-                                        <p:tgtEl>
-                                          <p:spTgt spid="7">
-                                            <p:txEl>
-                                              <p:pRg st="4" end="4"/>
-                                            </p:txEl>
-                                          </p:spTgt>
-                                        </p:tgtEl>
-                                        <p:attrNameLst>
-                                          <p:attrName>style.visibility</p:attrName>
-                                        </p:attrNameLst>
-                                      </p:cBhvr>
-                                      <p:to>
-                                        <p:strVal val="visible"/>
-                                      </p:to>
-                                    </p:set>
-                                    <p:animEffect transition="in" filter="fade">
-                                      <p:cBhvr>
-                                        <p:cTn id="12" dur="1000"/>
-                                        <p:tgtEl>
-                                          <p:spTgt spid="7">
-                                            <p:txEl>
-                                              <p:pRg st="4" end="4"/>
-                                            </p:txEl>
-                                          </p:spTgt>
-                                        </p:tgtEl>
-                                      </p:cBhvr>
-                                    </p:animEffect>
-                                    <p:anim calcmode="lin" valueType="num">
-                                      <p:cBhvr>
-                                        <p:cTn id="13" dur="1000" fill="hold"/>
-                                        <p:tgtEl>
-                                          <p:spTgt spid="7">
-                                            <p:txEl>
-                                              <p:pRg st="4" end="4"/>
-                                            </p:txEl>
-                                          </p:spTgt>
-                                        </p:tgtEl>
-                                        <p:attrNameLst>
-                                          <p:attrName>ppt_x</p:attrName>
-                                        </p:attrNameLst>
-                                      </p:cBhvr>
-                                      <p:tavLst>
-                                        <p:tav tm="0">
-                                          <p:val>
-                                            <p:strVal val="#ppt_x"/>
-                                          </p:val>
-                                        </p:tav>
-                                        <p:tav tm="100000">
-                                          <p:val>
-                                            <p:strVal val="#ppt_x"/>
-                                          </p:val>
-                                        </p:tav>
-                                      </p:tavLst>
-                                    </p:anim>
-                                    <p:anim calcmode="lin" valueType="num">
-                                      <p:cBhvr>
-                                        <p:cTn id="14" dur="1000" fill="hold"/>
-                                        <p:tgtEl>
-                                          <p:spTgt spid="7">
-                                            <p:txEl>
-                                              <p:pRg st="4" end="4"/>
-                                            </p:txEl>
-                                          </p:spTgt>
-                                        </p:tgtEl>
-                                        <p:attrNameLst>
-                                          <p:attrName>ppt_y</p:attrName>
-                                        </p:attrNameLst>
-                                      </p:cBhvr>
-                                      <p:tavLst>
-                                        <p:tav tm="0">
-                                          <p:val>
-                                            <p:strVal val="#ppt_y+.1"/>
-                                          </p:val>
-                                        </p:tav>
-                                        <p:tav tm="100000">
-                                          <p:val>
-                                            <p:strVal val="#ppt_y"/>
-                                          </p:val>
-                                        </p:tav>
-                                      </p:tavLst>
-                                    </p:anim>
-                                  </p:childTnLst>
-                                </p:cTn>
-                              </p:par>
-                              <p:par>
-                                <p:cTn id="15" presetID="42" presetClass="entr" presetSubtype="0" fill="hold" nodeType="withEffect">
-                                  <p:stCondLst>
-                                    <p:cond delay="0"/>
-                                  </p:stCondLst>
-                                  <p:childTnLst>
-                                    <p:set>
-                                      <p:cBhvr>
-                                        <p:cTn id="16" dur="1" fill="hold">
-                                          <p:stCondLst>
-                                            <p:cond delay="0"/>
-                                          </p:stCondLst>
-                                        </p:cTn>
-                                        <p:tgtEl>
-                                          <p:spTgt spid="7">
-                                            <p:txEl>
-                                              <p:pRg st="6" end="6"/>
-                                            </p:txEl>
-                                          </p:spTgt>
-                                        </p:tgtEl>
-                                        <p:attrNameLst>
-                                          <p:attrName>style.visibility</p:attrName>
-                                        </p:attrNameLst>
-                                      </p:cBhvr>
-                                      <p:to>
-                                        <p:strVal val="visible"/>
-                                      </p:to>
-                                    </p:set>
-                                    <p:animEffect transition="in" filter="fade">
-                                      <p:cBhvr>
-                                        <p:cTn id="17" dur="1000"/>
-                                        <p:tgtEl>
-                                          <p:spTgt spid="7">
-                                            <p:txEl>
-                                              <p:pRg st="6" end="6"/>
-                                            </p:txEl>
-                                          </p:spTgt>
-                                        </p:tgtEl>
-                                      </p:cBhvr>
-                                    </p:animEffect>
-                                    <p:anim calcmode="lin" valueType="num">
-                                      <p:cBhvr>
-                                        <p:cTn id="18" dur="1000" fill="hold"/>
-                                        <p:tgtEl>
-                                          <p:spTgt spid="7">
-                                            <p:txEl>
-                                              <p:pRg st="6" end="6"/>
-                                            </p:txEl>
-                                          </p:spTgt>
-                                        </p:tgtEl>
-                                        <p:attrNameLst>
-                                          <p:attrName>ppt_x</p:attrName>
-                                        </p:attrNameLst>
-                                      </p:cBhvr>
-                                      <p:tavLst>
-                                        <p:tav tm="0">
-                                          <p:val>
-                                            <p:strVal val="#ppt_x"/>
-                                          </p:val>
-                                        </p:tav>
-                                        <p:tav tm="100000">
-                                          <p:val>
-                                            <p:strVal val="#ppt_x"/>
-                                          </p:val>
-                                        </p:tav>
-                                      </p:tavLst>
-                                    </p:anim>
-                                    <p:anim calcmode="lin" valueType="num">
-                                      <p:cBhvr>
-                                        <p:cTn id="19" dur="1000" fill="hold"/>
-                                        <p:tgtEl>
-                                          <p:spTgt spid="7">
-                                            <p:txEl>
-                                              <p:pRg st="6" end="6"/>
-                                            </p:txEl>
-                                          </p:spTgt>
-                                        </p:tgtEl>
-                                        <p:attrNameLst>
-                                          <p:attrName>ppt_y</p:attrName>
-                                        </p:attrNameLst>
-                                      </p:cBhvr>
-                                      <p:tavLst>
-                                        <p:tav tm="0">
-                                          <p:val>
-                                            <p:strVal val="#ppt_y+.1"/>
-                                          </p:val>
-                                        </p:tav>
-                                        <p:tav tm="100000">
-                                          <p:val>
-                                            <p:strVal val="#ppt_y"/>
-                                          </p:val>
-                                        </p:tav>
-                                      </p:tavLst>
-                                    </p:anim>
-                                  </p:childTnLst>
-                                </p:cTn>
-                              </p:par>
-                            </p:childTnLst>
-                          </p:cTn>
-                        </p:par>
-                      </p:childTnLst>
-                    </p:cTn>
-                  </p:par>
-                  <p:par>
-                    <p:cTn id="20" fill="hold">
-                      <p:stCondLst>
-                        <p:cond delay="indefinite"/>
-                      </p:stCondLst>
-                      <p:childTnLst>
-                        <p:par>
-                          <p:cTn id="21" fill="hold">
-                            <p:stCondLst>
-                              <p:cond delay="0"/>
-                            </p:stCondLst>
-                            <p:childTnLst>
-                              <p:par>
-                                <p:cTn id="22" presetID="42" presetClass="entr" presetSubtype="0" fill="hold" nodeType="clickEffect">
-                                  <p:stCondLst>
-                                    <p:cond delay="0"/>
-                                  </p:stCondLst>
-                                  <p:childTnLst>
-                                    <p:set>
-                                      <p:cBhvr>
-                                        <p:cTn id="23" dur="1" fill="hold">
-                                          <p:stCondLst>
-                                            <p:cond delay="0"/>
-                                          </p:stCondLst>
-                                        </p:cTn>
-                                        <p:tgtEl>
-                                          <p:spTgt spid="7">
-                                            <p:txEl>
-                                              <p:pRg st="8" end="8"/>
-                                            </p:txEl>
-                                          </p:spTgt>
-                                        </p:tgtEl>
-                                        <p:attrNameLst>
-                                          <p:attrName>style.visibility</p:attrName>
-                                        </p:attrNameLst>
-                                      </p:cBhvr>
-                                      <p:to>
-                                        <p:strVal val="visible"/>
-                                      </p:to>
-                                    </p:set>
-                                    <p:animEffect transition="in" filter="fade">
-                                      <p:cBhvr>
-                                        <p:cTn id="24" dur="1000"/>
-                                        <p:tgtEl>
-                                          <p:spTgt spid="7">
-                                            <p:txEl>
-                                              <p:pRg st="8" end="8"/>
-                                            </p:txEl>
-                                          </p:spTgt>
-                                        </p:tgtEl>
-                                      </p:cBhvr>
-                                    </p:animEffect>
-                                    <p:anim calcmode="lin" valueType="num">
-                                      <p:cBhvr>
-                                        <p:cTn id="25" dur="1000" fill="hold"/>
-                                        <p:tgtEl>
-                                          <p:spTgt spid="7">
-                                            <p:txEl>
-                                              <p:pRg st="8" end="8"/>
-                                            </p:txEl>
-                                          </p:spTgt>
-                                        </p:tgtEl>
-                                        <p:attrNameLst>
-                                          <p:attrName>ppt_x</p:attrName>
-                                        </p:attrNameLst>
-                                      </p:cBhvr>
-                                      <p:tavLst>
-                                        <p:tav tm="0">
-                                          <p:val>
-                                            <p:strVal val="#ppt_x"/>
-                                          </p:val>
-                                        </p:tav>
-                                        <p:tav tm="100000">
-                                          <p:val>
-                                            <p:strVal val="#ppt_x"/>
-                                          </p:val>
-                                        </p:tav>
-                                      </p:tavLst>
-                                    </p:anim>
-                                    <p:anim calcmode="lin" valueType="num">
-                                      <p:cBhvr>
-                                        <p:cTn id="26" dur="1000" fill="hold"/>
-                                        <p:tgtEl>
-                                          <p:spTgt spid="7">
-                                            <p:txEl>
-                                              <p:pRg st="8" end="8"/>
-                                            </p:txEl>
-                                          </p:spTgt>
-                                        </p:tgtEl>
-                                        <p:attrNameLst>
-                                          <p:attrName>ppt_y</p:attrName>
-                                        </p:attrNameLst>
-                                      </p:cBhvr>
-                                      <p:tavLst>
-                                        <p:tav tm="0">
-                                          <p:val>
-                                            <p:strVal val="#ppt_y+.1"/>
-                                          </p:val>
-                                        </p:tav>
-                                        <p:tav tm="100000">
-                                          <p:val>
-                                            <p:strVal val="#ppt_y"/>
-                                          </p:val>
-                                        </p:tav>
-                                      </p:tavLst>
-                                    </p:anim>
-                                  </p:childTnLst>
-                                </p:cTn>
-                              </p:par>
-                              <p:par>
-                                <p:cTn id="27" presetID="42" presetClass="entr" presetSubtype="0" fill="hold" nodeType="withEffect">
-                                  <p:stCondLst>
-                                    <p:cond delay="0"/>
-                                  </p:stCondLst>
-                                  <p:childTnLst>
-                                    <p:set>
-                                      <p:cBhvr>
-                                        <p:cTn id="28" dur="1" fill="hold">
-                                          <p:stCondLst>
-                                            <p:cond delay="0"/>
-                                          </p:stCondLst>
-                                        </p:cTn>
-                                        <p:tgtEl>
-                                          <p:spTgt spid="7">
-                                            <p:txEl>
-                                              <p:pRg st="10" end="10"/>
-                                            </p:txEl>
-                                          </p:spTgt>
-                                        </p:tgtEl>
-                                        <p:attrNameLst>
-                                          <p:attrName>style.visibility</p:attrName>
-                                        </p:attrNameLst>
-                                      </p:cBhvr>
-                                      <p:to>
-                                        <p:strVal val="visible"/>
-                                      </p:to>
-                                    </p:set>
-                                    <p:animEffect transition="in" filter="fade">
-                                      <p:cBhvr>
-                                        <p:cTn id="29" dur="1000"/>
-                                        <p:tgtEl>
-                                          <p:spTgt spid="7">
-                                            <p:txEl>
-                                              <p:pRg st="10" end="10"/>
-                                            </p:txEl>
-                                          </p:spTgt>
-                                        </p:tgtEl>
-                                      </p:cBhvr>
-                                    </p:animEffect>
-                                    <p:anim calcmode="lin" valueType="num">
-                                      <p:cBhvr>
-                                        <p:cTn id="30" dur="1000" fill="hold"/>
-                                        <p:tgtEl>
-                                          <p:spTgt spid="7">
-                                            <p:txEl>
-                                              <p:pRg st="10" end="10"/>
-                                            </p:txEl>
-                                          </p:spTgt>
-                                        </p:tgtEl>
-                                        <p:attrNameLst>
-                                          <p:attrName>ppt_x</p:attrName>
-                                        </p:attrNameLst>
-                                      </p:cBhvr>
-                                      <p:tavLst>
-                                        <p:tav tm="0">
-                                          <p:val>
-                                            <p:strVal val="#ppt_x"/>
-                                          </p:val>
-                                        </p:tav>
-                                        <p:tav tm="100000">
-                                          <p:val>
-                                            <p:strVal val="#ppt_x"/>
-                                          </p:val>
-                                        </p:tav>
-                                      </p:tavLst>
-                                    </p:anim>
-                                    <p:anim calcmode="lin" valueType="num">
-                                      <p:cBhvr>
-                                        <p:cTn id="31" dur="1000" fill="hold"/>
-                                        <p:tgtEl>
-                                          <p:spTgt spid="7">
-                                            <p:txEl>
-                                              <p:pRg st="10" end="10"/>
-                                            </p:txEl>
-                                          </p:spTgt>
-                                        </p:tgtEl>
-                                        <p:attrNameLst>
-                                          <p:attrName>ppt_y</p:attrName>
-                                        </p:attrNameLst>
-                                      </p:cBhvr>
-                                      <p:tavLst>
-                                        <p:tav tm="0">
-                                          <p:val>
-                                            <p:strVal val="#ppt_y+.1"/>
-                                          </p:val>
-                                        </p:tav>
-                                        <p:tav tm="100000">
-                                          <p:val>
-                                            <p:strVal val="#ppt_y"/>
-                                          </p:val>
-                                        </p:tav>
-                                      </p:tavLst>
-                                    </p:anim>
-                                  </p:childTnLst>
-                                </p:cTn>
-                              </p:par>
-                              <p:par>
-                                <p:cTn id="32" presetID="42" presetClass="entr" presetSubtype="0" fill="hold" nodeType="withEffect">
-                                  <p:stCondLst>
-                                    <p:cond delay="0"/>
-                                  </p:stCondLst>
-                                  <p:childTnLst>
-                                    <p:set>
-                                      <p:cBhvr>
-                                        <p:cTn id="33" dur="1" fill="hold">
-                                          <p:stCondLst>
-                                            <p:cond delay="0"/>
-                                          </p:stCondLst>
-                                        </p:cTn>
-                                        <p:tgtEl>
-                                          <p:spTgt spid="7">
-                                            <p:txEl>
-                                              <p:pRg st="11" end="11"/>
-                                            </p:txEl>
-                                          </p:spTgt>
-                                        </p:tgtEl>
-                                        <p:attrNameLst>
-                                          <p:attrName>style.visibility</p:attrName>
-                                        </p:attrNameLst>
-                                      </p:cBhvr>
-                                      <p:to>
-                                        <p:strVal val="visible"/>
-                                      </p:to>
-                                    </p:set>
-                                    <p:animEffect transition="in" filter="fade">
-                                      <p:cBhvr>
-                                        <p:cTn id="34" dur="1000"/>
-                                        <p:tgtEl>
-                                          <p:spTgt spid="7">
-                                            <p:txEl>
-                                              <p:pRg st="11" end="11"/>
-                                            </p:txEl>
-                                          </p:spTgt>
-                                        </p:tgtEl>
-                                      </p:cBhvr>
-                                    </p:animEffect>
-                                    <p:anim calcmode="lin" valueType="num">
-                                      <p:cBhvr>
-                                        <p:cTn id="35" dur="1000" fill="hold"/>
-                                        <p:tgtEl>
-                                          <p:spTgt spid="7">
-                                            <p:txEl>
-                                              <p:pRg st="11" end="11"/>
-                                            </p:txEl>
-                                          </p:spTgt>
-                                        </p:tgtEl>
-                                        <p:attrNameLst>
-                                          <p:attrName>ppt_x</p:attrName>
-                                        </p:attrNameLst>
-                                      </p:cBhvr>
-                                      <p:tavLst>
-                                        <p:tav tm="0">
-                                          <p:val>
-                                            <p:strVal val="#ppt_x"/>
-                                          </p:val>
-                                        </p:tav>
-                                        <p:tav tm="100000">
-                                          <p:val>
-                                            <p:strVal val="#ppt_x"/>
-                                          </p:val>
-                                        </p:tav>
-                                      </p:tavLst>
-                                    </p:anim>
-                                    <p:anim calcmode="lin" valueType="num">
-                                      <p:cBhvr>
-                                        <p:cTn id="36" dur="1000" fill="hold"/>
-                                        <p:tgtEl>
-                                          <p:spTgt spid="7">
-                                            <p:txEl>
-                                              <p:pRg st="11" end="11"/>
+                                        <p:cTn id="45" dur="1000" fill="hold"/>
+                                        <p:tgtEl>
+                                          <p:spTgt spid="7">
+                                            <p:txEl>
+                                              <p:pRg st="9" end="9"/>
                                             </p:txEl>
                                           </p:spTgt>
                                         </p:tgtEl>

--- a/2025-Q3/Unity1/2025-07-06-Unity.pptx
+++ b/2025-Q3/Unity1/2025-07-06-Unity.pptx
@@ -283,7 +283,7 @@
               <a:pPr>
                 <a:defRPr/>
               </a:pPr>
-              <a:t>7/3/2025</a:t>
+              <a:t>7/6/2025</a:t>
             </a:fld>
             <a:endParaRPr lang="en-US"/>
           </a:p>
@@ -772,7 +772,7 @@
         <p:spPr/>
         <p:txBody>
           <a:bodyPr>
-            <a:normAutofit fontScale="55000" lnSpcReduction="20000"/>
+            <a:normAutofit fontScale="62500" lnSpcReduction="20000"/>
           </a:bodyPr>
           <a:lstStyle/>
           <a:p>
@@ -810,7 +810,7 @@
               <a:rPr lang="en-US" sz="1400" dirty="0"/>
               <a:t>Jesus – A cohort of 1 (Trinity?).  Speaking to whom?  </a:t>
             </a:r>
-            <a:endParaRPr lang="en-US" sz="1200" b="0" i="0" u="none" strike="noStrike" kern="1200" baseline="0" dirty="0">
+            <a:endParaRPr lang="en-US" sz="1400" b="0" i="0" u="none" strike="noStrike" kern="1200" baseline="0" dirty="0">
               <a:solidFill>
                 <a:schemeClr val="tx1"/>
               </a:solidFill>
@@ -821,7 +821,7 @@
           </a:p>
           <a:p>
             <a:pPr rtl="0"/>
-            <a:endParaRPr lang="en-US" sz="1200" b="0" i="0" u="none" strike="noStrike" kern="1200" baseline="0" dirty="0">
+            <a:endParaRPr lang="en-US" sz="1400" b="0" i="0" u="none" strike="noStrike" kern="1200" baseline="0" dirty="0">
               <a:solidFill>
                 <a:schemeClr val="tx1"/>
               </a:solidFill>
@@ -833,7 +833,7 @@
           <a:p>
             <a:pPr rtl="0"/>
             <a:r>
-              <a:rPr lang="en-US" sz="1200" b="1" i="0" u="none" strike="noStrike" kern="1200" baseline="0" dirty="0">
+              <a:rPr lang="en-US" sz="1400" b="1" i="0" u="none" strike="noStrike" kern="1200" baseline="0" dirty="0">
                 <a:solidFill>
                   <a:schemeClr val="tx1"/>
                 </a:solidFill>
@@ -847,7 +847,7 @@
           <a:p>
             <a:pPr rtl="0"/>
             <a:r>
-              <a:rPr lang="en-US" sz="1200" b="0" i="0" u="none" strike="noStrike" kern="1200" baseline="0" dirty="0">
+              <a:rPr lang="en-US" sz="1400" b="0" i="0" u="none" strike="noStrike" kern="1200" baseline="0" dirty="0">
                 <a:solidFill>
                   <a:schemeClr val="tx1"/>
                 </a:solidFill>
@@ -861,7 +861,7 @@
           <a:p>
             <a:pPr rtl="0"/>
             <a:r>
-              <a:rPr lang="en-US" sz="1200" b="0" i="0" u="none" strike="noStrike" kern="1200" baseline="0" dirty="0">
+              <a:rPr lang="en-US" sz="1400" b="0" i="0" u="none" strike="noStrike" kern="1200" baseline="0" dirty="0">
                 <a:solidFill>
                   <a:schemeClr val="tx1"/>
                 </a:solidFill>
@@ -875,7 +875,7 @@
           <a:p>
             <a:pPr rtl="0"/>
             <a:r>
-              <a:rPr lang="en-US" sz="1200" b="0" i="0" u="none" strike="noStrike" kern="1200" baseline="0" dirty="0">
+              <a:rPr lang="en-US" sz="1400" b="0" i="0" u="none" strike="noStrike" kern="1200" baseline="0" dirty="0">
                 <a:solidFill>
                   <a:schemeClr val="tx1"/>
                 </a:solidFill>
@@ -889,7 +889,7 @@
           <a:p>
             <a:pPr rtl="0"/>
             <a:r>
-              <a:rPr lang="en-US" sz="1200" b="0" i="0" u="none" strike="noStrike" kern="1200" baseline="0" dirty="0">
+              <a:rPr lang="en-US" sz="1400" b="0" i="0" u="none" strike="noStrike" kern="1200" baseline="0" dirty="0">
                 <a:solidFill>
                   <a:schemeClr val="tx1"/>
                 </a:solidFill>
@@ -903,7 +903,7 @@
           <a:p>
             <a:pPr rtl="0"/>
             <a:r>
-              <a:rPr lang="en-US" sz="1200" b="0" i="0" u="none" strike="noStrike" kern="1200" baseline="0" dirty="0">
+              <a:rPr lang="en-US" sz="1400" b="0" i="0" u="none" strike="noStrike" kern="1200" baseline="0" dirty="0">
                 <a:solidFill>
                   <a:schemeClr val="tx1"/>
                 </a:solidFill>
@@ -914,7 +914,7 @@
               <a:t>(37)  Then Pilate said, “So you are a king!” Jesus replied, “You say that I am a king. </a:t>
             </a:r>
             <a:r>
-              <a:rPr lang="en-US" sz="1200" b="1" i="0" u="none" strike="noStrike" kern="1200" baseline="0" dirty="0">
+              <a:rPr lang="en-US" sz="1400" b="1" i="0" u="none" strike="noStrike" kern="1200" baseline="0" dirty="0">
                 <a:solidFill>
                   <a:schemeClr val="tx1"/>
                 </a:solidFill>
@@ -925,7 +925,7 @@
               <a:t>For this reason I was born, and for this reason I came into the world – </a:t>
             </a:r>
             <a:r>
-              <a:rPr lang="en-US" sz="1200" b="1" i="0" u="sng" strike="noStrike" kern="1200" baseline="0" dirty="0">
+              <a:rPr lang="en-US" sz="1400" b="1" i="0" u="sng" strike="noStrike" kern="1200" baseline="0" dirty="0">
                 <a:solidFill>
                   <a:schemeClr val="tx1"/>
                 </a:solidFill>
@@ -936,7 +936,7 @@
               <a:t>to testify to the truth</a:t>
             </a:r>
             <a:r>
-              <a:rPr lang="en-US" sz="1200" b="1" i="0" u="none" strike="noStrike" kern="1200" baseline="0" dirty="0">
+              <a:rPr lang="en-US" sz="1400" b="1" i="0" u="none" strike="noStrike" kern="1200" baseline="0" dirty="0">
                 <a:solidFill>
                   <a:schemeClr val="tx1"/>
                 </a:solidFill>
@@ -947,7 +947,7 @@
               <a:t>. </a:t>
             </a:r>
             <a:r>
-              <a:rPr lang="en-US" sz="1200" b="1" i="0" u="sng" strike="noStrike" kern="1200" baseline="0" dirty="0">
+              <a:rPr lang="en-US" sz="1400" b="1" i="0" u="sng" strike="noStrike" kern="1200" baseline="0" dirty="0">
                 <a:solidFill>
                   <a:schemeClr val="tx1"/>
                 </a:solidFill>
@@ -958,7 +958,7 @@
               <a:t>Everyone who belongs to the truth listens to my voice</a:t>
             </a:r>
             <a:r>
-              <a:rPr lang="en-US" sz="1200" b="1" i="0" u="none" strike="noStrike" kern="1200" baseline="0" dirty="0">
+              <a:rPr lang="en-US" sz="1400" b="1" i="0" u="none" strike="noStrike" kern="1200" baseline="0" dirty="0">
                 <a:solidFill>
                   <a:schemeClr val="tx1"/>
                 </a:solidFill>
@@ -971,7 +971,7 @@
           </a:p>
           <a:p>
             <a:pPr rtl="0"/>
-            <a:endParaRPr lang="en-US" sz="1200" b="1" i="0" u="none" strike="noStrike" kern="1200" baseline="0" dirty="0">
+            <a:endParaRPr lang="en-US" sz="1400" b="1" i="0" u="none" strike="noStrike" kern="1200" baseline="0" dirty="0">
               <a:solidFill>
                 <a:schemeClr val="tx1"/>
               </a:solidFill>
@@ -983,7 +983,7 @@
           <a:p>
             <a:pPr rtl="0"/>
             <a:r>
-              <a:rPr lang="en-US" sz="1200" b="0" i="0" u="none" strike="noStrike" kern="1200" baseline="0" dirty="0">
+              <a:rPr lang="en-US" sz="1400" b="0" i="0" u="none" strike="noStrike" kern="1200" baseline="0" dirty="0">
                 <a:solidFill>
                   <a:schemeClr val="tx1"/>
                 </a:solidFill>
@@ -997,7 +997,7 @@
           <a:p>
             <a:pPr rtl="0"/>
             <a:r>
-              <a:rPr lang="en-US" sz="1200" b="0" i="0" u="none" strike="noStrike" kern="1200" baseline="0" dirty="0">
+              <a:rPr lang="en-US" sz="1400" b="0" i="0" u="none" strike="noStrike" kern="1200" baseline="0" dirty="0">
                 <a:solidFill>
                   <a:schemeClr val="tx1"/>
                 </a:solidFill>
@@ -1008,7 +1008,7 @@
               <a:t>(6)  Jesus replied, “I am the way, and </a:t>
             </a:r>
             <a:r>
-              <a:rPr lang="en-US" sz="1200" b="1" i="0" u="none" strike="noStrike" kern="1200" baseline="0" dirty="0">
+              <a:rPr lang="en-US" sz="1400" b="1" i="0" u="none" strike="noStrike" kern="1200" baseline="0" dirty="0">
                 <a:solidFill>
                   <a:schemeClr val="tx1"/>
                 </a:solidFill>
@@ -1019,7 +1019,7 @@
               <a:t>the truth</a:t>
             </a:r>
             <a:r>
-              <a:rPr lang="en-US" sz="1200" b="0" i="0" u="none" strike="noStrike" kern="1200" baseline="0" dirty="0">
+              <a:rPr lang="en-US" sz="1400" b="0" i="0" u="none" strike="noStrike" kern="1200" baseline="0" dirty="0">
                 <a:solidFill>
                   <a:schemeClr val="tx1"/>
                 </a:solidFill>
@@ -1032,7 +1032,7 @@
           </a:p>
           <a:p>
             <a:pPr rtl="0"/>
-            <a:endParaRPr lang="en-US" sz="1200" b="1" i="0" u="none" strike="noStrike" kern="1200" baseline="0" dirty="0">
+            <a:endParaRPr lang="en-US" sz="1400" b="1" i="0" u="none" strike="noStrike" kern="1200" baseline="0" dirty="0">
               <a:solidFill>
                 <a:schemeClr val="tx1"/>
               </a:solidFill>
@@ -1044,7 +1044,7 @@
           <a:p>
             <a:pPr rtl="0"/>
             <a:r>
-              <a:rPr lang="en-US" sz="1200" b="0" i="0" u="none" strike="noStrike" kern="1200" baseline="0" dirty="0">
+              <a:rPr lang="en-US" sz="1400" b="0" i="0" u="none" strike="noStrike" kern="1200" baseline="0" dirty="0">
                 <a:solidFill>
                   <a:schemeClr val="tx1"/>
                 </a:solidFill>
@@ -1058,7 +1058,7 @@
           <a:p>
             <a:pPr rtl="0"/>
             <a:r>
-              <a:rPr lang="en-US" sz="1200" b="0" i="0" u="none" strike="noStrike" kern="1200" baseline="0" dirty="0">
+              <a:rPr lang="en-US" sz="1400" b="0" i="0" u="none" strike="noStrike" kern="1200" baseline="0" dirty="0">
                 <a:solidFill>
                   <a:schemeClr val="tx1"/>
                 </a:solidFill>
@@ -1069,7 +1069,7 @@
               <a:t>(23)  Jesus replied, “</a:t>
             </a:r>
             <a:r>
-              <a:rPr lang="en-US" sz="1200" b="1" i="0" u="none" strike="noStrike" kern="1200" baseline="0" dirty="0">
+              <a:rPr lang="en-US" sz="1400" b="1" i="0" u="none" strike="noStrike" kern="1200" baseline="0" dirty="0">
                 <a:solidFill>
                   <a:schemeClr val="tx1"/>
                 </a:solidFill>
@@ -1080,7 +1080,7 @@
               <a:t>If anyone loves me, he will obey my word, and my Father will love him, and we will come to him and take up residence with him</a:t>
             </a:r>
             <a:r>
-              <a:rPr lang="en-US" sz="1200" b="0" i="0" u="none" strike="noStrike" kern="1200" baseline="0" dirty="0">
+              <a:rPr lang="en-US" sz="1400" b="0" i="0" u="none" strike="noStrike" kern="1200" baseline="0" dirty="0">
                 <a:solidFill>
                   <a:schemeClr val="tx1"/>
                 </a:solidFill>
@@ -1093,7 +1093,7 @@
           </a:p>
           <a:p>
             <a:pPr rtl="0"/>
-            <a:endParaRPr lang="en-US" sz="1200" b="1" i="0" u="none" strike="noStrike" kern="1200" baseline="0" dirty="0">
+            <a:endParaRPr lang="en-US" sz="1400" b="1" i="0" u="none" strike="noStrike" kern="1200" baseline="0" dirty="0">
               <a:solidFill>
                 <a:schemeClr val="tx1"/>
               </a:solidFill>
@@ -1104,21 +1104,21 @@
           </a:p>
           <a:p>
             <a:r>
-              <a:rPr lang="en-US" dirty="0"/>
+              <a:rPr lang="en-US" sz="1400" dirty="0"/>
               <a:t>I Cor. 2:13-16</a:t>
             </a:r>
           </a:p>
           <a:p>
             <a:r>
-              <a:rPr lang="en-US" dirty="0"/>
+              <a:rPr lang="en-US" sz="1400" dirty="0"/>
               <a:t>“…</a:t>
             </a:r>
             <a:r>
-              <a:rPr lang="en-US" b="1" dirty="0"/>
+              <a:rPr lang="en-US" sz="1400" b="1" dirty="0"/>
               <a:t>but we have the mind of Christ</a:t>
             </a:r>
             <a:r>
-              <a:rPr lang="en-US" dirty="0"/>
+              <a:rPr lang="en-US" sz="1400" dirty="0"/>
               <a:t>”</a:t>
             </a:r>
           </a:p>
@@ -1229,127 +1229,127 @@
         <p:spPr/>
         <p:txBody>
           <a:bodyPr>
-            <a:normAutofit fontScale="25000" lnSpcReduction="20000"/>
+            <a:normAutofit fontScale="40000" lnSpcReduction="20000"/>
           </a:bodyPr>
           <a:lstStyle/>
           <a:p>
             <a:r>
-              <a:rPr lang="en-US" dirty="0"/>
+              <a:rPr lang="en-US" sz="1400" dirty="0"/>
+              <a:t>There are two things that are in constant conflict – The Truth and The Lies</a:t>
+            </a:r>
+          </a:p>
+          <a:p>
+            <a:endParaRPr lang="en-US" sz="1400" dirty="0"/>
+          </a:p>
+          <a:p>
+            <a:r>
+              <a:rPr lang="en-US" sz="1400" dirty="0"/>
               <a:t>Knowledge is only valuable if it becomes the driving force in the choices we make.   The right choices requires knowledge.  A pattern of right choices suggests Wisdom.</a:t>
             </a:r>
           </a:p>
           <a:p>
-            <a:endParaRPr lang="en-US" dirty="0"/>
-          </a:p>
-          <a:p>
-            <a:r>
-              <a:rPr lang="en-US" dirty="0"/>
+            <a:endParaRPr lang="en-US" sz="1400" dirty="0"/>
+          </a:p>
+          <a:p>
+            <a:r>
+              <a:rPr lang="en-US" sz="1400" dirty="0"/>
               <a:t>What is the greatest need in the Church today?   The biggest problem?   (A lack of discernment)  (Accepting the wrong choices)  (Failing to recognize the signs)</a:t>
             </a:r>
           </a:p>
           <a:p>
-            <a:endParaRPr lang="en-US" dirty="0"/>
-          </a:p>
-          <a:p>
-            <a:r>
-              <a:rPr lang="en-US" dirty="0"/>
+            <a:endParaRPr lang="en-US" sz="1400" dirty="0"/>
+          </a:p>
+          <a:p>
+            <a:r>
+              <a:rPr lang="en-US" sz="1400" dirty="0"/>
               <a:t>Eclectic Theology – a quilted collection of patterns that makes no sense.  No discernment, no discrimination.  No rhyme nor reason.  Indiscriminate.  Contemporary Christian scene exhibits no discriminating judgements about any theological ideas.   How dare you question any viewpoint?   </a:t>
             </a:r>
           </a:p>
           <a:p>
-            <a:endParaRPr lang="en-US" dirty="0"/>
-          </a:p>
-          <a:p>
-            <a:r>
-              <a:rPr lang="en-US" dirty="0"/>
+            <a:endParaRPr lang="en-US" sz="1400" dirty="0"/>
+          </a:p>
+          <a:p>
+            <a:r>
+              <a:rPr lang="en-US" sz="1400" dirty="0"/>
               <a:t>Biblical Christianity is fighting for its life.  This growing lack of Spiritual Discrimination out-strips any other problem we now see in the Church.</a:t>
             </a:r>
           </a:p>
           <a:p>
-            <a:endParaRPr lang="en-US" dirty="0"/>
-          </a:p>
-          <a:p>
-            <a:r>
-              <a:rPr lang="en-US" dirty="0"/>
-              <a:t>There are two things that are in constant conflict – The Truth and The Lies</a:t>
-            </a:r>
-          </a:p>
-          <a:p>
-            <a:endParaRPr lang="en-US" dirty="0"/>
-          </a:p>
-          <a:p>
-            <a:r>
-              <a:rPr lang="en-US" dirty="0"/>
+            <a:endParaRPr lang="en-US" sz="1400" dirty="0"/>
+          </a:p>
+          <a:p>
+            <a:r>
+              <a:rPr lang="en-US" sz="1400" dirty="0"/>
               <a:t>We are warned against teachers “who tickle our ears” with certain messages, warned against false teachers, demonic forces, perverse teachings, commandments of men, ideas that are deceitful, empty philosophies, traditions of men, corrupters of the Word of God, false prophets, agents of Satan.</a:t>
             </a:r>
           </a:p>
           <a:p>
-            <a:endParaRPr lang="en-US" dirty="0"/>
-          </a:p>
-          <a:p>
-            <a:r>
-              <a:rPr lang="en-US" dirty="0"/>
+            <a:endParaRPr lang="en-US" sz="1400" dirty="0"/>
+          </a:p>
+          <a:p>
+            <a:r>
+              <a:rPr lang="en-US" sz="1400" dirty="0"/>
               <a:t>There is a world of chaos and confusion.  The system in which we live is pitted against the Truth of God.</a:t>
             </a:r>
           </a:p>
           <a:p>
-            <a:endParaRPr lang="en-US" dirty="0"/>
-          </a:p>
-          <a:p>
-            <a:r>
-              <a:rPr lang="en-US" dirty="0"/>
+            <a:endParaRPr lang="en-US" sz="1400" dirty="0"/>
+          </a:p>
+          <a:p>
+            <a:r>
+              <a:rPr lang="en-US" sz="1400" dirty="0"/>
               <a:t>Know the Truth.  Have Discernment.  </a:t>
             </a:r>
           </a:p>
           <a:p>
-            <a:endParaRPr lang="en-US" dirty="0"/>
-          </a:p>
-          <a:p>
-            <a:r>
-              <a:rPr lang="en-US" dirty="0"/>
+            <a:endParaRPr lang="en-US" sz="1400" dirty="0"/>
+          </a:p>
+          <a:p>
+            <a:r>
+              <a:rPr lang="en-US" sz="1400" dirty="0"/>
               <a:t>God has given you Himself (Jesus) who is Truth, The Holy Spirit that you may know Truth, His Word that you may test Truth.  How terrible that you may ignore these and yet be deceived.</a:t>
             </a:r>
           </a:p>
           <a:p>
-            <a:endParaRPr lang="en-US" dirty="0"/>
-          </a:p>
-          <a:p>
-            <a:r>
-              <a:rPr lang="en-US" dirty="0"/>
+            <a:endParaRPr lang="en-US" sz="1400" dirty="0"/>
+          </a:p>
+          <a:p>
+            <a:r>
+              <a:rPr lang="en-US" sz="1400" dirty="0"/>
               <a:t>Scriptural Interpretation with Precision is warranted.  Amateur versus Professional.  Knowing Sound Doctrine.  Lack of Doctrinal Clarity and Conviction.</a:t>
             </a:r>
           </a:p>
           <a:p>
-            <a:endParaRPr lang="en-US" dirty="0"/>
-          </a:p>
-          <a:p>
-            <a:r>
-              <a:rPr lang="en-US" dirty="0"/>
+            <a:endParaRPr lang="en-US" sz="1400" dirty="0"/>
+          </a:p>
+          <a:p>
+            <a:r>
+              <a:rPr lang="en-US" sz="1400" dirty="0"/>
               <a:t>Don’t spend time thinking about what “they” think versus what “He” thinks.“  “…but we have the mind of Christ” (1 Cor. 2).</a:t>
             </a:r>
           </a:p>
           <a:p>
-            <a:endParaRPr lang="en-US" dirty="0"/>
-          </a:p>
-          <a:p>
-            <a:r>
-              <a:rPr lang="en-US" dirty="0"/>
+            <a:endParaRPr lang="en-US" sz="1400" dirty="0"/>
+          </a:p>
+          <a:p>
+            <a:r>
+              <a:rPr lang="en-US" sz="1400" dirty="0"/>
               <a:t>It’s essential to be able to say “that’s right” and “that’s wrong”.  There is often an unwillingness to disagree.   </a:t>
             </a:r>
           </a:p>
           <a:p>
             <a:r>
-              <a:rPr lang="en-US" dirty="0"/>
+              <a:rPr lang="en-US" sz="1400" dirty="0"/>
               <a:t>There has to be constant and healthy debate about Truth in the Church.  Be Opinionated…  Declare “that’s wrong” and “that’s right”.  Don’t be subjective…</a:t>
             </a:r>
           </a:p>
           <a:p>
-            <a:endParaRPr lang="en-US" dirty="0"/>
+            <a:endParaRPr lang="en-US" sz="1400" dirty="0"/>
           </a:p>
           <a:p>
             <a:pPr fontAlgn="auto"/>
             <a:r>
-              <a:rPr lang="en-US" sz="1200" b="0" kern="1200" dirty="0">
+              <a:rPr lang="en-US" sz="1400" b="0" kern="1200" dirty="0">
                 <a:solidFill>
                   <a:schemeClr val="tx1"/>
                 </a:solidFill>
@@ -1361,7 +1361,7 @@
               <a:t>Jay Adams wrote… “From the garden of Eden with its two trees – one allowed, one forbidden – to the eternal destiny of the human being in heaven or in hell, the Bible sets forth two and only two ways: </a:t>
             </a:r>
             <a:r>
-              <a:rPr lang="en-US" sz="1200" b="0" u="sng" kern="1200" dirty="0">
+              <a:rPr lang="en-US" sz="1400" b="0" u="sng" kern="1200" dirty="0">
                 <a:solidFill>
                   <a:schemeClr val="tx1"/>
                 </a:solidFill>
@@ -1373,7 +1373,7 @@
               <a:t>God’s way and all others</a:t>
             </a:r>
             <a:r>
-              <a:rPr lang="en-US" sz="1200" b="0" kern="1200" dirty="0">
+              <a:rPr lang="en-US" sz="1400" b="0" kern="1200" dirty="0">
                 <a:solidFill>
                   <a:schemeClr val="tx1"/>
                 </a:solidFill>
@@ -1387,7 +1387,7 @@
           </a:p>
           <a:p>
             <a:pPr fontAlgn="auto"/>
-            <a:endParaRPr lang="en-US" sz="1200" b="0" kern="1200" dirty="0">
+            <a:endParaRPr lang="en-US" sz="1400" b="0" kern="1200" dirty="0">
               <a:solidFill>
                 <a:schemeClr val="tx1"/>
               </a:solidFill>
@@ -1400,7 +1400,7 @@
           <a:p>
             <a:pPr fontAlgn="auto"/>
             <a:r>
-              <a:rPr lang="en-US" sz="1200" b="0" kern="1200" dirty="0">
+              <a:rPr lang="en-US" sz="1400" b="0" kern="1200" dirty="0">
                 <a:solidFill>
                   <a:schemeClr val="tx1"/>
                 </a:solidFill>
@@ -1414,7 +1414,7 @@
           </a:p>
           <a:p>
             <a:pPr fontAlgn="auto"/>
-            <a:endParaRPr lang="en-US" sz="1200" b="0" kern="1200" dirty="0">
+            <a:endParaRPr lang="en-US" sz="1400" b="0" kern="1200" dirty="0">
               <a:solidFill>
                 <a:schemeClr val="tx1"/>
               </a:solidFill>
@@ -1427,7 +1427,7 @@
           <a:p>
             <a:pPr fontAlgn="auto"/>
             <a:r>
-              <a:rPr lang="en-US" sz="1200" b="0" kern="1200" dirty="0">
+              <a:rPr lang="en-US" sz="1400" b="0" kern="1200" dirty="0">
                 <a:solidFill>
                   <a:schemeClr val="tx1"/>
                 </a:solidFill>
@@ -1440,10 +1440,10 @@
             </a:r>
           </a:p>
           <a:p>
-            <a:endParaRPr lang="en-US" dirty="0"/>
-          </a:p>
-          <a:p>
-            <a:endParaRPr lang="en-US" dirty="0"/>
+            <a:endParaRPr lang="en-US" sz="1400" dirty="0"/>
+          </a:p>
+          <a:p>
+            <a:endParaRPr lang="en-US" sz="1400" dirty="0"/>
           </a:p>
           <a:p>
             <a:endParaRPr lang="en-US" dirty="0"/>
@@ -2216,7 +2216,7 @@
         <p:spPr/>
         <p:txBody>
           <a:bodyPr>
-            <a:normAutofit fontScale="92500"/>
+            <a:normAutofit/>
           </a:bodyPr>
           <a:lstStyle/>
           <a:p>

--- a/2025-Q3/Unity1/2025-07-06-Unity.pptx
+++ b/2025-Q3/Unity1/2025-07-06-Unity.pptx
@@ -6,7 +6,7 @@
     <p:sldMasterId id="2147484131" r:id="rId2"/>
   </p:sldMasterIdLst>
   <p:notesMasterIdLst>
-    <p:notesMasterId r:id="rId10"/>
+    <p:notesMasterId r:id="rId11"/>
   </p:notesMasterIdLst>
   <p:sldIdLst>
     <p:sldId id="560" r:id="rId3"/>
@@ -16,6 +16,7 @@
     <p:sldId id="547" r:id="rId7"/>
     <p:sldId id="561" r:id="rId8"/>
     <p:sldId id="565" r:id="rId9"/>
+    <p:sldId id="566" r:id="rId10"/>
   </p:sldIdLst>
   <p:sldSz cx="9144000" cy="6858000" type="screen4x3"/>
   <p:notesSz cx="7099300" cy="9385300"/>
@@ -283,7 +284,7 @@
               <a:pPr>
                 <a:defRPr/>
               </a:pPr>
-              <a:t>7/6/2025</a:t>
+              <a:t>7/7/2025</a:t>
             </a:fld>
             <a:endParaRPr lang="en-US"/>
           </a:p>
@@ -2216,71 +2217,49 @@
         <p:spPr/>
         <p:txBody>
           <a:bodyPr>
-            <a:normAutofit/>
+            <a:normAutofit fontScale="85000" lnSpcReduction="10000"/>
           </a:bodyPr>
           <a:lstStyle/>
           <a:p>
+            <a:r>
+              <a:rPr lang="en-US" dirty="0"/>
+              <a:t>All four speakers </a:t>
+            </a:r>
+            <a:r>
+              <a:rPr lang="en-US" b="1" dirty="0"/>
+              <a:t>operate from flawed presuppositions</a:t>
+            </a:r>
+            <a:r>
+              <a:rPr lang="en-US" dirty="0"/>
+              <a:t>: that Job’s suffering must be deserved. They demonstrate how </a:t>
+            </a:r>
+            <a:r>
+              <a:rPr lang="en-US" b="1" dirty="0"/>
+              <a:t>misapplication of truth</a:t>
+            </a:r>
+            <a:r>
+              <a:rPr lang="en-US" dirty="0"/>
+              <a:t>, even when well-intended, leads to </a:t>
+            </a:r>
+            <a:r>
+              <a:rPr lang="en-US" b="1" dirty="0"/>
+              <a:t>false counsel and further division</a:t>
+            </a:r>
+            <a:r>
+              <a:rPr lang="en-US" dirty="0"/>
+              <a:t>. Their failure underscores the need for </a:t>
+            </a:r>
+            <a:r>
+              <a:rPr lang="en-US" b="1" dirty="0"/>
+              <a:t>humility, context, and compassion</a:t>
+            </a:r>
+            <a:r>
+              <a:rPr lang="en-US" dirty="0"/>
+              <a:t> in theological dialogue—directly applicable to preserving unity in the church.</a:t>
+            </a:r>
+          </a:p>
+          <a:p>
             <a:endParaRPr lang="en-US" dirty="0"/>
-          </a:p>
-          <a:p>
-            <a:r>
-              <a:rPr lang="en-US" b="1" dirty="0"/>
-              <a:t>Job’s Response and Divine Admonition:</a:t>
-            </a:r>
-            <a:r>
-              <a:rPr lang="en-US" dirty="0"/>
-              <a:t> While Job rightly resists the flawed arguments of his friends and maintains his innocence, he eventually slips into self-righteousness and questions God's justice. In chapters 38–41, God responds not by explaining Job’s suffering but by humbling him with a series of rhetorical questions that reveal divine sovereignty and human limitation.</a:t>
-            </a:r>
-          </a:p>
-          <a:p>
-            <a:r>
-              <a:rPr lang="en-US" i="1" dirty="0"/>
-              <a:t>“Who is this that obscures my plans with words without knowledge?” – God to Job (Job 38:2)</a:t>
-            </a:r>
-          </a:p>
-          <a:p>
-            <a:endParaRPr lang="en-US" dirty="0"/>
-          </a:p>
-          <a:p>
-            <a:r>
-              <a:rPr lang="en-US" dirty="0"/>
-              <a:t>Though Job never curses God, he does accuse God of injustice, and this presumption is what God corrects. Job’s error is not moral failure, but </a:t>
-            </a:r>
-            <a:r>
-              <a:rPr lang="en-US" b="1" dirty="0"/>
-              <a:t>intellectual and theological presumption</a:t>
-            </a:r>
-            <a:r>
-              <a:rPr lang="en-US" dirty="0"/>
-              <a:t>—assuming that God must explain Himself.</a:t>
-            </a:r>
-          </a:p>
-          <a:p>
-            <a:r>
-              <a:rPr lang="en-US" i="1" dirty="0"/>
-              <a:t>“Surely I spoke of things I did not understand, things too wonderful for me to know.” – Job (Job 42:3)</a:t>
-            </a:r>
-          </a:p>
-          <a:p>
-            <a:endParaRPr lang="en-US" dirty="0"/>
-          </a:p>
-          <a:p>
-            <a:r>
-              <a:rPr lang="en-US" b="1" dirty="0"/>
-              <a:t>Takeaway:</a:t>
-            </a:r>
-            <a:r>
-              <a:rPr lang="en-US" dirty="0"/>
-              <a:t> Even the righteous can err in trying to defend themselves or interpret God's will. The pathway to restored understanding and unity is </a:t>
-            </a:r>
-            <a:r>
-              <a:rPr lang="en-US" b="1" dirty="0"/>
-              <a:t>humble submission to divine wisdom</a:t>
-            </a:r>
-            <a:r>
-              <a:rPr lang="en-US" dirty="0"/>
-              <a:t>.</a:t>
-            </a:r>
           </a:p>
           <a:p>
             <a:endParaRPr lang="en-US" dirty="0"/>
@@ -2326,6 +2305,209 @@
     <p:extLst>
       <p:ext uri="{BB962C8B-B14F-4D97-AF65-F5344CB8AC3E}">
         <p14:creationId xmlns:p14="http://schemas.microsoft.com/office/powerpoint/2010/main" val="3894795044"/>
+      </p:ext>
+    </p:extLst>
+  </p:cSld>
+  <p:clrMapOvr>
+    <a:masterClrMapping/>
+  </p:clrMapOvr>
+</p:notes>
+</file>
+
+<file path=ppt/notesSlides/notesSlide8.xml><?xml version="1.0" encoding="utf-8"?>
+<p:notes xmlns:a="http://schemas.openxmlformats.org/drawingml/2006/main" xmlns:r="http://schemas.openxmlformats.org/officeDocument/2006/relationships" xmlns:p="http://schemas.openxmlformats.org/presentationml/2006/main">
+  <p:cSld>
+    <p:spTree>
+      <p:nvGrpSpPr>
+        <p:cNvPr id="1" name="">
+          <a:extLst>
+            <a:ext uri="{FF2B5EF4-FFF2-40B4-BE49-F238E27FC236}">
+              <a16:creationId xmlns:a16="http://schemas.microsoft.com/office/drawing/2014/main" id="{2BE64CA4-3F3B-42B2-82D6-9C9E69A03A9A}"/>
+            </a:ext>
+          </a:extLst>
+        </p:cNvPr>
+        <p:cNvGrpSpPr/>
+        <p:nvPr/>
+      </p:nvGrpSpPr>
+      <p:grpSpPr>
+        <a:xfrm>
+          <a:off x="0" y="0"/>
+          <a:ext cx="0" cy="0"/>
+          <a:chOff x="0" y="0"/>
+          <a:chExt cx="0" cy="0"/>
+        </a:xfrm>
+      </p:grpSpPr>
+      <p:sp>
+        <p:nvSpPr>
+          <p:cNvPr id="2" name="Slide Image Placeholder 1">
+            <a:extLst>
+              <a:ext uri="{FF2B5EF4-FFF2-40B4-BE49-F238E27FC236}">
+                <a16:creationId xmlns:a16="http://schemas.microsoft.com/office/drawing/2014/main" id="{955F954F-D1EB-B6B8-CE1C-D4C63403066D}"/>
+              </a:ext>
+            </a:extLst>
+          </p:cNvPr>
+          <p:cNvSpPr>
+            <a:spLocks noGrp="1" noRot="1" noChangeAspect="1"/>
+          </p:cNvSpPr>
+          <p:nvPr>
+            <p:ph type="sldImg"/>
+          </p:nvPr>
+        </p:nvSpPr>
+        <p:spPr/>
+      </p:sp>
+      <p:sp>
+        <p:nvSpPr>
+          <p:cNvPr id="3" name="Notes Placeholder 2">
+            <a:extLst>
+              <a:ext uri="{FF2B5EF4-FFF2-40B4-BE49-F238E27FC236}">
+                <a16:creationId xmlns:a16="http://schemas.microsoft.com/office/drawing/2014/main" id="{65FAFB00-6A10-3729-A40E-F9FD808C1CAF}"/>
+              </a:ext>
+            </a:extLst>
+          </p:cNvPr>
+          <p:cNvSpPr>
+            <a:spLocks noGrp="1"/>
+          </p:cNvSpPr>
+          <p:nvPr>
+            <p:ph type="body" idx="1"/>
+          </p:nvPr>
+        </p:nvSpPr>
+        <p:spPr/>
+        <p:txBody>
+          <a:bodyPr>
+            <a:normAutofit fontScale="70000" lnSpcReduction="20000"/>
+          </a:bodyPr>
+          <a:lstStyle/>
+          <a:p>
+            <a:r>
+              <a:rPr lang="en-US" b="1" dirty="0"/>
+              <a:t>Discernment via Truth Tests</a:t>
+            </a:r>
+          </a:p>
+          <a:p>
+            <a:endParaRPr lang="en-US" b="1" dirty="0"/>
+          </a:p>
+          <a:p>
+            <a:r>
+              <a:rPr lang="en-US" b="1" dirty="0"/>
+              <a:t>1. Correspondence Test</a:t>
+            </a:r>
+          </a:p>
+          <a:p>
+            <a:pPr lvl="1"/>
+            <a:r>
+              <a:rPr lang="en-US" b="1" dirty="0"/>
+              <a:t>Truth must correspond to reality.</a:t>
+            </a:r>
+            <a:endParaRPr lang="en-US" dirty="0"/>
+          </a:p>
+          <a:p>
+            <a:pPr lvl="1"/>
+            <a:r>
+              <a:rPr lang="en-US" i="1" dirty="0"/>
+              <a:t>Example</a:t>
+            </a:r>
+            <a:r>
+              <a:rPr lang="en-US" dirty="0"/>
+              <a:t>: If we say “God is love” (1 John 4:8), then our actions and church culture should reflect this.</a:t>
+            </a:r>
+          </a:p>
+          <a:p>
+            <a:pPr lvl="1"/>
+            <a:r>
+              <a:rPr lang="en-US" b="1" dirty="0"/>
+              <a:t>Application</a:t>
+            </a:r>
+            <a:r>
+              <a:rPr lang="en-US" dirty="0"/>
+              <a:t>: Church unity must correspond to the visible fruit of love, peace, and mutual care—not just doctrinal statements.</a:t>
+            </a:r>
+          </a:p>
+          <a:p>
+            <a:r>
+              <a:rPr lang="en-US" b="1" dirty="0"/>
+              <a:t>2. Correlation Test</a:t>
+            </a:r>
+          </a:p>
+          <a:p>
+            <a:pPr lvl="1"/>
+            <a:r>
+              <a:rPr lang="en-US" b="1" dirty="0"/>
+              <a:t>Truth must cohere with other known truths.</a:t>
+            </a:r>
+            <a:endParaRPr lang="en-US" dirty="0"/>
+          </a:p>
+          <a:p>
+            <a:pPr lvl="1"/>
+            <a:r>
+              <a:rPr lang="en-US" i="1" dirty="0"/>
+              <a:t>Example</a:t>
+            </a:r>
+            <a:r>
+              <a:rPr lang="en-US" dirty="0"/>
+              <a:t>: “Grace saves” and “Faith without works is dead” must correlate (Ephesians 2:8–10 + James 2:17).</a:t>
+            </a:r>
+          </a:p>
+          <a:p>
+            <a:pPr lvl="1"/>
+            <a:r>
+              <a:rPr lang="en-US" b="1" dirty="0"/>
+              <a:t>Application</a:t>
+            </a:r>
+            <a:r>
+              <a:rPr lang="en-US" dirty="0"/>
+              <a:t>: Interpret Scripture in context of the whole Bible to avoid false dichotomies (e.g., truth vs. love, grace vs. accountability).</a:t>
+            </a:r>
+          </a:p>
+          <a:p>
+            <a:endParaRPr lang="en-US" dirty="0"/>
+          </a:p>
+          <a:p>
+            <a:endParaRPr lang="en-US" dirty="0"/>
+          </a:p>
+          <a:p>
+            <a:endParaRPr lang="en-US" dirty="0"/>
+          </a:p>
+        </p:txBody>
+      </p:sp>
+      <p:sp>
+        <p:nvSpPr>
+          <p:cNvPr id="4" name="Slide Number Placeholder 3">
+            <a:extLst>
+              <a:ext uri="{FF2B5EF4-FFF2-40B4-BE49-F238E27FC236}">
+                <a16:creationId xmlns:a16="http://schemas.microsoft.com/office/drawing/2014/main" id="{FDA77F08-6287-72E4-01E9-87A9826546C2}"/>
+              </a:ext>
+            </a:extLst>
+          </p:cNvPr>
+          <p:cNvSpPr>
+            <a:spLocks noGrp="1"/>
+          </p:cNvSpPr>
+          <p:nvPr>
+            <p:ph type="sldNum" sz="quarter" idx="5"/>
+          </p:nvPr>
+        </p:nvSpPr>
+        <p:spPr/>
+        <p:txBody>
+          <a:bodyPr/>
+          <a:lstStyle/>
+          <a:p>
+            <a:pPr>
+              <a:defRPr/>
+            </a:pPr>
+            <a:fld id="{07776858-791E-4C8D-8FA3-473B3AFECFAC}" type="slidenum">
+              <a:rPr lang="en-US" smtClean="0"/>
+              <a:pPr>
+                <a:defRPr/>
+              </a:pPr>
+              <a:t>8</a:t>
+            </a:fld>
+            <a:endParaRPr lang="en-US"/>
+          </a:p>
+        </p:txBody>
+      </p:sp>
+    </p:spTree>
+    <p:extLst>
+      <p:ext uri="{BB962C8B-B14F-4D97-AF65-F5344CB8AC3E}">
+        <p14:creationId xmlns:p14="http://schemas.microsoft.com/office/powerpoint/2010/main" val="4096566426"/>
       </p:ext>
     </p:extLst>
   </p:cSld>
@@ -7760,7 +7942,7 @@
         <p:spPr>
           <a:xfrm>
             <a:off x="76200" y="7088"/>
-            <a:ext cx="8991600" cy="914400"/>
+            <a:ext cx="8991600" cy="754912"/>
           </a:xfrm>
         </p:spPr>
         <p:txBody>
@@ -7804,8 +7986,8 @@
         </p:nvSpPr>
         <p:spPr>
           <a:xfrm>
-            <a:off x="76201" y="1066800"/>
-            <a:ext cx="8991599" cy="5355312"/>
+            <a:off x="76201" y="762000"/>
+            <a:ext cx="8991599" cy="6186309"/>
           </a:xfrm>
           <a:prstGeom prst="rect">
             <a:avLst/>
@@ -7827,7 +8009,7 @@
             </a:br>
             <a:r>
               <a:rPr lang="en-US" dirty="0"/>
-              <a:t>They assume a direct correlation between personal sin and suffering, leaving no room for mystery or divine testing.</a:t>
+              <a:t>Assuming a direct correlation between personal sin and suffering, leaving no room for mystery or divine testing.</a:t>
             </a:r>
           </a:p>
           <a:p>
@@ -7853,7 +8035,7 @@
             </a:br>
             <a:r>
               <a:rPr lang="en-US" dirty="0"/>
-              <a:t>They believe God always rewards or punishes visibly and swiftly.</a:t>
+              <a:t>Assuming God always rewards or punishes visibly and swiftly.</a:t>
             </a:r>
           </a:p>
           <a:p>
@@ -7879,7 +8061,7 @@
             </a:br>
             <a:r>
               <a:rPr lang="en-US" dirty="0"/>
-              <a:t>Each friend speaks confidently, assuming they understand God’s ways through tradition or reason.</a:t>
+              <a:t>Assuming they understand God’s ways through tradition or reason.</a:t>
             </a:r>
           </a:p>
           <a:p>
@@ -7898,19 +8080,50 @@
           <a:p>
             <a:r>
               <a:rPr lang="en-US" b="1" dirty="0"/>
-              <a:t>Theological Insight:</a:t>
-            </a:r>
-            <a:r>
+              <a:t>Suffering may be preventative or instructive, not always punitive</a:t>
+            </a:r>
+            <a:br>
               <a:rPr lang="en-US" dirty="0"/>
-              <a:t> These assumptions demonstrate how sincere but shallow theology can lead to misjudgment and further pain. The story of Job reminds us to approach others with humility, listen well, and trust God’s sovereignty even when His purposes are hidden. We must practice both discernment and caution to avoid becoming </a:t>
-            </a:r>
-            <a:r>
-              <a:rPr lang="en-US" u="sng" dirty="0"/>
-              <a:t>delegated accusers</a:t>
-            </a:r>
+            </a:br>
             <a:r>
               <a:rPr lang="en-US" dirty="0"/>
-              <a:t> like Job’s friends.</a:t>
+              <a:t>Presuming to speak with divine authority.  </a:t>
+            </a:r>
+          </a:p>
+          <a:p>
+            <a:r>
+              <a:rPr lang="en-US" i="1" dirty="0"/>
+              <a:t>God does all these things to a person… to turn them back from the pit.” </a:t>
+            </a:r>
+            <a:r>
+              <a:rPr lang="en-US" dirty="0"/>
+              <a:t>– Elihu (Job 33:29-30)</a:t>
+            </a:r>
+          </a:p>
+          <a:p>
+            <a:endParaRPr lang="en-US" dirty="0"/>
+          </a:p>
+          <a:p>
+            <a:r>
+              <a:rPr lang="en-US" b="1" dirty="0"/>
+              <a:t>Confession and repentance will instantly fix the problem</a:t>
+            </a:r>
+            <a:br>
+              <a:rPr lang="en-US" dirty="0"/>
+            </a:br>
+            <a:r>
+              <a:rPr lang="en-US" dirty="0"/>
+              <a:t>Assuming that doing so will immediately restore his fortunes.</a:t>
+            </a:r>
+          </a:p>
+          <a:p>
+            <a:r>
+              <a:rPr lang="en-US" i="1" dirty="0"/>
+              <a:t>“If you put away the sin that is in your hand… then you will lift up your face without shame.”</a:t>
+            </a:r>
+            <a:r>
+              <a:rPr lang="en-US" dirty="0"/>
+              <a:t> – Zophar (Job 11:14–15)</a:t>
             </a:r>
           </a:p>
         </p:txBody>
@@ -8655,6 +8868,1075 @@
                                           <p:spTgt spid="7">
                                             <p:txEl>
                                               <p:pRg st="9" end="9"/>
+                                            </p:txEl>
+                                          </p:spTgt>
+                                        </p:tgtEl>
+                                        <p:attrNameLst>
+                                          <p:attrName>ppt_y</p:attrName>
+                                        </p:attrNameLst>
+                                      </p:cBhvr>
+                                      <p:tavLst>
+                                        <p:tav tm="0">
+                                          <p:val>
+                                            <p:strVal val="#ppt_y+.1"/>
+                                          </p:val>
+                                        </p:tav>
+                                        <p:tav tm="100000">
+                                          <p:val>
+                                            <p:strVal val="#ppt_y"/>
+                                          </p:val>
+                                        </p:tav>
+                                      </p:tavLst>
+                                    </p:anim>
+                                  </p:childTnLst>
+                                </p:cTn>
+                              </p:par>
+                              <p:par>
+                                <p:cTn id="46" presetID="42" presetClass="entr" presetSubtype="0" fill="hold" nodeType="withEffect">
+                                  <p:stCondLst>
+                                    <p:cond delay="0"/>
+                                  </p:stCondLst>
+                                  <p:childTnLst>
+                                    <p:set>
+                                      <p:cBhvr>
+                                        <p:cTn id="47" dur="1" fill="hold">
+                                          <p:stCondLst>
+                                            <p:cond delay="0"/>
+                                          </p:stCondLst>
+                                        </p:cTn>
+                                        <p:tgtEl>
+                                          <p:spTgt spid="7">
+                                            <p:txEl>
+                                              <p:pRg st="10" end="10"/>
+                                            </p:txEl>
+                                          </p:spTgt>
+                                        </p:tgtEl>
+                                        <p:attrNameLst>
+                                          <p:attrName>style.visibility</p:attrName>
+                                        </p:attrNameLst>
+                                      </p:cBhvr>
+                                      <p:to>
+                                        <p:strVal val="visible"/>
+                                      </p:to>
+                                    </p:set>
+                                    <p:animEffect transition="in" filter="fade">
+                                      <p:cBhvr>
+                                        <p:cTn id="48" dur="1000"/>
+                                        <p:tgtEl>
+                                          <p:spTgt spid="7">
+                                            <p:txEl>
+                                              <p:pRg st="10" end="10"/>
+                                            </p:txEl>
+                                          </p:spTgt>
+                                        </p:tgtEl>
+                                      </p:cBhvr>
+                                    </p:animEffect>
+                                    <p:anim calcmode="lin" valueType="num">
+                                      <p:cBhvr>
+                                        <p:cTn id="49" dur="1000" fill="hold"/>
+                                        <p:tgtEl>
+                                          <p:spTgt spid="7">
+                                            <p:txEl>
+                                              <p:pRg st="10" end="10"/>
+                                            </p:txEl>
+                                          </p:spTgt>
+                                        </p:tgtEl>
+                                        <p:attrNameLst>
+                                          <p:attrName>ppt_x</p:attrName>
+                                        </p:attrNameLst>
+                                      </p:cBhvr>
+                                      <p:tavLst>
+                                        <p:tav tm="0">
+                                          <p:val>
+                                            <p:strVal val="#ppt_x"/>
+                                          </p:val>
+                                        </p:tav>
+                                        <p:tav tm="100000">
+                                          <p:val>
+                                            <p:strVal val="#ppt_x"/>
+                                          </p:val>
+                                        </p:tav>
+                                      </p:tavLst>
+                                    </p:anim>
+                                    <p:anim calcmode="lin" valueType="num">
+                                      <p:cBhvr>
+                                        <p:cTn id="50" dur="1000" fill="hold"/>
+                                        <p:tgtEl>
+                                          <p:spTgt spid="7">
+                                            <p:txEl>
+                                              <p:pRg st="10" end="10"/>
+                                            </p:txEl>
+                                          </p:spTgt>
+                                        </p:tgtEl>
+                                        <p:attrNameLst>
+                                          <p:attrName>ppt_y</p:attrName>
+                                        </p:attrNameLst>
+                                      </p:cBhvr>
+                                      <p:tavLst>
+                                        <p:tav tm="0">
+                                          <p:val>
+                                            <p:strVal val="#ppt_y+.1"/>
+                                          </p:val>
+                                        </p:tav>
+                                        <p:tav tm="100000">
+                                          <p:val>
+                                            <p:strVal val="#ppt_y"/>
+                                          </p:val>
+                                        </p:tav>
+                                      </p:tavLst>
+                                    </p:anim>
+                                  </p:childTnLst>
+                                </p:cTn>
+                              </p:par>
+                            </p:childTnLst>
+                          </p:cTn>
+                        </p:par>
+                      </p:childTnLst>
+                    </p:cTn>
+                  </p:par>
+                  <p:par>
+                    <p:cTn id="51" fill="hold">
+                      <p:stCondLst>
+                        <p:cond delay="indefinite"/>
+                      </p:stCondLst>
+                      <p:childTnLst>
+                        <p:par>
+                          <p:cTn id="52" fill="hold">
+                            <p:stCondLst>
+                              <p:cond delay="0"/>
+                            </p:stCondLst>
+                            <p:childTnLst>
+                              <p:par>
+                                <p:cTn id="53" presetID="42" presetClass="entr" presetSubtype="0" fill="hold" nodeType="clickEffect">
+                                  <p:stCondLst>
+                                    <p:cond delay="0"/>
+                                  </p:stCondLst>
+                                  <p:childTnLst>
+                                    <p:set>
+                                      <p:cBhvr>
+                                        <p:cTn id="54" dur="1" fill="hold">
+                                          <p:stCondLst>
+                                            <p:cond delay="0"/>
+                                          </p:stCondLst>
+                                        </p:cTn>
+                                        <p:tgtEl>
+                                          <p:spTgt spid="7">
+                                            <p:txEl>
+                                              <p:pRg st="12" end="12"/>
+                                            </p:txEl>
+                                          </p:spTgt>
+                                        </p:tgtEl>
+                                        <p:attrNameLst>
+                                          <p:attrName>style.visibility</p:attrName>
+                                        </p:attrNameLst>
+                                      </p:cBhvr>
+                                      <p:to>
+                                        <p:strVal val="visible"/>
+                                      </p:to>
+                                    </p:set>
+                                    <p:animEffect transition="in" filter="fade">
+                                      <p:cBhvr>
+                                        <p:cTn id="55" dur="1000"/>
+                                        <p:tgtEl>
+                                          <p:spTgt spid="7">
+                                            <p:txEl>
+                                              <p:pRg st="12" end="12"/>
+                                            </p:txEl>
+                                          </p:spTgt>
+                                        </p:tgtEl>
+                                      </p:cBhvr>
+                                    </p:animEffect>
+                                    <p:anim calcmode="lin" valueType="num">
+                                      <p:cBhvr>
+                                        <p:cTn id="56" dur="1000" fill="hold"/>
+                                        <p:tgtEl>
+                                          <p:spTgt spid="7">
+                                            <p:txEl>
+                                              <p:pRg st="12" end="12"/>
+                                            </p:txEl>
+                                          </p:spTgt>
+                                        </p:tgtEl>
+                                        <p:attrNameLst>
+                                          <p:attrName>ppt_x</p:attrName>
+                                        </p:attrNameLst>
+                                      </p:cBhvr>
+                                      <p:tavLst>
+                                        <p:tav tm="0">
+                                          <p:val>
+                                            <p:strVal val="#ppt_x"/>
+                                          </p:val>
+                                        </p:tav>
+                                        <p:tav tm="100000">
+                                          <p:val>
+                                            <p:strVal val="#ppt_x"/>
+                                          </p:val>
+                                        </p:tav>
+                                      </p:tavLst>
+                                    </p:anim>
+                                    <p:anim calcmode="lin" valueType="num">
+                                      <p:cBhvr>
+                                        <p:cTn id="57" dur="1000" fill="hold"/>
+                                        <p:tgtEl>
+                                          <p:spTgt spid="7">
+                                            <p:txEl>
+                                              <p:pRg st="12" end="12"/>
+                                            </p:txEl>
+                                          </p:spTgt>
+                                        </p:tgtEl>
+                                        <p:attrNameLst>
+                                          <p:attrName>ppt_y</p:attrName>
+                                        </p:attrNameLst>
+                                      </p:cBhvr>
+                                      <p:tavLst>
+                                        <p:tav tm="0">
+                                          <p:val>
+                                            <p:strVal val="#ppt_y+.1"/>
+                                          </p:val>
+                                        </p:tav>
+                                        <p:tav tm="100000">
+                                          <p:val>
+                                            <p:strVal val="#ppt_y"/>
+                                          </p:val>
+                                        </p:tav>
+                                      </p:tavLst>
+                                    </p:anim>
+                                  </p:childTnLst>
+                                </p:cTn>
+                              </p:par>
+                              <p:par>
+                                <p:cTn id="58" presetID="42" presetClass="entr" presetSubtype="0" fill="hold" nodeType="withEffect">
+                                  <p:stCondLst>
+                                    <p:cond delay="0"/>
+                                  </p:stCondLst>
+                                  <p:childTnLst>
+                                    <p:set>
+                                      <p:cBhvr>
+                                        <p:cTn id="59" dur="1" fill="hold">
+                                          <p:stCondLst>
+                                            <p:cond delay="0"/>
+                                          </p:stCondLst>
+                                        </p:cTn>
+                                        <p:tgtEl>
+                                          <p:spTgt spid="7">
+                                            <p:txEl>
+                                              <p:pRg st="13" end="13"/>
+                                            </p:txEl>
+                                          </p:spTgt>
+                                        </p:tgtEl>
+                                        <p:attrNameLst>
+                                          <p:attrName>style.visibility</p:attrName>
+                                        </p:attrNameLst>
+                                      </p:cBhvr>
+                                      <p:to>
+                                        <p:strVal val="visible"/>
+                                      </p:to>
+                                    </p:set>
+                                    <p:animEffect transition="in" filter="fade">
+                                      <p:cBhvr>
+                                        <p:cTn id="60" dur="1000"/>
+                                        <p:tgtEl>
+                                          <p:spTgt spid="7">
+                                            <p:txEl>
+                                              <p:pRg st="13" end="13"/>
+                                            </p:txEl>
+                                          </p:spTgt>
+                                        </p:tgtEl>
+                                      </p:cBhvr>
+                                    </p:animEffect>
+                                    <p:anim calcmode="lin" valueType="num">
+                                      <p:cBhvr>
+                                        <p:cTn id="61" dur="1000" fill="hold"/>
+                                        <p:tgtEl>
+                                          <p:spTgt spid="7">
+                                            <p:txEl>
+                                              <p:pRg st="13" end="13"/>
+                                            </p:txEl>
+                                          </p:spTgt>
+                                        </p:tgtEl>
+                                        <p:attrNameLst>
+                                          <p:attrName>ppt_x</p:attrName>
+                                        </p:attrNameLst>
+                                      </p:cBhvr>
+                                      <p:tavLst>
+                                        <p:tav tm="0">
+                                          <p:val>
+                                            <p:strVal val="#ppt_x"/>
+                                          </p:val>
+                                        </p:tav>
+                                        <p:tav tm="100000">
+                                          <p:val>
+                                            <p:strVal val="#ppt_x"/>
+                                          </p:val>
+                                        </p:tav>
+                                      </p:tavLst>
+                                    </p:anim>
+                                    <p:anim calcmode="lin" valueType="num">
+                                      <p:cBhvr>
+                                        <p:cTn id="62" dur="1000" fill="hold"/>
+                                        <p:tgtEl>
+                                          <p:spTgt spid="7">
+                                            <p:txEl>
+                                              <p:pRg st="13" end="13"/>
+                                            </p:txEl>
+                                          </p:spTgt>
+                                        </p:tgtEl>
+                                        <p:attrNameLst>
+                                          <p:attrName>ppt_y</p:attrName>
+                                        </p:attrNameLst>
+                                      </p:cBhvr>
+                                      <p:tavLst>
+                                        <p:tav tm="0">
+                                          <p:val>
+                                            <p:strVal val="#ppt_y+.1"/>
+                                          </p:val>
+                                        </p:tav>
+                                        <p:tav tm="100000">
+                                          <p:val>
+                                            <p:strVal val="#ppt_y"/>
+                                          </p:val>
+                                        </p:tav>
+                                      </p:tavLst>
+                                    </p:anim>
+                                  </p:childTnLst>
+                                </p:cTn>
+                              </p:par>
+                            </p:childTnLst>
+                          </p:cTn>
+                        </p:par>
+                      </p:childTnLst>
+                    </p:cTn>
+                  </p:par>
+                </p:childTnLst>
+              </p:cTn>
+              <p:prevCondLst>
+                <p:cond evt="onPrev" delay="0">
+                  <p:tgtEl>
+                    <p:sldTgt/>
+                  </p:tgtEl>
+                </p:cond>
+              </p:prevCondLst>
+              <p:nextCondLst>
+                <p:cond evt="onNext" delay="0">
+                  <p:tgtEl>
+                    <p:sldTgt/>
+                  </p:tgtEl>
+                </p:cond>
+              </p:nextCondLst>
+            </p:seq>
+          </p:childTnLst>
+        </p:cTn>
+      </p:par>
+    </p:tnLst>
+  </p:timing>
+</p:sld>
+</file>
+
+<file path=ppt/slides/slide8.xml><?xml version="1.0" encoding="utf-8"?>
+<p:sld xmlns:a="http://schemas.openxmlformats.org/drawingml/2006/main" xmlns:r="http://schemas.openxmlformats.org/officeDocument/2006/relationships" xmlns:p="http://schemas.openxmlformats.org/presentationml/2006/main">
+  <p:cSld>
+    <p:spTree>
+      <p:nvGrpSpPr>
+        <p:cNvPr id="1" name="">
+          <a:extLst>
+            <a:ext uri="{FF2B5EF4-FFF2-40B4-BE49-F238E27FC236}">
+              <a16:creationId xmlns:a16="http://schemas.microsoft.com/office/drawing/2014/main" id="{F4AE39AD-E2C5-9ACF-C92F-DC974C1DD997}"/>
+            </a:ext>
+          </a:extLst>
+        </p:cNvPr>
+        <p:cNvGrpSpPr/>
+        <p:nvPr/>
+      </p:nvGrpSpPr>
+      <p:grpSpPr>
+        <a:xfrm>
+          <a:off x="0" y="0"/>
+          <a:ext cx="0" cy="0"/>
+          <a:chOff x="0" y="0"/>
+          <a:chExt cx="0" cy="0"/>
+        </a:xfrm>
+      </p:grpSpPr>
+      <p:sp>
+        <p:nvSpPr>
+          <p:cNvPr id="4" name="Title 1">
+            <a:extLst>
+              <a:ext uri="{FF2B5EF4-FFF2-40B4-BE49-F238E27FC236}">
+                <a16:creationId xmlns:a16="http://schemas.microsoft.com/office/drawing/2014/main" id="{19815465-210E-3A2B-2EEB-88027BDAB64C}"/>
+              </a:ext>
+            </a:extLst>
+          </p:cNvPr>
+          <p:cNvSpPr>
+            <a:spLocks noGrp="1"/>
+          </p:cNvSpPr>
+          <p:nvPr>
+            <p:ph type="title"/>
+          </p:nvPr>
+        </p:nvSpPr>
+        <p:spPr>
+          <a:xfrm>
+            <a:off x="76200" y="7088"/>
+            <a:ext cx="8991600" cy="914400"/>
+          </a:xfrm>
+        </p:spPr>
+        <p:txBody>
+          <a:bodyPr>
+            <a:normAutofit fontScale="90000"/>
+          </a:bodyPr>
+          <a:lstStyle/>
+          <a:p>
+            <a:r>
+              <a:rPr lang="en-US" sz="3600" dirty="0"/>
+              <a:t>Presuppositional Thinking</a:t>
+            </a:r>
+            <a:br>
+              <a:rPr lang="en-US" sz="3600" dirty="0"/>
+            </a:br>
+            <a:r>
+              <a:rPr lang="en-US" sz="2200" dirty="0">
+                <a:solidFill>
+                  <a:schemeClr val="tx2">
+                    <a:lumMod val="60000"/>
+                    <a:lumOff val="40000"/>
+                  </a:schemeClr>
+                </a:solidFill>
+              </a:rPr>
+              <a:t>Faulty presuppositions damage relationships and cloud theological truth</a:t>
+            </a:r>
+          </a:p>
+        </p:txBody>
+      </p:sp>
+      <p:sp>
+        <p:nvSpPr>
+          <p:cNvPr id="7" name="TextBox 6">
+            <a:extLst>
+              <a:ext uri="{FF2B5EF4-FFF2-40B4-BE49-F238E27FC236}">
+                <a16:creationId xmlns:a16="http://schemas.microsoft.com/office/drawing/2014/main" id="{4F69D2E7-3449-E530-5EB3-7E4124053931}"/>
+              </a:ext>
+            </a:extLst>
+          </p:cNvPr>
+          <p:cNvSpPr txBox="1"/>
+          <p:nvPr/>
+        </p:nvSpPr>
+        <p:spPr>
+          <a:xfrm>
+            <a:off x="76201" y="921488"/>
+            <a:ext cx="8991599" cy="5909310"/>
+          </a:xfrm>
+          <a:prstGeom prst="rect">
+            <a:avLst/>
+          </a:prstGeom>
+          <a:noFill/>
+        </p:spPr>
+        <p:txBody>
+          <a:bodyPr wrap="square">
+            <a:spAutoFit/>
+          </a:bodyPr>
+          <a:lstStyle/>
+          <a:p>
+            <a:r>
+              <a:rPr lang="en-US" b="1" dirty="0"/>
+              <a:t>Job’s Response and Divine Admonition:</a:t>
+            </a:r>
+            <a:r>
+              <a:rPr lang="en-US" dirty="0"/>
+              <a:t> While Job rightly resists the flawed arguments of his friends and maintains his innocence, he eventually slips into self-righteousness and questions God's justice. In chapters 38–41, God responds not by explaining Job’s suffering but by humbling him with a series of rhetorical questions that reveal divine sovereignty and human limitation.</a:t>
+            </a:r>
+          </a:p>
+          <a:p>
+            <a:r>
+              <a:rPr lang="en-US" i="1" dirty="0"/>
+              <a:t>“Who is this that obscures my plans with words without knowledge?” – God to Job (Job 38:2)</a:t>
+            </a:r>
+          </a:p>
+          <a:p>
+            <a:endParaRPr lang="en-US" dirty="0"/>
+          </a:p>
+          <a:p>
+            <a:r>
+              <a:rPr lang="en-US" dirty="0"/>
+              <a:t>Though Job never curses God, he does accuse God of injustice, and this presumption is what God corrects. Job’s error is not moral failure, but </a:t>
+            </a:r>
+            <a:r>
+              <a:rPr lang="en-US" b="1" dirty="0"/>
+              <a:t>intellectual and theological presumption</a:t>
+            </a:r>
+            <a:r>
+              <a:rPr lang="en-US" dirty="0"/>
+              <a:t>; assuming that God must explain Himself.</a:t>
+            </a:r>
+          </a:p>
+          <a:p>
+            <a:r>
+              <a:rPr lang="en-US" i="1" dirty="0"/>
+              <a:t>“Surely I spoke of things I did not understand, things too wonderful for me to know.” – Job (Job 42:3)</a:t>
+            </a:r>
+          </a:p>
+          <a:p>
+            <a:endParaRPr lang="en-US" b="1" dirty="0"/>
+          </a:p>
+          <a:p>
+            <a:r>
+              <a:rPr lang="en-US" b="1" dirty="0"/>
+              <a:t>Insights:</a:t>
+            </a:r>
+            <a:r>
+              <a:rPr lang="en-US" dirty="0"/>
+              <a:t> Even the righteous can err in trying to defend themselves or interpret God's will. The Friend’s assumptions demonstrate how sincere but shallow theology can lead to misjudgment and further pain. The story of Job reminds us to approach others with humility, listen well, and trust God’s sovereignty even when His purposes are hidden. We must practice </a:t>
+            </a:r>
+            <a:r>
+              <a:rPr lang="en-US" b="1" dirty="0"/>
+              <a:t>discernment</a:t>
+            </a:r>
+            <a:r>
+              <a:rPr lang="en-US" dirty="0"/>
+              <a:t> to avoid becoming </a:t>
+            </a:r>
+            <a:r>
+              <a:rPr lang="en-US" b="1" u="sng" dirty="0"/>
+              <a:t>delegated accusers</a:t>
+            </a:r>
+            <a:r>
+              <a:rPr lang="en-US" dirty="0"/>
+              <a:t> like Job’s Friends. The pathway to restored understanding and unity is </a:t>
+            </a:r>
+            <a:r>
+              <a:rPr lang="en-US" b="1" dirty="0"/>
+              <a:t>humble submission to divine wisdom</a:t>
+            </a:r>
+            <a:r>
+              <a:rPr lang="en-US" dirty="0"/>
+              <a:t>.</a:t>
+            </a:r>
+            <a:endParaRPr lang="en-US" b="1" dirty="0"/>
+          </a:p>
+        </p:txBody>
+      </p:sp>
+    </p:spTree>
+    <p:extLst>
+      <p:ext uri="{BB962C8B-B14F-4D97-AF65-F5344CB8AC3E}">
+        <p14:creationId xmlns:p14="http://schemas.microsoft.com/office/powerpoint/2010/main" val="3463597339"/>
+      </p:ext>
+    </p:extLst>
+  </p:cSld>
+  <p:clrMapOvr>
+    <a:masterClrMapping/>
+  </p:clrMapOvr>
+  <p:timing>
+    <p:tnLst>
+      <p:par>
+        <p:cTn id="1" dur="indefinite" restart="never" nodeType="tmRoot">
+          <p:childTnLst>
+            <p:seq concurrent="1" nextAc="seek">
+              <p:cTn id="2" dur="indefinite" nodeType="mainSeq">
+                <p:childTnLst>
+                  <p:par>
+                    <p:cTn id="3" fill="hold">
+                      <p:stCondLst>
+                        <p:cond delay="indefinite"/>
+                      </p:stCondLst>
+                      <p:childTnLst>
+                        <p:par>
+                          <p:cTn id="4" fill="hold">
+                            <p:stCondLst>
+                              <p:cond delay="0"/>
+                            </p:stCondLst>
+                            <p:childTnLst>
+                              <p:par>
+                                <p:cTn id="5" presetID="42" presetClass="entr" presetSubtype="0" fill="hold" nodeType="clickEffect">
+                                  <p:stCondLst>
+                                    <p:cond delay="0"/>
+                                  </p:stCondLst>
+                                  <p:childTnLst>
+                                    <p:set>
+                                      <p:cBhvr>
+                                        <p:cTn id="6" dur="1" fill="hold">
+                                          <p:stCondLst>
+                                            <p:cond delay="0"/>
+                                          </p:stCondLst>
+                                        </p:cTn>
+                                        <p:tgtEl>
+                                          <p:spTgt spid="7">
+                                            <p:txEl>
+                                              <p:pRg st="0" end="0"/>
+                                            </p:txEl>
+                                          </p:spTgt>
+                                        </p:tgtEl>
+                                        <p:attrNameLst>
+                                          <p:attrName>style.visibility</p:attrName>
+                                        </p:attrNameLst>
+                                      </p:cBhvr>
+                                      <p:to>
+                                        <p:strVal val="visible"/>
+                                      </p:to>
+                                    </p:set>
+                                    <p:animEffect transition="in" filter="fade">
+                                      <p:cBhvr>
+                                        <p:cTn id="7" dur="1000"/>
+                                        <p:tgtEl>
+                                          <p:spTgt spid="7">
+                                            <p:txEl>
+                                              <p:pRg st="0" end="0"/>
+                                            </p:txEl>
+                                          </p:spTgt>
+                                        </p:tgtEl>
+                                      </p:cBhvr>
+                                    </p:animEffect>
+                                    <p:anim calcmode="lin" valueType="num">
+                                      <p:cBhvr>
+                                        <p:cTn id="8" dur="1000" fill="hold"/>
+                                        <p:tgtEl>
+                                          <p:spTgt spid="7">
+                                            <p:txEl>
+                                              <p:pRg st="0" end="0"/>
+                                            </p:txEl>
+                                          </p:spTgt>
+                                        </p:tgtEl>
+                                        <p:attrNameLst>
+                                          <p:attrName>ppt_x</p:attrName>
+                                        </p:attrNameLst>
+                                      </p:cBhvr>
+                                      <p:tavLst>
+                                        <p:tav tm="0">
+                                          <p:val>
+                                            <p:strVal val="#ppt_x"/>
+                                          </p:val>
+                                        </p:tav>
+                                        <p:tav tm="100000">
+                                          <p:val>
+                                            <p:strVal val="#ppt_x"/>
+                                          </p:val>
+                                        </p:tav>
+                                      </p:tavLst>
+                                    </p:anim>
+                                    <p:anim calcmode="lin" valueType="num">
+                                      <p:cBhvr>
+                                        <p:cTn id="9" dur="1000" fill="hold"/>
+                                        <p:tgtEl>
+                                          <p:spTgt spid="7">
+                                            <p:txEl>
+                                              <p:pRg st="0" end="0"/>
+                                            </p:txEl>
+                                          </p:spTgt>
+                                        </p:tgtEl>
+                                        <p:attrNameLst>
+                                          <p:attrName>ppt_y</p:attrName>
+                                        </p:attrNameLst>
+                                      </p:cBhvr>
+                                      <p:tavLst>
+                                        <p:tav tm="0">
+                                          <p:val>
+                                            <p:strVal val="#ppt_y+.1"/>
+                                          </p:val>
+                                        </p:tav>
+                                        <p:tav tm="100000">
+                                          <p:val>
+                                            <p:strVal val="#ppt_y"/>
+                                          </p:val>
+                                        </p:tav>
+                                      </p:tavLst>
+                                    </p:anim>
+                                  </p:childTnLst>
+                                </p:cTn>
+                              </p:par>
+                              <p:par>
+                                <p:cTn id="10" presetID="42" presetClass="entr" presetSubtype="0" fill="hold" nodeType="withEffect">
+                                  <p:stCondLst>
+                                    <p:cond delay="0"/>
+                                  </p:stCondLst>
+                                  <p:childTnLst>
+                                    <p:set>
+                                      <p:cBhvr>
+                                        <p:cTn id="11" dur="1" fill="hold">
+                                          <p:stCondLst>
+                                            <p:cond delay="0"/>
+                                          </p:stCondLst>
+                                        </p:cTn>
+                                        <p:tgtEl>
+                                          <p:spTgt spid="7">
+                                            <p:txEl>
+                                              <p:pRg st="1" end="1"/>
+                                            </p:txEl>
+                                          </p:spTgt>
+                                        </p:tgtEl>
+                                        <p:attrNameLst>
+                                          <p:attrName>style.visibility</p:attrName>
+                                        </p:attrNameLst>
+                                      </p:cBhvr>
+                                      <p:to>
+                                        <p:strVal val="visible"/>
+                                      </p:to>
+                                    </p:set>
+                                    <p:animEffect transition="in" filter="fade">
+                                      <p:cBhvr>
+                                        <p:cTn id="12" dur="1000"/>
+                                        <p:tgtEl>
+                                          <p:spTgt spid="7">
+                                            <p:txEl>
+                                              <p:pRg st="1" end="1"/>
+                                            </p:txEl>
+                                          </p:spTgt>
+                                        </p:tgtEl>
+                                      </p:cBhvr>
+                                    </p:animEffect>
+                                    <p:anim calcmode="lin" valueType="num">
+                                      <p:cBhvr>
+                                        <p:cTn id="13" dur="1000" fill="hold"/>
+                                        <p:tgtEl>
+                                          <p:spTgt spid="7">
+                                            <p:txEl>
+                                              <p:pRg st="1" end="1"/>
+                                            </p:txEl>
+                                          </p:spTgt>
+                                        </p:tgtEl>
+                                        <p:attrNameLst>
+                                          <p:attrName>ppt_x</p:attrName>
+                                        </p:attrNameLst>
+                                      </p:cBhvr>
+                                      <p:tavLst>
+                                        <p:tav tm="0">
+                                          <p:val>
+                                            <p:strVal val="#ppt_x"/>
+                                          </p:val>
+                                        </p:tav>
+                                        <p:tav tm="100000">
+                                          <p:val>
+                                            <p:strVal val="#ppt_x"/>
+                                          </p:val>
+                                        </p:tav>
+                                      </p:tavLst>
+                                    </p:anim>
+                                    <p:anim calcmode="lin" valueType="num">
+                                      <p:cBhvr>
+                                        <p:cTn id="14" dur="1000" fill="hold"/>
+                                        <p:tgtEl>
+                                          <p:spTgt spid="7">
+                                            <p:txEl>
+                                              <p:pRg st="1" end="1"/>
+                                            </p:txEl>
+                                          </p:spTgt>
+                                        </p:tgtEl>
+                                        <p:attrNameLst>
+                                          <p:attrName>ppt_y</p:attrName>
+                                        </p:attrNameLst>
+                                      </p:cBhvr>
+                                      <p:tavLst>
+                                        <p:tav tm="0">
+                                          <p:val>
+                                            <p:strVal val="#ppt_y+.1"/>
+                                          </p:val>
+                                        </p:tav>
+                                        <p:tav tm="100000">
+                                          <p:val>
+                                            <p:strVal val="#ppt_y"/>
+                                          </p:val>
+                                        </p:tav>
+                                      </p:tavLst>
+                                    </p:anim>
+                                  </p:childTnLst>
+                                </p:cTn>
+                              </p:par>
+                            </p:childTnLst>
+                          </p:cTn>
+                        </p:par>
+                      </p:childTnLst>
+                    </p:cTn>
+                  </p:par>
+                  <p:par>
+                    <p:cTn id="15" fill="hold">
+                      <p:stCondLst>
+                        <p:cond delay="indefinite"/>
+                      </p:stCondLst>
+                      <p:childTnLst>
+                        <p:par>
+                          <p:cTn id="16" fill="hold">
+                            <p:stCondLst>
+                              <p:cond delay="0"/>
+                            </p:stCondLst>
+                            <p:childTnLst>
+                              <p:par>
+                                <p:cTn id="17" presetID="42" presetClass="entr" presetSubtype="0" fill="hold" nodeType="clickEffect">
+                                  <p:stCondLst>
+                                    <p:cond delay="0"/>
+                                  </p:stCondLst>
+                                  <p:childTnLst>
+                                    <p:set>
+                                      <p:cBhvr>
+                                        <p:cTn id="18" dur="1" fill="hold">
+                                          <p:stCondLst>
+                                            <p:cond delay="0"/>
+                                          </p:stCondLst>
+                                        </p:cTn>
+                                        <p:tgtEl>
+                                          <p:spTgt spid="7">
+                                            <p:txEl>
+                                              <p:pRg st="3" end="3"/>
+                                            </p:txEl>
+                                          </p:spTgt>
+                                        </p:tgtEl>
+                                        <p:attrNameLst>
+                                          <p:attrName>style.visibility</p:attrName>
+                                        </p:attrNameLst>
+                                      </p:cBhvr>
+                                      <p:to>
+                                        <p:strVal val="visible"/>
+                                      </p:to>
+                                    </p:set>
+                                    <p:animEffect transition="in" filter="fade">
+                                      <p:cBhvr>
+                                        <p:cTn id="19" dur="1000"/>
+                                        <p:tgtEl>
+                                          <p:spTgt spid="7">
+                                            <p:txEl>
+                                              <p:pRg st="3" end="3"/>
+                                            </p:txEl>
+                                          </p:spTgt>
+                                        </p:tgtEl>
+                                      </p:cBhvr>
+                                    </p:animEffect>
+                                    <p:anim calcmode="lin" valueType="num">
+                                      <p:cBhvr>
+                                        <p:cTn id="20" dur="1000" fill="hold"/>
+                                        <p:tgtEl>
+                                          <p:spTgt spid="7">
+                                            <p:txEl>
+                                              <p:pRg st="3" end="3"/>
+                                            </p:txEl>
+                                          </p:spTgt>
+                                        </p:tgtEl>
+                                        <p:attrNameLst>
+                                          <p:attrName>ppt_x</p:attrName>
+                                        </p:attrNameLst>
+                                      </p:cBhvr>
+                                      <p:tavLst>
+                                        <p:tav tm="0">
+                                          <p:val>
+                                            <p:strVal val="#ppt_x"/>
+                                          </p:val>
+                                        </p:tav>
+                                        <p:tav tm="100000">
+                                          <p:val>
+                                            <p:strVal val="#ppt_x"/>
+                                          </p:val>
+                                        </p:tav>
+                                      </p:tavLst>
+                                    </p:anim>
+                                    <p:anim calcmode="lin" valueType="num">
+                                      <p:cBhvr>
+                                        <p:cTn id="21" dur="1000" fill="hold"/>
+                                        <p:tgtEl>
+                                          <p:spTgt spid="7">
+                                            <p:txEl>
+                                              <p:pRg st="3" end="3"/>
+                                            </p:txEl>
+                                          </p:spTgt>
+                                        </p:tgtEl>
+                                        <p:attrNameLst>
+                                          <p:attrName>ppt_y</p:attrName>
+                                        </p:attrNameLst>
+                                      </p:cBhvr>
+                                      <p:tavLst>
+                                        <p:tav tm="0">
+                                          <p:val>
+                                            <p:strVal val="#ppt_y+.1"/>
+                                          </p:val>
+                                        </p:tav>
+                                        <p:tav tm="100000">
+                                          <p:val>
+                                            <p:strVal val="#ppt_y"/>
+                                          </p:val>
+                                        </p:tav>
+                                      </p:tavLst>
+                                    </p:anim>
+                                  </p:childTnLst>
+                                </p:cTn>
+                              </p:par>
+                              <p:par>
+                                <p:cTn id="22" presetID="42" presetClass="entr" presetSubtype="0" fill="hold" nodeType="withEffect">
+                                  <p:stCondLst>
+                                    <p:cond delay="0"/>
+                                  </p:stCondLst>
+                                  <p:childTnLst>
+                                    <p:set>
+                                      <p:cBhvr>
+                                        <p:cTn id="23" dur="1" fill="hold">
+                                          <p:stCondLst>
+                                            <p:cond delay="0"/>
+                                          </p:stCondLst>
+                                        </p:cTn>
+                                        <p:tgtEl>
+                                          <p:spTgt spid="7">
+                                            <p:txEl>
+                                              <p:pRg st="4" end="4"/>
+                                            </p:txEl>
+                                          </p:spTgt>
+                                        </p:tgtEl>
+                                        <p:attrNameLst>
+                                          <p:attrName>style.visibility</p:attrName>
+                                        </p:attrNameLst>
+                                      </p:cBhvr>
+                                      <p:to>
+                                        <p:strVal val="visible"/>
+                                      </p:to>
+                                    </p:set>
+                                    <p:animEffect transition="in" filter="fade">
+                                      <p:cBhvr>
+                                        <p:cTn id="24" dur="1000"/>
+                                        <p:tgtEl>
+                                          <p:spTgt spid="7">
+                                            <p:txEl>
+                                              <p:pRg st="4" end="4"/>
+                                            </p:txEl>
+                                          </p:spTgt>
+                                        </p:tgtEl>
+                                      </p:cBhvr>
+                                    </p:animEffect>
+                                    <p:anim calcmode="lin" valueType="num">
+                                      <p:cBhvr>
+                                        <p:cTn id="25" dur="1000" fill="hold"/>
+                                        <p:tgtEl>
+                                          <p:spTgt spid="7">
+                                            <p:txEl>
+                                              <p:pRg st="4" end="4"/>
+                                            </p:txEl>
+                                          </p:spTgt>
+                                        </p:tgtEl>
+                                        <p:attrNameLst>
+                                          <p:attrName>ppt_x</p:attrName>
+                                        </p:attrNameLst>
+                                      </p:cBhvr>
+                                      <p:tavLst>
+                                        <p:tav tm="0">
+                                          <p:val>
+                                            <p:strVal val="#ppt_x"/>
+                                          </p:val>
+                                        </p:tav>
+                                        <p:tav tm="100000">
+                                          <p:val>
+                                            <p:strVal val="#ppt_x"/>
+                                          </p:val>
+                                        </p:tav>
+                                      </p:tavLst>
+                                    </p:anim>
+                                    <p:anim calcmode="lin" valueType="num">
+                                      <p:cBhvr>
+                                        <p:cTn id="26" dur="1000" fill="hold"/>
+                                        <p:tgtEl>
+                                          <p:spTgt spid="7">
+                                            <p:txEl>
+                                              <p:pRg st="4" end="4"/>
+                                            </p:txEl>
+                                          </p:spTgt>
+                                        </p:tgtEl>
+                                        <p:attrNameLst>
+                                          <p:attrName>ppt_y</p:attrName>
+                                        </p:attrNameLst>
+                                      </p:cBhvr>
+                                      <p:tavLst>
+                                        <p:tav tm="0">
+                                          <p:val>
+                                            <p:strVal val="#ppt_y+.1"/>
+                                          </p:val>
+                                        </p:tav>
+                                        <p:tav tm="100000">
+                                          <p:val>
+                                            <p:strVal val="#ppt_y"/>
+                                          </p:val>
+                                        </p:tav>
+                                      </p:tavLst>
+                                    </p:anim>
+                                  </p:childTnLst>
+                                </p:cTn>
+                              </p:par>
+                            </p:childTnLst>
+                          </p:cTn>
+                        </p:par>
+                      </p:childTnLst>
+                    </p:cTn>
+                  </p:par>
+                  <p:par>
+                    <p:cTn id="27" fill="hold">
+                      <p:stCondLst>
+                        <p:cond delay="indefinite"/>
+                      </p:stCondLst>
+                      <p:childTnLst>
+                        <p:par>
+                          <p:cTn id="28" fill="hold">
+                            <p:stCondLst>
+                              <p:cond delay="0"/>
+                            </p:stCondLst>
+                            <p:childTnLst>
+                              <p:par>
+                                <p:cTn id="29" presetID="42" presetClass="entr" presetSubtype="0" fill="hold" nodeType="clickEffect">
+                                  <p:stCondLst>
+                                    <p:cond delay="0"/>
+                                  </p:stCondLst>
+                                  <p:childTnLst>
+                                    <p:set>
+                                      <p:cBhvr>
+                                        <p:cTn id="30" dur="1" fill="hold">
+                                          <p:stCondLst>
+                                            <p:cond delay="0"/>
+                                          </p:stCondLst>
+                                        </p:cTn>
+                                        <p:tgtEl>
+                                          <p:spTgt spid="7">
+                                            <p:txEl>
+                                              <p:pRg st="6" end="6"/>
+                                            </p:txEl>
+                                          </p:spTgt>
+                                        </p:tgtEl>
+                                        <p:attrNameLst>
+                                          <p:attrName>style.visibility</p:attrName>
+                                        </p:attrNameLst>
+                                      </p:cBhvr>
+                                      <p:to>
+                                        <p:strVal val="visible"/>
+                                      </p:to>
+                                    </p:set>
+                                    <p:animEffect transition="in" filter="fade">
+                                      <p:cBhvr>
+                                        <p:cTn id="31" dur="1000"/>
+                                        <p:tgtEl>
+                                          <p:spTgt spid="7">
+                                            <p:txEl>
+                                              <p:pRg st="6" end="6"/>
+                                            </p:txEl>
+                                          </p:spTgt>
+                                        </p:tgtEl>
+                                      </p:cBhvr>
+                                    </p:animEffect>
+                                    <p:anim calcmode="lin" valueType="num">
+                                      <p:cBhvr>
+                                        <p:cTn id="32" dur="1000" fill="hold"/>
+                                        <p:tgtEl>
+                                          <p:spTgt spid="7">
+                                            <p:txEl>
+                                              <p:pRg st="6" end="6"/>
+                                            </p:txEl>
+                                          </p:spTgt>
+                                        </p:tgtEl>
+                                        <p:attrNameLst>
+                                          <p:attrName>ppt_x</p:attrName>
+                                        </p:attrNameLst>
+                                      </p:cBhvr>
+                                      <p:tavLst>
+                                        <p:tav tm="0">
+                                          <p:val>
+                                            <p:strVal val="#ppt_x"/>
+                                          </p:val>
+                                        </p:tav>
+                                        <p:tav tm="100000">
+                                          <p:val>
+                                            <p:strVal val="#ppt_x"/>
+                                          </p:val>
+                                        </p:tav>
+                                      </p:tavLst>
+                                    </p:anim>
+                                    <p:anim calcmode="lin" valueType="num">
+                                      <p:cBhvr>
+                                        <p:cTn id="33" dur="1000" fill="hold"/>
+                                        <p:tgtEl>
+                                          <p:spTgt spid="7">
+                                            <p:txEl>
+                                              <p:pRg st="6" end="6"/>
                                             </p:txEl>
                                           </p:spTgt>
                                         </p:tgtEl>

--- a/2025-Q3/Unity1/2025-07-06-Unity.pptx
+++ b/2025-Q3/Unity1/2025-07-06-Unity.pptx
@@ -2217,7 +2217,7 @@
         <p:spPr/>
         <p:txBody>
           <a:bodyPr>
-            <a:normAutofit fontScale="85000" lnSpcReduction="10000"/>
+            <a:normAutofit/>
           </a:bodyPr>
           <a:lstStyle/>
           <a:p>
@@ -2374,7 +2374,7 @@
         <p:spPr/>
         <p:txBody>
           <a:bodyPr>
-            <a:normAutofit fontScale="70000" lnSpcReduction="20000"/>
+            <a:normAutofit fontScale="92500" lnSpcReduction="20000"/>
           </a:bodyPr>
           <a:lstStyle/>
           <a:p>
@@ -2463,6 +2463,96 @@
           </a:p>
           <a:p>
             <a:endParaRPr lang="en-US" dirty="0"/>
+          </a:p>
+          <a:p>
+            <a:r>
+              <a:rPr lang="en-US" dirty="0"/>
+              <a:t>When divisions arise in the church—doctrinal, relational, or practical—they often spring from </a:t>
+            </a:r>
+            <a:r>
+              <a:rPr lang="en-US" b="1" dirty="0"/>
+              <a:t>presuppositions</a:t>
+            </a:r>
+            <a:r>
+              <a:rPr lang="en-US" dirty="0"/>
+              <a:t> that </a:t>
+            </a:r>
+            <a:r>
+              <a:rPr lang="en-US" i="1" u="sng" dirty="0"/>
+              <a:t>haven’t</a:t>
+            </a:r>
+            <a:r>
+              <a:rPr lang="en-US" dirty="0"/>
+              <a:t> been tested against </a:t>
+            </a:r>
+            <a:r>
+              <a:rPr lang="en-US" b="1" dirty="0"/>
+              <a:t>objective truth</a:t>
+            </a:r>
+            <a:r>
+              <a:rPr lang="en-US" dirty="0"/>
+              <a:t>.</a:t>
+            </a:r>
+          </a:p>
+          <a:p>
+            <a:r>
+              <a:rPr lang="en-US" dirty="0"/>
+              <a:t>Teaching mature Christians to:</a:t>
+            </a:r>
+          </a:p>
+          <a:p>
+            <a:r>
+              <a:rPr lang="en-US" b="1" dirty="0"/>
+              <a:t>Recognize their assumptions</a:t>
+            </a:r>
+            <a:r>
+              <a:rPr lang="en-US" dirty="0"/>
+              <a:t>,</a:t>
+            </a:r>
+          </a:p>
+          <a:p>
+            <a:r>
+              <a:rPr lang="en-US" b="1" dirty="0"/>
+              <a:t>Test ideas against Scripture and observable fruit</a:t>
+            </a:r>
+            <a:r>
+              <a:rPr lang="en-US" dirty="0"/>
+              <a:t>, and</a:t>
+            </a:r>
+          </a:p>
+          <a:p>
+            <a:r>
+              <a:rPr lang="en-US" b="1" dirty="0"/>
+              <a:t>Ensure coherence within the whole counsel of God </a:t>
+            </a:r>
+            <a:r>
+              <a:rPr lang="en-US" dirty="0"/>
+              <a:t>can help </a:t>
+            </a:r>
+            <a:r>
+              <a:rPr lang="en-US" b="1" dirty="0"/>
+              <a:t>resolve disagreements</a:t>
+            </a:r>
+            <a:r>
+              <a:rPr lang="en-US" dirty="0"/>
+              <a:t>, </a:t>
+            </a:r>
+            <a:r>
+              <a:rPr lang="en-US" b="1" dirty="0"/>
+              <a:t>strengthen unity</a:t>
+            </a:r>
+            <a:r>
+              <a:rPr lang="en-US" dirty="0"/>
+              <a:t>, and promote </a:t>
+            </a:r>
+            <a:r>
+              <a:rPr lang="en-US" b="1" dirty="0"/>
+              <a:t>humble discernment</a:t>
+            </a:r>
+            <a:r>
+              <a:rPr lang="en-US" dirty="0"/>
+              <a:t>.</a:t>
+            </a:r>
           </a:p>
           <a:p>
             <a:endParaRPr lang="en-US" dirty="0"/>

--- a/2025-Q3/Unity1/2025-07-06-Unity.pptx
+++ b/2025-Q3/Unity1/2025-07-06-Unity.pptx
@@ -2217,49 +2217,166 @@
         <p:spPr/>
         <p:txBody>
           <a:bodyPr>
-            <a:normAutofit/>
+            <a:normAutofit fontScale="70000" lnSpcReduction="20000"/>
           </a:bodyPr>
           <a:lstStyle/>
           <a:p>
             <a:r>
-              <a:rPr lang="en-US" dirty="0"/>
+              <a:rPr lang="en-US" sz="1400" dirty="0"/>
               <a:t>All four speakers </a:t>
             </a:r>
             <a:r>
-              <a:rPr lang="en-US" b="1" dirty="0"/>
+              <a:rPr lang="en-US" sz="1400" b="1" dirty="0"/>
               <a:t>operate from flawed presuppositions</a:t>
             </a:r>
             <a:r>
-              <a:rPr lang="en-US" dirty="0"/>
+              <a:rPr lang="en-US" sz="1400" dirty="0"/>
               <a:t>: that Job’s suffering must be deserved. They demonstrate how </a:t>
             </a:r>
             <a:r>
-              <a:rPr lang="en-US" b="1" dirty="0"/>
+              <a:rPr lang="en-US" sz="1400" b="1" dirty="0"/>
               <a:t>misapplication of truth</a:t>
             </a:r>
             <a:r>
-              <a:rPr lang="en-US" dirty="0"/>
+              <a:rPr lang="en-US" sz="1400" dirty="0"/>
               <a:t>, even when well-intended, leads to </a:t>
             </a:r>
             <a:r>
-              <a:rPr lang="en-US" b="1" dirty="0"/>
+              <a:rPr lang="en-US" sz="1400" b="1" dirty="0"/>
               <a:t>false counsel and further division</a:t>
             </a:r>
             <a:r>
-              <a:rPr lang="en-US" dirty="0"/>
+              <a:rPr lang="en-US" sz="1400" dirty="0"/>
               <a:t>. Their failure underscores the need for </a:t>
             </a:r>
             <a:r>
-              <a:rPr lang="en-US" b="1" dirty="0"/>
+              <a:rPr lang="en-US" sz="1400" b="1" dirty="0"/>
               <a:t>humility, context, and compassion</a:t>
             </a:r>
             <a:r>
-              <a:rPr lang="en-US" dirty="0"/>
+              <a:rPr lang="en-US" sz="1400" dirty="0"/>
               <a:t> in theological dialogue—directly applicable to preserving unity in the church.</a:t>
             </a:r>
           </a:p>
           <a:p>
-            <a:endParaRPr lang="en-US" dirty="0"/>
+            <a:endParaRPr lang="en-US" sz="1400" dirty="0"/>
+          </a:p>
+          <a:p>
+            <a:endParaRPr lang="en-US" sz="1400" b="1" dirty="0"/>
+          </a:p>
+          <a:p>
+            <a:r>
+              <a:rPr lang="en-US" sz="1400" b="1" dirty="0"/>
+              <a:t>What Is Presuppositional Thinking?</a:t>
+            </a:r>
+          </a:p>
+          <a:p>
+            <a:r>
+              <a:rPr lang="en-US" sz="1400" dirty="0"/>
+              <a:t>Presuppositional thinking involves </a:t>
+            </a:r>
+            <a:r>
+              <a:rPr lang="en-US" sz="1400" b="1" dirty="0"/>
+              <a:t>starting with assumptions</a:t>
+            </a:r>
+            <a:r>
+              <a:rPr lang="en-US" sz="1400" dirty="0"/>
+              <a:t> that shape how we interpret reality, truth, and Scripture. These assumptions are often </a:t>
+            </a:r>
+            <a:r>
+              <a:rPr lang="en-US" sz="1400" b="1" dirty="0"/>
+              <a:t>unexamined</a:t>
+            </a:r>
+            <a:r>
+              <a:rPr lang="en-US" sz="1400" dirty="0"/>
+              <a:t> but deeply rooted in our worldview—our overarching framework for making sense of life, meaning, morality, and destiny.</a:t>
+            </a:r>
+          </a:p>
+          <a:p>
+            <a:endParaRPr lang="en-US" sz="1400" dirty="0"/>
+          </a:p>
+          <a:p>
+            <a:r>
+              <a:rPr lang="en-US" sz="1400" dirty="0"/>
+              <a:t>Example:</a:t>
+            </a:r>
+            <a:br>
+              <a:rPr lang="en-US" sz="1400" dirty="0"/>
+            </a:br>
+            <a:r>
+              <a:rPr lang="en-US" sz="1400" dirty="0"/>
+              <a:t>If someone presupposes that "truth is relative," they will interpret Scripture selectively, potentially dismissing clear biblical commands as "contextual" or outdated.</a:t>
+            </a:r>
+          </a:p>
+          <a:p>
+            <a:endParaRPr lang="en-US" sz="1400" b="1" dirty="0"/>
+          </a:p>
+          <a:p>
+            <a:endParaRPr lang="en-US" sz="1400" b="1" dirty="0"/>
+          </a:p>
+          <a:p>
+            <a:r>
+              <a:rPr lang="en-US" sz="1400" b="1" dirty="0"/>
+              <a:t>How It Leads to Incorrect Assumptions</a:t>
+            </a:r>
+          </a:p>
+          <a:p>
+            <a:endParaRPr lang="en-US" sz="1400" b="1" dirty="0"/>
+          </a:p>
+          <a:p>
+            <a:r>
+              <a:rPr lang="en-US" sz="1400" b="1" dirty="0"/>
+              <a:t>Confirmation Bias</a:t>
+            </a:r>
+            <a:r>
+              <a:rPr lang="en-US" sz="1400" dirty="0"/>
+              <a:t>: We only accept interpretations that match what we already believe.</a:t>
+            </a:r>
+          </a:p>
+          <a:p>
+            <a:r>
+              <a:rPr lang="en-US" sz="1400" b="1" dirty="0"/>
+              <a:t>Cultural Filtering</a:t>
+            </a:r>
+            <a:r>
+              <a:rPr lang="en-US" sz="1400" dirty="0"/>
+              <a:t>: We interpret eternal truths through the lens of modern trends or preferences (e.g. self-image or influencer dogmas).</a:t>
+            </a:r>
+          </a:p>
+          <a:p>
+            <a:r>
+              <a:rPr lang="en-US" sz="1400" b="1" dirty="0"/>
+              <a:t>Doctrinal Rigidity</a:t>
+            </a:r>
+            <a:r>
+              <a:rPr lang="en-US" sz="1400" dirty="0"/>
+              <a:t>: We assume our denominational position is the only legitimate one without examining Scripture afresh.</a:t>
+            </a:r>
+          </a:p>
+          <a:p>
+            <a:endParaRPr lang="en-US" sz="1400" dirty="0"/>
+          </a:p>
+          <a:p>
+            <a:r>
+              <a:rPr lang="en-US" sz="1400" dirty="0"/>
+              <a:t>These errors contribute to </a:t>
+            </a:r>
+            <a:r>
+              <a:rPr lang="en-US" sz="1400" b="1" dirty="0"/>
+              <a:t>theological division, moral confusion</a:t>
+            </a:r>
+            <a:r>
+              <a:rPr lang="en-US" sz="1400" dirty="0"/>
+              <a:t>, and </a:t>
+            </a:r>
+            <a:r>
+              <a:rPr lang="en-US" sz="1400" b="1" dirty="0"/>
+              <a:t>church disunity</a:t>
+            </a:r>
+            <a:r>
+              <a:rPr lang="en-US" sz="1400" dirty="0"/>
+              <a:t>—precisely the issues your course aims to resolve.</a:t>
+            </a:r>
           </a:p>
           <a:p>
             <a:endParaRPr lang="en-US" dirty="0"/>
@@ -2495,9 +2612,16 @@
             </a:r>
           </a:p>
           <a:p>
+            <a:endParaRPr lang="en-US"/>
+          </a:p>
+          <a:p>
+            <a:r>
+              <a:rPr lang="en-US"/>
+              <a:t>Teaching </a:t>
+            </a:r>
             <a:r>
               <a:rPr lang="en-US" dirty="0"/>
-              <a:t>Teaching mature Christians to:</a:t>
+              <a:t>mature Christians to:</a:t>
             </a:r>
           </a:p>
           <a:p>
@@ -8151,7 +8275,7 @@
             </a:br>
             <a:r>
               <a:rPr lang="en-US" dirty="0"/>
-              <a:t>Assuming they understand God’s ways through tradition or reason.</a:t>
+              <a:t>Assuming an understanding of God’s ways through tradition or reason.</a:t>
             </a:r>
           </a:p>
           <a:p>

--- a/2025-Q3/Unity1/2025-07-06-Unity.pptx
+++ b/2025-Q3/Unity1/2025-07-06-Unity.pptx
@@ -284,7 +284,7 @@
               <a:pPr>
                 <a:defRPr/>
               </a:pPr>
-              <a:t>7/7/2025</a:t>
+              <a:t>7/28/2025</a:t>
             </a:fld>
             <a:endParaRPr lang="en-US"/>
           </a:p>
@@ -4637,9 +4637,19 @@
                     <a:lumOff val="40000"/>
                   </a:schemeClr>
                 </a:solidFill>
-                <a:hlinkClick r:id="rId4"/>
               </a:rPr>
-              <a:t>https://tinyurl.com/sa846z8m</a:t>
+              <a:t>https</a:t>
+            </a:r>
+            <a:r>
+              <a:rPr lang="en-US" sz="2000">
+                <a:solidFill>
+                  <a:schemeClr val="tx2">
+                    <a:lumMod val="60000"/>
+                    <a:lumOff val="40000"/>
+                  </a:schemeClr>
+                </a:solidFill>
+              </a:rPr>
+              <a:t>://tinyurl.com/UsefulUnity</a:t>
             </a:r>
             <a:endParaRPr lang="en-US" sz="2000" dirty="0">
               <a:solidFill>

--- a/2025-Q3/Unity1/2025-07-06-Unity.pptx
+++ b/2025-Q3/Unity1/2025-07-06-Unity.pptx
@@ -284,7 +284,7 @@
               <a:pPr>
                 <a:defRPr/>
               </a:pPr>
-              <a:t>7/28/2025</a:t>
+              <a:t>8/9/2025</a:t>
             </a:fld>
             <a:endParaRPr lang="en-US"/>
           </a:p>
@@ -4630,17 +4630,6 @@
           </a:p>
           <a:p>
             <a:r>
-              <a:rPr lang="en-US" sz="2000" dirty="0">
-                <a:solidFill>
-                  <a:schemeClr val="tx2">
-                    <a:lumMod val="60000"/>
-                    <a:lumOff val="40000"/>
-                  </a:schemeClr>
-                </a:solidFill>
-              </a:rPr>
-              <a:t>https</a:t>
-            </a:r>
-            <a:r>
               <a:rPr lang="en-US" sz="2000">
                 <a:solidFill>
                   <a:schemeClr val="tx2">
@@ -4649,7 +4638,7 @@
                   </a:schemeClr>
                 </a:solidFill>
               </a:rPr>
-              <a:t>://tinyurl.com/UsefulUnity</a:t>
+              <a:t>https://tinyurl.com/Call2Unity</a:t>
             </a:r>
             <a:endParaRPr lang="en-US" sz="2000" dirty="0">
               <a:solidFill>
